--- a/MSLT/structure/Figure 3.pptx
+++ b/MSLT/structure/Figure 3.pptx
@@ -5,13 +5,10 @@
     <p:sldMasterId id="2147483660" r:id="rId1"/>
   </p:sldMasterIdLst>
   <p:notesMasterIdLst>
-    <p:notesMasterId r:id="rId6"/>
+    <p:notesMasterId r:id="rId3"/>
   </p:notesMasterIdLst>
   <p:sldIdLst>
     <p:sldId id="256" r:id="rId2"/>
-    <p:sldId id="259" r:id="rId3"/>
-    <p:sldId id="258" r:id="rId4"/>
-    <p:sldId id="257" r:id="rId5"/>
   </p:sldIdLst>
   <p:sldSz cx="12801600" cy="9601200" type="A3"/>
   <p:notesSz cx="9940925" cy="14370050"/>
@@ -200,7 +197,7 @@
           <a:p>
             <a:fld id="{396EC121-57C4-4200-9514-79C73A47C792}" type="datetimeFigureOut">
               <a:rPr lang="en-GB" smtClean="0"/>
-              <a:t>04/04/2018</a:t>
+              <a:t>05/04/2018</a:t>
             </a:fld>
             <a:endParaRPr lang="en-GB"/>
           </a:p>
@@ -518,15 +515,7 @@
             </a:r>
             <a:r>
               <a:rPr lang="en-GB" baseline="0" dirty="0" smtClean="0"/>
-              <a:t> organise the graph as per </a:t>
-            </a:r>
-            <a:r>
-              <a:rPr lang="en-GB" baseline="0" smtClean="0"/>
-              <a:t>data requirements </a:t>
-            </a:r>
-            <a:r>
-              <a:rPr lang="en-GB" baseline="0" dirty="0" smtClean="0"/>
-              <a:t>for Australia and the PMSLT?</a:t>
+              <a:t> organise the graph as per data requirements for Australia and the PMSLT?</a:t>
             </a:r>
             <a:endParaRPr lang="en-GB" dirty="0"/>
           </a:p>
@@ -551,7 +540,7 @@
               <a:rPr lang="en-GB" smtClean="0"/>
               <a:t>1</a:t>
             </a:fld>
-            <a:endParaRPr lang="en-GB"/>
+            <a:endParaRPr lang="en-GB" dirty="0"/>
           </a:p>
         </p:txBody>
       </p:sp>
@@ -559,106 +548,6 @@
     <p:extLst>
       <p:ext uri="{BB962C8B-B14F-4D97-AF65-F5344CB8AC3E}">
         <p14:creationId xmlns:p14="http://schemas.microsoft.com/office/powerpoint/2010/main" val="3463856245"/>
-      </p:ext>
-    </p:extLst>
-  </p:cSld>
-  <p:clrMapOvr>
-    <a:masterClrMapping/>
-  </p:clrMapOvr>
-</p:notes>
-</file>
-
-<file path=ppt/notesSlides/notesSlide2.xml><?xml version="1.0" encoding="utf-8"?>
-<p:notes xmlns:a="http://schemas.openxmlformats.org/drawingml/2006/main" xmlns:r="http://schemas.openxmlformats.org/officeDocument/2006/relationships" xmlns:p="http://schemas.openxmlformats.org/presentationml/2006/main">
-  <p:cSld>
-    <p:spTree>
-      <p:nvGrpSpPr>
-        <p:cNvPr id="1" name=""/>
-        <p:cNvGrpSpPr/>
-        <p:nvPr/>
-      </p:nvGrpSpPr>
-      <p:grpSpPr>
-        <a:xfrm>
-          <a:off x="0" y="0"/>
-          <a:ext cx="0" cy="0"/>
-          <a:chOff x="0" y="0"/>
-          <a:chExt cx="0" cy="0"/>
-        </a:xfrm>
-      </p:grpSpPr>
-      <p:sp>
-        <p:nvSpPr>
-          <p:cNvPr id="2" name="Slide Image Placeholder 1"/>
-          <p:cNvSpPr>
-            <a:spLocks noGrp="1" noRot="1" noChangeAspect="1"/>
-          </p:cNvSpPr>
-          <p:nvPr>
-            <p:ph type="sldImg"/>
-          </p:nvPr>
-        </p:nvSpPr>
-        <p:spPr/>
-      </p:sp>
-      <p:sp>
-        <p:nvSpPr>
-          <p:cNvPr id="3" name="Notes Placeholder 2"/>
-          <p:cNvSpPr>
-            <a:spLocks noGrp="1"/>
-          </p:cNvSpPr>
-          <p:nvPr>
-            <p:ph type="body" idx="1"/>
-          </p:nvPr>
-        </p:nvSpPr>
-        <p:spPr/>
-        <p:txBody>
-          <a:bodyPr/>
-          <a:lstStyle/>
-          <a:p>
-            <a:r>
-              <a:rPr lang="en-GB" dirty="0" smtClean="0"/>
-              <a:t>Could</a:t>
-            </a:r>
-            <a:r>
-              <a:rPr lang="en-GB" baseline="0" dirty="0" smtClean="0"/>
-              <a:t> organise the graph as per </a:t>
-            </a:r>
-            <a:r>
-              <a:rPr lang="en-GB" baseline="0" smtClean="0"/>
-              <a:t>data requirements </a:t>
-            </a:r>
-            <a:r>
-              <a:rPr lang="en-GB" baseline="0" dirty="0" smtClean="0"/>
-              <a:t>for Australia and the PMSLT?</a:t>
-            </a:r>
-            <a:endParaRPr lang="en-GB" dirty="0"/>
-          </a:p>
-        </p:txBody>
-      </p:sp>
-      <p:sp>
-        <p:nvSpPr>
-          <p:cNvPr id="4" name="Slide Number Placeholder 3"/>
-          <p:cNvSpPr>
-            <a:spLocks noGrp="1"/>
-          </p:cNvSpPr>
-          <p:nvPr>
-            <p:ph type="sldNum" sz="quarter" idx="10"/>
-          </p:nvPr>
-        </p:nvSpPr>
-        <p:spPr/>
-        <p:txBody>
-          <a:bodyPr/>
-          <a:lstStyle/>
-          <a:p>
-            <a:fld id="{D33C9AE4-69F4-4B7C-A11A-2D117841EB71}" type="slidenum">
-              <a:rPr lang="en-GB" smtClean="0"/>
-              <a:t>3</a:t>
-            </a:fld>
-            <a:endParaRPr lang="en-GB"/>
-          </a:p>
-        </p:txBody>
-      </p:sp>
-    </p:spTree>
-    <p:extLst>
-      <p:ext uri="{BB962C8B-B14F-4D97-AF65-F5344CB8AC3E}">
-        <p14:creationId xmlns:p14="http://schemas.microsoft.com/office/powerpoint/2010/main" val="957528876"/>
       </p:ext>
     </p:extLst>
   </p:cSld>
@@ -799,7 +688,7 @@
           <a:p>
             <a:fld id="{AED64353-82A1-48F6-BB45-D2EBEC40E129}" type="datetimeFigureOut">
               <a:rPr lang="en-GB" smtClean="0"/>
-              <a:t>04/04/2018</a:t>
+              <a:t>05/04/2018</a:t>
             </a:fld>
             <a:endParaRPr lang="en-GB"/>
           </a:p>
@@ -969,7 +858,7 @@
           <a:p>
             <a:fld id="{AED64353-82A1-48F6-BB45-D2EBEC40E129}" type="datetimeFigureOut">
               <a:rPr lang="en-GB" smtClean="0"/>
-              <a:t>04/04/2018</a:t>
+              <a:t>05/04/2018</a:t>
             </a:fld>
             <a:endParaRPr lang="en-GB"/>
           </a:p>
@@ -1149,7 +1038,7 @@
           <a:p>
             <a:fld id="{AED64353-82A1-48F6-BB45-D2EBEC40E129}" type="datetimeFigureOut">
               <a:rPr lang="en-GB" smtClean="0"/>
-              <a:t>04/04/2018</a:t>
+              <a:t>05/04/2018</a:t>
             </a:fld>
             <a:endParaRPr lang="en-GB"/>
           </a:p>
@@ -1319,7 +1208,7 @@
           <a:p>
             <a:fld id="{AED64353-82A1-48F6-BB45-D2EBEC40E129}" type="datetimeFigureOut">
               <a:rPr lang="en-GB" smtClean="0"/>
-              <a:t>04/04/2018</a:t>
+              <a:t>05/04/2018</a:t>
             </a:fld>
             <a:endParaRPr lang="en-GB"/>
           </a:p>
@@ -1563,7 +1452,7 @@
           <a:p>
             <a:fld id="{AED64353-82A1-48F6-BB45-D2EBEC40E129}" type="datetimeFigureOut">
               <a:rPr lang="en-GB" smtClean="0"/>
-              <a:t>04/04/2018</a:t>
+              <a:t>05/04/2018</a:t>
             </a:fld>
             <a:endParaRPr lang="en-GB"/>
           </a:p>
@@ -1795,7 +1684,7 @@
           <a:p>
             <a:fld id="{AED64353-82A1-48F6-BB45-D2EBEC40E129}" type="datetimeFigureOut">
               <a:rPr lang="en-GB" smtClean="0"/>
-              <a:t>04/04/2018</a:t>
+              <a:t>05/04/2018</a:t>
             </a:fld>
             <a:endParaRPr lang="en-GB"/>
           </a:p>
@@ -2162,7 +2051,7 @@
           <a:p>
             <a:fld id="{AED64353-82A1-48F6-BB45-D2EBEC40E129}" type="datetimeFigureOut">
               <a:rPr lang="en-GB" smtClean="0"/>
-              <a:t>04/04/2018</a:t>
+              <a:t>05/04/2018</a:t>
             </a:fld>
             <a:endParaRPr lang="en-GB"/>
           </a:p>
@@ -2280,7 +2169,7 @@
           <a:p>
             <a:fld id="{AED64353-82A1-48F6-BB45-D2EBEC40E129}" type="datetimeFigureOut">
               <a:rPr lang="en-GB" smtClean="0"/>
-              <a:t>04/04/2018</a:t>
+              <a:t>05/04/2018</a:t>
             </a:fld>
             <a:endParaRPr lang="en-GB"/>
           </a:p>
@@ -2375,7 +2264,7 @@
           <a:p>
             <a:fld id="{AED64353-82A1-48F6-BB45-D2EBEC40E129}" type="datetimeFigureOut">
               <a:rPr lang="en-GB" smtClean="0"/>
-              <a:t>04/04/2018</a:t>
+              <a:t>05/04/2018</a:t>
             </a:fld>
             <a:endParaRPr lang="en-GB"/>
           </a:p>
@@ -2652,7 +2541,7 @@
           <a:p>
             <a:fld id="{AED64353-82A1-48F6-BB45-D2EBEC40E129}" type="datetimeFigureOut">
               <a:rPr lang="en-GB" smtClean="0"/>
-              <a:t>04/04/2018</a:t>
+              <a:t>05/04/2018</a:t>
             </a:fld>
             <a:endParaRPr lang="en-GB"/>
           </a:p>
@@ -2909,7 +2798,7 @@
           <a:p>
             <a:fld id="{AED64353-82A1-48F6-BB45-D2EBEC40E129}" type="datetimeFigureOut">
               <a:rPr lang="en-GB" smtClean="0"/>
-              <a:t>04/04/2018</a:t>
+              <a:t>05/04/2018</a:t>
             </a:fld>
             <a:endParaRPr lang="en-GB"/>
           </a:p>
@@ -3122,7 +3011,7 @@
           <a:p>
             <a:fld id="{AED64353-82A1-48F6-BB45-D2EBEC40E129}" type="datetimeFigureOut">
               <a:rPr lang="en-GB" smtClean="0"/>
-              <a:t>04/04/2018</a:t>
+              <a:t>05/04/2018</a:t>
             </a:fld>
             <a:endParaRPr lang="en-GB"/>
           </a:p>
@@ -3527,6 +3416,123 @@
           <a:chExt cx="0" cy="0"/>
         </a:xfrm>
       </p:grpSpPr>
+      <p:cxnSp>
+        <p:nvCxnSpPr>
+          <p:cNvPr id="262" name="Straight Arrow Connector 261"/>
+          <p:cNvCxnSpPr>
+            <a:stCxn id="289" idx="3"/>
+            <a:endCxn id="243" idx="2"/>
+          </p:cNvCxnSpPr>
+          <p:nvPr/>
+        </p:nvCxnSpPr>
+        <p:spPr>
+          <a:xfrm flipV="1">
+            <a:off x="6967502" y="2946894"/>
+            <a:ext cx="3239158" cy="3979968"/>
+          </a:xfrm>
+          <a:prstGeom prst="straightConnector1">
+            <a:avLst/>
+          </a:prstGeom>
+          <a:ln w="28575">
+            <a:solidFill>
+              <a:schemeClr val="tx1"/>
+            </a:solidFill>
+            <a:prstDash val="solid"/>
+            <a:tailEnd type="triangle"/>
+          </a:ln>
+        </p:spPr>
+        <p:style>
+          <a:lnRef idx="1">
+            <a:schemeClr val="accent1"/>
+          </a:lnRef>
+          <a:fillRef idx="0">
+            <a:schemeClr val="accent1"/>
+          </a:fillRef>
+          <a:effectRef idx="0">
+            <a:schemeClr val="accent1"/>
+          </a:effectRef>
+          <a:fontRef idx="minor">
+            <a:schemeClr val="tx1"/>
+          </a:fontRef>
+        </p:style>
+      </p:cxnSp>
+      <p:cxnSp>
+        <p:nvCxnSpPr>
+          <p:cNvPr id="259" name="Straight Arrow Connector 258"/>
+          <p:cNvCxnSpPr>
+            <a:stCxn id="284" idx="3"/>
+            <a:endCxn id="218" idx="1"/>
+          </p:cNvCxnSpPr>
+          <p:nvPr/>
+        </p:nvCxnSpPr>
+        <p:spPr>
+          <a:xfrm flipV="1">
+            <a:off x="7016420" y="2731451"/>
+            <a:ext cx="4096619" cy="3372608"/>
+          </a:xfrm>
+          <a:prstGeom prst="straightConnector1">
+            <a:avLst/>
+          </a:prstGeom>
+          <a:ln w="28575">
+            <a:solidFill>
+              <a:schemeClr val="tx1"/>
+            </a:solidFill>
+            <a:prstDash val="solid"/>
+            <a:tailEnd type="triangle"/>
+          </a:ln>
+        </p:spPr>
+        <p:style>
+          <a:lnRef idx="1">
+            <a:schemeClr val="accent1"/>
+          </a:lnRef>
+          <a:fillRef idx="0">
+            <a:schemeClr val="accent1"/>
+          </a:fillRef>
+          <a:effectRef idx="0">
+            <a:schemeClr val="accent1"/>
+          </a:effectRef>
+          <a:fontRef idx="minor">
+            <a:schemeClr val="tx1"/>
+          </a:fontRef>
+        </p:style>
+      </p:cxnSp>
+      <p:cxnSp>
+        <p:nvCxnSpPr>
+          <p:cNvPr id="216" name="Straight Arrow Connector 215"/>
+          <p:cNvCxnSpPr/>
+          <p:nvPr/>
+        </p:nvCxnSpPr>
+        <p:spPr>
+          <a:xfrm flipV="1">
+            <a:off x="4028683" y="1624440"/>
+            <a:ext cx="3290770" cy="1299515"/>
+          </a:xfrm>
+          <a:prstGeom prst="straightConnector1">
+            <a:avLst/>
+          </a:prstGeom>
+          <a:ln w="28575">
+            <a:solidFill>
+              <a:schemeClr val="tx1"/>
+            </a:solidFill>
+            <a:prstDash val="solid"/>
+            <a:tailEnd type="triangle"/>
+          </a:ln>
+        </p:spPr>
+        <p:style>
+          <a:lnRef idx="1">
+            <a:schemeClr val="accent1"/>
+          </a:lnRef>
+          <a:fillRef idx="0">
+            <a:schemeClr val="accent1"/>
+          </a:fillRef>
+          <a:effectRef idx="0">
+            <a:schemeClr val="accent1"/>
+          </a:effectRef>
+          <a:fontRef idx="minor">
+            <a:schemeClr val="tx1"/>
+          </a:fontRef>
+        </p:style>
+      </p:cxnSp>
       <p:sp>
         <p:nvSpPr>
           <p:cNvPr id="67" name="TextBox 66"/>
@@ -3535,16 +3541,16 @@
         </p:nvSpPr>
         <p:spPr>
           <a:xfrm>
-            <a:off x="731970" y="1208894"/>
+            <a:off x="755179" y="1027381"/>
             <a:ext cx="1662641" cy="261610"/>
           </a:xfrm>
           <a:prstGeom prst="rect">
             <a:avLst/>
           </a:prstGeom>
           <a:solidFill>
-            <a:schemeClr val="accent4">
-              <a:lumMod val="20000"/>
-              <a:lumOff val="80000"/>
+            <a:schemeClr val="accent1">
+              <a:lumMod val="40000"/>
+              <a:lumOff val="60000"/>
             </a:schemeClr>
           </a:solidFill>
           <a:ln w="19050">
@@ -3562,11 +3568,7 @@
             <a:pPr algn="ctr"/>
             <a:r>
               <a:rPr lang="en-GB" sz="1100" dirty="0" smtClean="0"/>
-              <a:t>Synthetic </a:t>
-            </a:r>
-            <a:r>
-              <a:rPr lang="en-GB" sz="1100" dirty="0" smtClean="0"/>
-              <a:t>population</a:t>
+              <a:t>Synthetic population</a:t>
             </a:r>
             <a:endParaRPr lang="en-GB" sz="1100" dirty="0"/>
           </a:p>
@@ -3580,8 +3582,49 @@
         </p:nvSpPr>
         <p:spPr>
           <a:xfrm>
-            <a:off x="3013151" y="1070161"/>
-            <a:ext cx="1004856" cy="600164"/>
+            <a:off x="3028636" y="1022428"/>
+            <a:ext cx="1004856" cy="261610"/>
+          </a:xfrm>
+          <a:prstGeom prst="rect">
+            <a:avLst/>
+          </a:prstGeom>
+          <a:solidFill>
+            <a:schemeClr val="accent1">
+              <a:lumMod val="40000"/>
+              <a:lumOff val="60000"/>
+            </a:schemeClr>
+          </a:solidFill>
+          <a:ln w="19050">
+            <a:solidFill>
+              <a:schemeClr val="tx1"/>
+            </a:solidFill>
+          </a:ln>
+        </p:spPr>
+        <p:txBody>
+          <a:bodyPr wrap="square" rtlCol="0">
+            <a:spAutoFit/>
+          </a:bodyPr>
+          <a:lstStyle/>
+          <a:p>
+            <a:pPr algn="ctr"/>
+            <a:r>
+              <a:rPr lang="en-GB" sz="1100" dirty="0" smtClean="0"/>
+              <a:t>Population</a:t>
+            </a:r>
+            <a:endParaRPr lang="en-GB" sz="1100" dirty="0"/>
+          </a:p>
+        </p:txBody>
+      </p:sp>
+      <p:sp>
+        <p:nvSpPr>
+          <p:cNvPr id="265" name="TextBox 264"/>
+          <p:cNvSpPr txBox="1"/>
+          <p:nvPr/>
+        </p:nvSpPr>
+        <p:spPr>
+          <a:xfrm>
+            <a:off x="751625" y="175600"/>
+            <a:ext cx="1662641" cy="307777"/>
           </a:xfrm>
           <a:prstGeom prst="rect">
             <a:avLst/>
@@ -3601,47 +3644,6 @@
           <a:p>
             <a:pPr algn="ctr"/>
             <a:r>
-              <a:rPr lang="en-GB" sz="1100" dirty="0" smtClean="0"/>
-              <a:t>Population by age groups and sex</a:t>
-            </a:r>
-            <a:endParaRPr lang="en-GB" sz="1100" dirty="0"/>
-          </a:p>
-        </p:txBody>
-      </p:sp>
-      <p:sp>
-        <p:nvSpPr>
-          <p:cNvPr id="265" name="TextBox 264"/>
-          <p:cNvSpPr txBox="1"/>
-          <p:nvPr/>
-        </p:nvSpPr>
-        <p:spPr>
-          <a:xfrm>
-            <a:off x="731970" y="693367"/>
-            <a:ext cx="1662641" cy="307777"/>
-          </a:xfrm>
-          <a:prstGeom prst="rect">
-            <a:avLst/>
-          </a:prstGeom>
-          <a:solidFill>
-            <a:schemeClr val="accent4">
-              <a:lumMod val="20000"/>
-              <a:lumOff val="80000"/>
-            </a:schemeClr>
-          </a:solidFill>
-          <a:ln w="19050">
-            <a:solidFill>
-              <a:schemeClr val="tx1"/>
-            </a:solidFill>
-          </a:ln>
-        </p:spPr>
-        <p:txBody>
-          <a:bodyPr wrap="square" rtlCol="0">
-            <a:spAutoFit/>
-          </a:bodyPr>
-          <a:lstStyle/>
-          <a:p>
-            <a:pPr algn="ctr"/>
-            <a:r>
               <a:rPr lang="en-GB" sz="1400" b="1" dirty="0" smtClean="0"/>
               <a:t>Data inputs sources</a:t>
             </a:r>
@@ -3653,14 +3655,15 @@
         <p:nvCxnSpPr>
           <p:cNvPr id="281" name="Straight Arrow Connector 280"/>
           <p:cNvCxnSpPr>
+            <a:stCxn id="67" idx="3"/>
             <a:endCxn id="228" idx="1"/>
           </p:cNvCxnSpPr>
           <p:nvPr/>
         </p:nvCxnSpPr>
         <p:spPr>
-          <a:xfrm>
-            <a:off x="2401322" y="1370243"/>
-            <a:ext cx="611829" cy="0"/>
+          <a:xfrm flipV="1">
+            <a:off x="2417820" y="1153233"/>
+            <a:ext cx="610816" cy="4953"/>
           </a:xfrm>
           <a:prstGeom prst="straightConnector1">
             <a:avLst/>
@@ -3696,10 +3699,10 @@
         </p:nvGrpSpPr>
         <p:grpSpPr>
           <a:xfrm>
-            <a:off x="728296" y="7897814"/>
-            <a:ext cx="6265427" cy="1428596"/>
-            <a:chOff x="706856" y="4401292"/>
-            <a:chExt cx="6265427" cy="1428596"/>
+            <a:off x="741726" y="5796282"/>
+            <a:ext cx="6274694" cy="1438356"/>
+            <a:chOff x="720286" y="4401292"/>
+            <a:chExt cx="6274694" cy="1438356"/>
           </a:xfrm>
         </p:grpSpPr>
         <p:cxnSp>
@@ -3713,8 +3716,8 @@
           </p:nvCxnSpPr>
           <p:spPr>
             <a:xfrm flipV="1">
-              <a:off x="2271119" y="4701374"/>
-              <a:ext cx="871819" cy="300082"/>
+              <a:off x="2383486" y="4701374"/>
+              <a:ext cx="759452" cy="315471"/>
             </a:xfrm>
             <a:prstGeom prst="straightConnector1">
               <a:avLst/>
@@ -3756,7 +3759,12 @@
             <a:prstGeom prst="rect">
               <a:avLst/>
             </a:prstGeom>
-            <a:noFill/>
+            <a:solidFill>
+              <a:schemeClr val="accent2">
+                <a:lumMod val="40000"/>
+                <a:lumOff val="60000"/>
+              </a:schemeClr>
+            </a:solidFill>
             <a:ln w="19050">
               <a:solidFill>
                 <a:schemeClr val="tx1"/>
@@ -3772,7 +3780,11 @@
               <a:pPr algn="ctr"/>
               <a:r>
                 <a:rPr lang="en-GB" sz="1100" dirty="0" smtClean="0"/>
-                <a:t>Road death by mode, age an sex groups</a:t>
+                <a:t>Road </a:t>
+              </a:r>
+              <a:r>
+                <a:rPr lang="en-GB" sz="1100" dirty="0" smtClean="0"/>
+                <a:t>death-per victim mode</a:t>
               </a:r>
               <a:endParaRPr lang="en-GB" sz="1100" dirty="0"/>
             </a:p>
@@ -3786,16 +3798,16 @@
           </p:nvSpPr>
           <p:spPr>
             <a:xfrm>
-              <a:off x="706856" y="4786012"/>
-              <a:ext cx="1564263" cy="430887"/>
+              <a:off x="720286" y="4801401"/>
+              <a:ext cx="1663200" cy="430887"/>
             </a:xfrm>
             <a:prstGeom prst="rect">
               <a:avLst/>
             </a:prstGeom>
             <a:solidFill>
-              <a:schemeClr val="accent4">
-                <a:lumMod val="20000"/>
-                <a:lumOff val="80000"/>
+              <a:schemeClr val="accent2">
+                <a:lumMod val="40000"/>
+                <a:lumOff val="60000"/>
               </a:schemeClr>
             </a:solidFill>
             <a:ln w="19050">
@@ -3833,7 +3845,12 @@
             <a:prstGeom prst="rect">
               <a:avLst/>
             </a:prstGeom>
-            <a:noFill/>
+            <a:solidFill>
+              <a:schemeClr val="accent2">
+                <a:lumMod val="40000"/>
+                <a:lumOff val="60000"/>
+              </a:schemeClr>
+            </a:solidFill>
             <a:ln w="19050">
               <a:solidFill>
                 <a:schemeClr val="tx1"/>
@@ -3849,7 +3866,11 @@
               <a:pPr algn="ctr"/>
               <a:r>
                 <a:rPr lang="en-GB" sz="1100" dirty="0" smtClean="0"/>
-                <a:t>Road injuries by mode, age an sex groups</a:t>
+                <a:t>Road </a:t>
+              </a:r>
+              <a:r>
+                <a:rPr lang="en-GB" sz="1100" dirty="0" smtClean="0"/>
+                <a:t>injuries-per victim mode</a:t>
               </a:r>
               <a:endParaRPr lang="en-GB" sz="1100" dirty="0"/>
             </a:p>
@@ -3866,8 +3887,8 @@
           </p:nvCxnSpPr>
           <p:spPr>
             <a:xfrm>
-              <a:off x="2271119" y="5001456"/>
-              <a:ext cx="871819" cy="502259"/>
+              <a:off x="2383486" y="5016845"/>
+              <a:ext cx="759452" cy="486870"/>
             </a:xfrm>
             <a:prstGeom prst="straightConnector1">
               <a:avLst/>
@@ -3903,15 +3924,16 @@
           </p:nvSpPr>
           <p:spPr>
             <a:xfrm>
-              <a:off x="5756180" y="4405409"/>
-              <a:ext cx="1208639" cy="596047"/>
+              <a:off x="5774580" y="4401292"/>
+              <a:ext cx="1220400" cy="615553"/>
             </a:xfrm>
             <a:prstGeom prst="rect">
               <a:avLst/>
             </a:prstGeom>
             <a:solidFill>
-              <a:schemeClr val="bg1">
-                <a:lumMod val="85000"/>
+              <a:schemeClr val="accent6">
+                <a:lumMod val="40000"/>
+                <a:lumOff val="60000"/>
               </a:schemeClr>
             </a:solidFill>
             <a:ln w="19050">
@@ -3928,8 +3950,24 @@
             <a:p>
               <a:pPr algn="ctr"/>
               <a:r>
+                <a:rPr lang="el-GR" sz="1100" dirty="0"/>
+                <a:t>Δ </a:t>
+              </a:r>
+              <a:r>
                 <a:rPr lang="en-GB" sz="1100" dirty="0" smtClean="0"/>
-                <a:t>Road death rate by mode, age an sex groups</a:t>
+                <a:t> </a:t>
+              </a:r>
+              <a:r>
+                <a:rPr lang="en-GB" sz="1100" dirty="0" smtClean="0"/>
+                <a:t>Road </a:t>
+              </a:r>
+              <a:r>
+                <a:rPr lang="en-GB" sz="1100" dirty="0" smtClean="0"/>
+                <a:t>death </a:t>
+              </a:r>
+              <a:r>
+                <a:rPr lang="en-GB" sz="1100" dirty="0" smtClean="0"/>
+                <a:t>rate-per victim mode</a:t>
               </a:r>
               <a:endParaRPr lang="en-GB" sz="1100" dirty="0"/>
             </a:p>
@@ -3943,15 +3981,16 @@
           </p:nvSpPr>
           <p:spPr>
             <a:xfrm>
-              <a:off x="5753258" y="5229724"/>
-              <a:ext cx="1219025" cy="600164"/>
+              <a:off x="5727037" y="5224095"/>
+              <a:ext cx="1219025" cy="615553"/>
             </a:xfrm>
             <a:prstGeom prst="rect">
               <a:avLst/>
             </a:prstGeom>
             <a:solidFill>
-              <a:schemeClr val="bg1">
-                <a:lumMod val="85000"/>
+              <a:schemeClr val="accent6">
+                <a:lumMod val="40000"/>
+                <a:lumOff val="60000"/>
               </a:schemeClr>
             </a:solidFill>
             <a:ln w="19050">
@@ -3968,8 +4007,24 @@
             <a:p>
               <a:pPr algn="ctr"/>
               <a:r>
+                <a:rPr lang="el-GR" sz="1100" dirty="0"/>
+                <a:t>Δ </a:t>
+              </a:r>
+              <a:r>
                 <a:rPr lang="en-GB" sz="1100" dirty="0" smtClean="0"/>
-                <a:t>Road injuries rate by mode, age an sex groups</a:t>
+                <a:t> </a:t>
+              </a:r>
+              <a:r>
+                <a:rPr lang="en-GB" sz="1100" dirty="0" smtClean="0"/>
+                <a:t>Road </a:t>
+              </a:r>
+              <a:r>
+                <a:rPr lang="en-GB" sz="1100" dirty="0" smtClean="0"/>
+                <a:t>injuries </a:t>
+              </a:r>
+              <a:r>
+                <a:rPr lang="en-GB" sz="1100" dirty="0" smtClean="0"/>
+                <a:t>rate-per victim mode</a:t>
               </a:r>
               <a:endParaRPr lang="en-GB" sz="1100" dirty="0"/>
             </a:p>
@@ -3987,7 +4042,7 @@
           <p:spPr>
             <a:xfrm>
               <a:off x="4147794" y="4701374"/>
-              <a:ext cx="1608386" cy="2059"/>
+              <a:ext cx="1626786" cy="7695"/>
             </a:xfrm>
             <a:prstGeom prst="straightConnector1">
               <a:avLst/>
@@ -4025,7 +4080,7 @@
           </p:nvCxnSpPr>
           <p:spPr>
             <a:xfrm>
-              <a:off x="4178128" y="5497640"/>
+              <a:off x="4151907" y="5492013"/>
               <a:ext cx="1575130" cy="0"/>
             </a:xfrm>
             <a:prstGeom prst="straightConnector1">
@@ -4066,8 +4121,8 @@
         </p:nvCxnSpPr>
         <p:spPr>
           <a:xfrm>
-            <a:off x="4018007" y="1370243"/>
-            <a:ext cx="1759613" cy="6829712"/>
+            <a:off x="4033492" y="1153233"/>
+            <a:ext cx="1762528" cy="4950826"/>
           </a:xfrm>
           <a:prstGeom prst="straightConnector1">
             <a:avLst/>
@@ -4106,8 +4161,8 @@
         </p:nvCxnSpPr>
         <p:spPr>
           <a:xfrm>
-            <a:off x="4018007" y="1370243"/>
-            <a:ext cx="1756691" cy="7656085"/>
+            <a:off x="4033492" y="1153233"/>
+            <a:ext cx="1714985" cy="5773629"/>
           </a:xfrm>
           <a:prstGeom prst="straightConnector1">
             <a:avLst/>
@@ -4145,9 +4200,9 @@
           <p:nvPr/>
         </p:nvCxnSpPr>
         <p:spPr>
-          <a:xfrm flipV="1">
-            <a:off x="4018007" y="1338267"/>
-            <a:ext cx="4268054" cy="31976"/>
+          <a:xfrm>
+            <a:off x="4033492" y="1153233"/>
+            <a:ext cx="3351469" cy="476828"/>
           </a:xfrm>
           <a:prstGeom prst="straightConnector1">
             <a:avLst/>
@@ -4183,10 +4238,10 @@
         </p:nvGrpSpPr>
         <p:grpSpPr>
           <a:xfrm>
-            <a:off x="587943" y="2194884"/>
-            <a:ext cx="6420592" cy="3716442"/>
-            <a:chOff x="718170" y="5253387"/>
-            <a:chExt cx="6420592" cy="3716442"/>
+            <a:off x="756958" y="1333242"/>
+            <a:ext cx="6165422" cy="2772100"/>
+            <a:chOff x="880833" y="5049863"/>
+            <a:chExt cx="6165422" cy="2772100"/>
           </a:xfrm>
         </p:grpSpPr>
         <p:sp>
@@ -4197,25 +4252,17 @@
           </p:nvSpPr>
           <p:spPr>
             <a:xfrm>
-              <a:off x="4236197" y="6850743"/>
-              <a:ext cx="2902565" cy="2119086"/>
+              <a:off x="4260356" y="5901049"/>
+              <a:ext cx="2785899" cy="1906839"/>
             </a:xfrm>
             <a:prstGeom prst="rect">
               <a:avLst/>
             </a:prstGeom>
             <a:solidFill>
-              <a:schemeClr val="accent4">
-                <a:lumMod val="60000"/>
-                <a:lumOff val="40000"/>
-              </a:schemeClr>
+              <a:srgbClr val="CB86F2"/>
             </a:solidFill>
             <a:ln>
-              <a:solidFill>
-                <a:schemeClr val="accent4">
-                  <a:lumMod val="60000"/>
-                  <a:lumOff val="40000"/>
-                </a:schemeClr>
-              </a:solidFill>
+              <a:noFill/>
             </a:ln>
           </p:spPr>
           <p:style>
@@ -4239,7 +4286,7 @@
             <a:lstStyle/>
             <a:p>
               <a:pPr algn="ctr"/>
-              <a:endParaRPr lang="en-GB"/>
+              <a:endParaRPr lang="en-GB" dirty="0"/>
             </a:p>
           </p:txBody>
         </p:sp>
@@ -4251,22 +4298,18 @@
           </p:nvSpPr>
           <p:spPr>
             <a:xfrm>
-              <a:off x="5796920" y="7273864"/>
+              <a:off x="5860329" y="6186827"/>
               <a:ext cx="1149812" cy="430887"/>
             </a:xfrm>
             <a:prstGeom prst="rect">
               <a:avLst/>
             </a:prstGeom>
-            <a:solidFill>
-              <a:schemeClr val="bg1">
-                <a:lumMod val="85000"/>
-              </a:schemeClr>
-            </a:solidFill>
+            <a:noFill/>
             <a:ln w="19050">
               <a:solidFill>
                 <a:schemeClr val="tx1"/>
               </a:solidFill>
-              <a:prstDash val="sysDash"/>
+              <a:prstDash val="solid"/>
             </a:ln>
           </p:spPr>
           <p:txBody>
@@ -4292,13 +4335,18 @@
           </p:nvSpPr>
           <p:spPr>
             <a:xfrm>
-              <a:off x="3145574" y="6550437"/>
-              <a:ext cx="1011691" cy="938719"/>
+              <a:off x="3129886" y="6363433"/>
+              <a:ext cx="1004400" cy="600164"/>
             </a:xfrm>
             <a:prstGeom prst="rect">
               <a:avLst/>
             </a:prstGeom>
-            <a:noFill/>
+            <a:solidFill>
+              <a:schemeClr val="accent4">
+                <a:lumMod val="60000"/>
+                <a:lumOff val="40000"/>
+              </a:schemeClr>
+            </a:solidFill>
             <a:ln w="19050">
               <a:solidFill>
                 <a:schemeClr val="tx1"/>
@@ -4314,7 +4362,11 @@
               <a:pPr algn="ctr"/>
               <a:r>
                 <a:rPr lang="en-GB" sz="1100" dirty="0" smtClean="0"/>
-                <a:t>All-cause mortality rates by age groups and sex</a:t>
+                <a:t>All-cause mortality </a:t>
+              </a:r>
+              <a:r>
+                <a:rPr lang="en-GB" sz="1100" dirty="0" smtClean="0"/>
+                <a:t>rates</a:t>
               </a:r>
               <a:endParaRPr lang="en-GB" sz="1100" dirty="0"/>
             </a:p>
@@ -4328,16 +4380,16 @@
           </p:nvSpPr>
           <p:spPr>
             <a:xfrm>
-              <a:off x="718170" y="7556755"/>
-              <a:ext cx="1505322" cy="430887"/>
+              <a:off x="880833" y="6418153"/>
+              <a:ext cx="1662641" cy="430887"/>
             </a:xfrm>
             <a:prstGeom prst="rect">
               <a:avLst/>
             </a:prstGeom>
             <a:solidFill>
               <a:schemeClr val="accent4">
-                <a:lumMod val="20000"/>
-                <a:lumOff val="80000"/>
+                <a:lumMod val="60000"/>
+                <a:lumOff val="40000"/>
               </a:schemeClr>
             </a:solidFill>
             <a:ln w="19050">
@@ -4369,7 +4421,7 @@
           </p:nvSpPr>
           <p:spPr>
             <a:xfrm>
-              <a:off x="4379059" y="7261925"/>
+              <a:off x="4401314" y="6189260"/>
               <a:ext cx="1201586" cy="430887"/>
             </a:xfrm>
             <a:prstGeom prst="rect">
@@ -4390,7 +4442,7 @@
             <a:p>
               <a:pPr algn="ctr"/>
               <a:r>
-                <a:rPr lang="en-GB" sz="1100" b="1" dirty="0" err="1" smtClean="0"/>
+                <a:rPr lang="en-GB" sz="1100" b="1" dirty="0" smtClean="0"/>
                 <a:t>Dismod</a:t>
               </a:r>
               <a:r>
@@ -4420,13 +4472,18 @@
           </p:nvSpPr>
           <p:spPr>
             <a:xfrm>
-              <a:off x="3129064" y="5253387"/>
-              <a:ext cx="1004856" cy="600164"/>
+              <a:off x="3142998" y="5049863"/>
+              <a:ext cx="1004400" cy="430887"/>
             </a:xfrm>
             <a:prstGeom prst="rect">
               <a:avLst/>
             </a:prstGeom>
-            <a:noFill/>
+            <a:solidFill>
+              <a:schemeClr val="accent4">
+                <a:lumMod val="60000"/>
+                <a:lumOff val="40000"/>
+              </a:schemeClr>
+            </a:solidFill>
             <a:ln w="19050">
               <a:solidFill>
                 <a:schemeClr val="tx1"/>
@@ -4442,7 +4499,11 @@
               <a:pPr algn="ctr"/>
               <a:r>
                 <a:rPr lang="en-GB" sz="1100" dirty="0" smtClean="0"/>
-                <a:t>Total  YLD rates by age and sex</a:t>
+                <a:t>Total  </a:t>
+              </a:r>
+              <a:r>
+                <a:rPr lang="en-GB" sz="1100" dirty="0" smtClean="0"/>
+                <a:t>YLD rates</a:t>
               </a:r>
               <a:endParaRPr lang="en-GB" sz="1100" dirty="0"/>
             </a:p>
@@ -4456,13 +4517,18 @@
           </p:nvSpPr>
           <p:spPr>
             <a:xfrm>
-              <a:off x="3158863" y="8195097"/>
+              <a:off x="3121296" y="7391076"/>
               <a:ext cx="1004856" cy="430887"/>
             </a:xfrm>
             <a:prstGeom prst="rect">
               <a:avLst/>
             </a:prstGeom>
-            <a:noFill/>
+            <a:solidFill>
+              <a:schemeClr val="accent4">
+                <a:lumMod val="60000"/>
+                <a:lumOff val="40000"/>
+              </a:schemeClr>
+            </a:solidFill>
             <a:ln w="19050">
               <a:solidFill>
                 <a:schemeClr val="tx1"/>
@@ -4494,9 +4560,9 @@
             <p:nvPr/>
           </p:nvCxnSpPr>
           <p:spPr>
-            <a:xfrm flipV="1">
-              <a:off x="2223492" y="7019797"/>
-              <a:ext cx="922082" cy="752402"/>
+            <a:xfrm>
+              <a:off x="2543474" y="6633597"/>
+              <a:ext cx="586412" cy="29918"/>
             </a:xfrm>
             <a:prstGeom prst="straightConnector1">
               <a:avLst/>
@@ -4528,14 +4594,15 @@
           <p:nvCxnSpPr>
             <p:cNvPr id="305" name="Straight Arrow Connector 304"/>
             <p:cNvCxnSpPr>
+              <a:stCxn id="249" idx="3"/>
               <a:endCxn id="309" idx="1"/>
             </p:cNvCxnSpPr>
             <p:nvPr/>
           </p:nvCxnSpPr>
           <p:spPr>
             <a:xfrm>
-              <a:off x="2237807" y="7805003"/>
-              <a:ext cx="905573" cy="0"/>
+              <a:off x="2543474" y="6633597"/>
+              <a:ext cx="587415" cy="522360"/>
             </a:xfrm>
             <a:prstGeom prst="straightConnector1">
               <a:avLst/>
@@ -4574,8 +4641,8 @@
           </p:nvCxnSpPr>
           <p:spPr>
             <a:xfrm>
-              <a:off x="2223492" y="7772199"/>
-              <a:ext cx="935371" cy="638342"/>
+              <a:off x="2543474" y="6633597"/>
+              <a:ext cx="577822" cy="972923"/>
             </a:xfrm>
             <a:prstGeom prst="straightConnector1">
               <a:avLst/>
@@ -4611,13 +4678,18 @@
           </p:nvSpPr>
           <p:spPr>
             <a:xfrm>
-              <a:off x="3143380" y="7543541"/>
-              <a:ext cx="1004856" cy="600164"/>
+              <a:off x="3130889" y="7025152"/>
+              <a:ext cx="1004856" cy="261610"/>
             </a:xfrm>
             <a:prstGeom prst="rect">
               <a:avLst/>
             </a:prstGeom>
-            <a:noFill/>
+            <a:solidFill>
+              <a:schemeClr val="accent4">
+                <a:lumMod val="60000"/>
+                <a:lumOff val="40000"/>
+              </a:schemeClr>
+            </a:solidFill>
             <a:ln w="19050">
               <a:solidFill>
                 <a:schemeClr val="tx1"/>
@@ -4633,7 +4705,7 @@
               <a:pPr algn="ctr"/>
               <a:r>
                 <a:rPr lang="en-GB" sz="1100" dirty="0" smtClean="0"/>
-                <a:t>Population by age and sex groups</a:t>
+                <a:t>Population</a:t>
               </a:r>
               <a:endParaRPr lang="en-GB" sz="1100" dirty="0"/>
             </a:p>
@@ -4650,8 +4722,8 @@
           </p:nvCxnSpPr>
           <p:spPr>
             <a:xfrm flipV="1">
-              <a:off x="2223492" y="5553469"/>
-              <a:ext cx="905572" cy="2218730"/>
+              <a:off x="2543474" y="5265307"/>
+              <a:ext cx="599524" cy="1368290"/>
             </a:xfrm>
             <a:prstGeom prst="straightConnector1">
               <a:avLst/>
@@ -4687,7 +4759,7 @@
           </p:nvSpPr>
           <p:spPr>
             <a:xfrm>
-              <a:off x="4344808" y="8279974"/>
+              <a:off x="4414559" y="7290807"/>
               <a:ext cx="1113184" cy="430887"/>
             </a:xfrm>
             <a:prstGeom prst="rect">
@@ -4708,7 +4780,7 @@
             <a:p>
               <a:pPr algn="ctr"/>
               <a:r>
-                <a:rPr lang="en-GB" sz="1100" b="1" dirty="0" err="1" smtClean="0"/>
+                <a:rPr lang="en-GB" sz="1100" b="1" dirty="0" smtClean="0"/>
                 <a:t>Dismod</a:t>
               </a:r>
               <a:r>
@@ -4739,9 +4811,9 @@
             <p:nvPr/>
           </p:nvCxnSpPr>
           <p:spPr>
-            <a:xfrm>
-              <a:off x="4157265" y="7019797"/>
-              <a:ext cx="221794" cy="457572"/>
+            <a:xfrm flipV="1">
+              <a:off x="4134286" y="6404704"/>
+              <a:ext cx="267028" cy="258811"/>
             </a:xfrm>
             <a:prstGeom prst="straightConnector1">
               <a:avLst/>
@@ -4780,8 +4852,8 @@
           </p:nvCxnSpPr>
           <p:spPr>
             <a:xfrm flipV="1">
-              <a:off x="4148236" y="7477369"/>
-              <a:ext cx="230823" cy="366254"/>
+              <a:off x="4135745" y="6404704"/>
+              <a:ext cx="265569" cy="751253"/>
             </a:xfrm>
             <a:prstGeom prst="straightConnector1">
               <a:avLst/>
@@ -4814,14 +4886,13 @@
             <p:cNvPr id="337" name="Straight Arrow Connector 336"/>
             <p:cNvCxnSpPr>
               <a:stCxn id="283" idx="3"/>
-              <a:endCxn id="327" idx="1"/>
             </p:cNvCxnSpPr>
             <p:nvPr/>
           </p:nvCxnSpPr>
           <p:spPr>
-            <a:xfrm>
-              <a:off x="4163719" y="8410541"/>
-              <a:ext cx="181089" cy="84877"/>
+            <a:xfrm flipV="1">
+              <a:off x="4126152" y="7606519"/>
+              <a:ext cx="275162" cy="1"/>
             </a:xfrm>
             <a:prstGeom prst="straightConnector1">
               <a:avLst/>
@@ -4857,22 +4928,18 @@
           </p:nvSpPr>
           <p:spPr>
             <a:xfrm>
-              <a:off x="5806207" y="8275718"/>
+              <a:off x="5819281" y="7273487"/>
               <a:ext cx="1149812" cy="430887"/>
             </a:xfrm>
             <a:prstGeom prst="rect">
               <a:avLst/>
             </a:prstGeom>
-            <a:solidFill>
-              <a:schemeClr val="bg1">
-                <a:lumMod val="85000"/>
-              </a:schemeClr>
-            </a:solidFill>
+            <a:noFill/>
             <a:ln w="19050">
               <a:solidFill>
                 <a:schemeClr val="tx1"/>
               </a:solidFill>
-              <a:prstDash val="sysDash"/>
+              <a:prstDash val="solid"/>
             </a:ln>
           </p:spPr>
           <p:txBody>
@@ -4894,14 +4961,15 @@
           <p:nvCxnSpPr>
             <p:cNvPr id="349" name="Straight Arrow Connector 348"/>
             <p:cNvCxnSpPr>
+              <a:stCxn id="350" idx="3"/>
               <a:endCxn id="220" idx="2"/>
             </p:cNvCxnSpPr>
             <p:nvPr/>
           </p:nvCxnSpPr>
           <p:spPr>
             <a:xfrm flipV="1">
-              <a:off x="5910409" y="7704751"/>
-              <a:ext cx="461417" cy="235372"/>
+              <a:off x="6041217" y="6617714"/>
+              <a:ext cx="394018" cy="302834"/>
             </a:xfrm>
             <a:prstGeom prst="straightConnector1">
               <a:avLst/>
@@ -4937,7 +5005,7 @@
           </p:nvSpPr>
           <p:spPr>
             <a:xfrm>
-              <a:off x="4713039" y="7776919"/>
+              <a:off x="4839631" y="6705104"/>
               <a:ext cx="1201586" cy="430887"/>
             </a:xfrm>
             <a:prstGeom prst="rect">
@@ -4958,7 +5026,7 @@
             <a:p>
               <a:pPr algn="ctr"/>
               <a:r>
-                <a:rPr lang="en-GB" sz="1100" b="1" dirty="0" err="1" smtClean="0"/>
+                <a:rPr lang="en-GB" sz="1100" b="1" dirty="0" smtClean="0"/>
                 <a:t>Dismod</a:t>
               </a:r>
               <a:r>
@@ -4973,7 +5041,6 @@
                 <a:rPr lang="en-GB" sz="1100" dirty="0" smtClean="0"/>
                 <a:t>Processing</a:t>
               </a:r>
-              <a:endParaRPr lang="en-GB" sz="1100" dirty="0" smtClean="0"/>
             </a:p>
           </p:txBody>
         </p:sp>
@@ -4981,14 +5048,15 @@
           <p:nvCxnSpPr>
             <p:cNvPr id="352" name="Straight Arrow Connector 351"/>
             <p:cNvCxnSpPr>
+              <a:stCxn id="350" idx="3"/>
               <a:endCxn id="344" idx="0"/>
             </p:cNvCxnSpPr>
             <p:nvPr/>
           </p:nvCxnSpPr>
           <p:spPr>
             <a:xfrm>
-              <a:off x="5917226" y="7981152"/>
-              <a:ext cx="463887" cy="294566"/>
+              <a:off x="6041217" y="6920548"/>
+              <a:ext cx="352970" cy="352939"/>
             </a:xfrm>
             <a:prstGeom prst="straightConnector1">
               <a:avLst/>
@@ -5024,8 +5092,8 @@
           </p:nvCxnSpPr>
           <p:spPr>
             <a:xfrm>
-              <a:off x="4444648" y="7704751"/>
-              <a:ext cx="245139" cy="287611"/>
+              <a:off x="4636905" y="6629556"/>
+              <a:ext cx="195435" cy="341042"/>
             </a:xfrm>
             <a:prstGeom prst="straightConnector1">
               <a:avLst/>
@@ -5061,8 +5129,8 @@
           </p:nvCxnSpPr>
           <p:spPr>
             <a:xfrm flipV="1">
-              <a:off x="4416906" y="8056368"/>
-              <a:ext cx="267572" cy="219350"/>
+              <a:off x="4600749" y="6986777"/>
+              <a:ext cx="217277" cy="287851"/>
             </a:xfrm>
             <a:prstGeom prst="straightConnector1">
               <a:avLst/>
@@ -5101,9 +5169,9 @@
           <p:nvPr/>
         </p:nvCxnSpPr>
         <p:spPr>
-          <a:xfrm flipV="1">
-            <a:off x="4003693" y="1338267"/>
-            <a:ext cx="4282368" cy="1156699"/>
+          <a:xfrm>
+            <a:off x="4023523" y="1548686"/>
+            <a:ext cx="3361438" cy="81375"/>
           </a:xfrm>
           <a:prstGeom prst="straightConnector1">
             <a:avLst/>
@@ -5139,7 +5207,7 @@
         </p:nvSpPr>
         <p:spPr>
           <a:xfrm>
-            <a:off x="7357317" y="723066"/>
+            <a:off x="7357317" y="168913"/>
             <a:ext cx="5079828" cy="307777"/>
           </a:xfrm>
           <a:prstGeom prst="rect">
@@ -5150,7 +5218,7 @@
             <a:solidFill>
               <a:schemeClr val="tx1"/>
             </a:solidFill>
-            <a:prstDash val="sysDash"/>
+            <a:prstDash val="solid"/>
           </a:ln>
         </p:spPr>
         <p:txBody>
@@ -5162,49 +5230,16 @@
             <a:pPr algn="ctr"/>
             <a:r>
               <a:rPr lang="en-GB" sz="1400" b="1" dirty="0" smtClean="0"/>
-              <a:t>PMSLT</a:t>
+              <a:t>PMSLT </a:t>
+            </a:r>
+            <a:r>
+              <a:rPr lang="en-GB" sz="1400" b="1" dirty="0" smtClean="0"/>
+              <a:t>mechanisms</a:t>
             </a:r>
             <a:endParaRPr lang="en-GB" sz="1400" b="1" dirty="0"/>
           </a:p>
         </p:txBody>
       </p:sp>
-      <p:cxnSp>
-        <p:nvCxnSpPr>
-          <p:cNvPr id="393" name="Straight Arrow Connector 392"/>
-          <p:cNvCxnSpPr/>
-          <p:nvPr/>
-        </p:nvCxnSpPr>
-        <p:spPr>
-          <a:xfrm flipV="1">
-            <a:off x="6820780" y="4471315"/>
-            <a:ext cx="2190995" cy="1"/>
-          </a:xfrm>
-          <a:prstGeom prst="straightConnector1">
-            <a:avLst/>
-          </a:prstGeom>
-          <a:ln w="28575">
-            <a:solidFill>
-              <a:schemeClr val="tx1"/>
-            </a:solidFill>
-            <a:prstDash val="solid"/>
-            <a:tailEnd type="triangle"/>
-          </a:ln>
-        </p:spPr>
-        <p:style>
-          <a:lnRef idx="1">
-            <a:schemeClr val="accent1"/>
-          </a:lnRef>
-          <a:fillRef idx="0">
-            <a:schemeClr val="accent1"/>
-          </a:fillRef>
-          <a:effectRef idx="0">
-            <a:schemeClr val="accent1"/>
-          </a:effectRef>
-          <a:fontRef idx="minor">
-            <a:schemeClr val="tx1"/>
-          </a:fontRef>
-        </p:style>
-      </p:cxnSp>
       <p:cxnSp>
         <p:nvCxnSpPr>
           <p:cNvPr id="391" name="Straight Connector 390"/>
@@ -5216,7 +5251,7 @@
         </p:nvCxnSpPr>
         <p:spPr>
           <a:xfrm>
-            <a:off x="3013151" y="7312001"/>
+            <a:off x="3004276" y="5424464"/>
             <a:ext cx="0" cy="0"/>
           </a:xfrm>
           <a:prstGeom prst="line">
@@ -5246,7 +5281,7 @@
         </p:nvGrpSpPr>
         <p:grpSpPr>
           <a:xfrm>
-            <a:off x="3013151" y="6123268"/>
+            <a:off x="3004276" y="4235730"/>
             <a:ext cx="2360969" cy="1319121"/>
             <a:chOff x="7588166" y="6595765"/>
             <a:chExt cx="968263" cy="1969802"/>
@@ -5290,11 +5325,15 @@
               </a:pPr>
               <a:r>
                 <a:rPr lang="en-GB" sz="1100" dirty="0" smtClean="0"/>
-                <a:t>PA PIF </a:t>
+                <a:t>PA </a:t>
               </a:r>
               <a:r>
                 <a:rPr lang="en-GB" sz="1100" dirty="0" smtClean="0"/>
-                <a:t>per pop group, per disease</a:t>
+                <a:t>PIF-per </a:t>
+              </a:r>
+              <a:r>
+                <a:rPr lang="en-GB" sz="1100" dirty="0" smtClean="0"/>
+                <a:t>disease</a:t>
               </a:r>
               <a:endParaRPr lang="en-GB" sz="1100" dirty="0"/>
             </a:p>
@@ -5338,11 +5377,15 @@
               </a:pPr>
               <a:r>
                 <a:rPr lang="en-GB" sz="1100" dirty="0"/>
-                <a:t>PM2.5 PIF </a:t>
+                <a:t>PM2.5 </a:t>
               </a:r>
               <a:r>
                 <a:rPr lang="en-GB" sz="1100" dirty="0" smtClean="0"/>
-                <a:t>per pop group, per disease</a:t>
+                <a:t>PIF-per </a:t>
+              </a:r>
+              <a:r>
+                <a:rPr lang="en-GB" sz="1100" dirty="0" smtClean="0"/>
+                <a:t>disease</a:t>
               </a:r>
               <a:endParaRPr lang="en-GB" sz="1100" dirty="0"/>
             </a:p>
@@ -5390,12 +5433,12 @@
                 <a:t>Noise </a:t>
               </a:r>
               <a:r>
-                <a:rPr lang="en-GB" sz="1100" dirty="0"/>
-                <a:t>PIF </a:t>
+                <a:rPr lang="en-GB" sz="1100" dirty="0" smtClean="0"/>
+                <a:t>PIF-per </a:t>
               </a:r>
               <a:r>
                 <a:rPr lang="en-GB" sz="1100" dirty="0" smtClean="0"/>
-                <a:t>per pop group, per disease</a:t>
+                <a:t>disease</a:t>
               </a:r>
               <a:endParaRPr lang="en-GB" sz="1100" dirty="0"/>
             </a:p>
@@ -5447,58 +5490,18 @@
                 <a:t> </a:t>
               </a:r>
               <a:r>
-                <a:rPr lang="en-GB" sz="1100" dirty="0"/>
-                <a:t>PIF </a:t>
+                <a:rPr lang="en-GB" sz="1100" dirty="0" smtClean="0"/>
+                <a:t>PIF-per </a:t>
               </a:r>
               <a:r>
                 <a:rPr lang="en-GB" sz="1100" dirty="0" smtClean="0"/>
-                <a:t>per pop group, per disease</a:t>
+                <a:t>disease</a:t>
               </a:r>
               <a:endParaRPr lang="en-GB" sz="1100" dirty="0"/>
             </a:p>
           </p:txBody>
         </p:sp>
       </p:grpSp>
-      <p:cxnSp>
-        <p:nvCxnSpPr>
-          <p:cNvPr id="439" name="Straight Arrow Connector 438"/>
-          <p:cNvCxnSpPr>
-            <a:stCxn id="344" idx="3"/>
-            <a:endCxn id="577" idx="1"/>
-          </p:cNvCxnSpPr>
-          <p:nvPr/>
-        </p:nvCxnSpPr>
-        <p:spPr>
-          <a:xfrm flipV="1">
-            <a:off x="6825792" y="4498252"/>
-            <a:ext cx="2185983" cy="934407"/>
-          </a:xfrm>
-          <a:prstGeom prst="straightConnector1">
-            <a:avLst/>
-          </a:prstGeom>
-          <a:ln w="28575">
-            <a:solidFill>
-              <a:schemeClr val="tx1"/>
-            </a:solidFill>
-            <a:prstDash val="solid"/>
-            <a:tailEnd type="triangle"/>
-          </a:ln>
-        </p:spPr>
-        <p:style>
-          <a:lnRef idx="1">
-            <a:schemeClr val="accent1"/>
-          </a:lnRef>
-          <a:fillRef idx="0">
-            <a:schemeClr val="accent1"/>
-          </a:fillRef>
-          <a:effectRef idx="0">
-            <a:schemeClr val="accent1"/>
-          </a:effectRef>
-          <a:fontRef idx="minor">
-            <a:schemeClr val="tx1"/>
-          </a:fontRef>
-        </p:style>
-      </p:cxnSp>
       <p:sp>
         <p:nvSpPr>
           <p:cNvPr id="446" name="TextBox 445"/>
@@ -5507,7 +5510,7 @@
         </p:nvSpPr>
         <p:spPr>
           <a:xfrm>
-            <a:off x="3001187" y="693366"/>
+            <a:off x="2995461" y="173381"/>
             <a:ext cx="3955931" cy="307777"/>
           </a:xfrm>
           <a:prstGeom prst="rect">
@@ -5529,7 +5532,7 @@
             <a:pPr algn="ctr"/>
             <a:r>
               <a:rPr lang="en-GB" sz="1400" b="1" dirty="0" smtClean="0"/>
-              <a:t>Inputs</a:t>
+              <a:t>Inputs PMSLT</a:t>
             </a:r>
             <a:endParaRPr lang="en-GB" sz="1400" b="1" dirty="0"/>
           </a:p>
@@ -5543,8 +5546,53 @@
         </p:nvSpPr>
         <p:spPr>
           <a:xfrm>
-            <a:off x="3013153" y="2852185"/>
-            <a:ext cx="1004856" cy="600164"/>
+            <a:off x="3008198" y="1829970"/>
+            <a:ext cx="1004856" cy="769441"/>
+          </a:xfrm>
+          <a:prstGeom prst="rect">
+            <a:avLst/>
+          </a:prstGeom>
+          <a:solidFill>
+            <a:schemeClr val="accent4">
+              <a:lumMod val="60000"/>
+              <a:lumOff val="40000"/>
+            </a:schemeClr>
+          </a:solidFill>
+          <a:ln w="19050">
+            <a:solidFill>
+              <a:schemeClr val="tx1"/>
+            </a:solidFill>
+          </a:ln>
+        </p:spPr>
+        <p:txBody>
+          <a:bodyPr wrap="square" rtlCol="0">
+            <a:spAutoFit/>
+          </a:bodyPr>
+          <a:lstStyle/>
+          <a:p>
+            <a:pPr algn="ctr"/>
+            <a:r>
+              <a:rPr lang="en-GB" sz="1100" dirty="0" smtClean="0"/>
+              <a:t>Disease YLD and </a:t>
+            </a:r>
+            <a:r>
+              <a:rPr lang="en-GB" sz="1100" dirty="0" smtClean="0"/>
+              <a:t>prevalence (DW)</a:t>
+            </a:r>
+            <a:endParaRPr lang="en-GB" sz="1100" dirty="0"/>
+          </a:p>
+        </p:txBody>
+      </p:sp>
+      <p:sp>
+        <p:nvSpPr>
+          <p:cNvPr id="473" name="TextBox 472"/>
+          <p:cNvSpPr txBox="1"/>
+          <p:nvPr/>
+        </p:nvSpPr>
+        <p:spPr>
+          <a:xfrm>
+            <a:off x="5831314" y="4546679"/>
+            <a:ext cx="1149812" cy="600164"/>
           </a:xfrm>
           <a:prstGeom prst="rect">
             <a:avLst/>
@@ -5554,6 +5602,7 @@
             <a:solidFill>
               <a:schemeClr val="tx1"/>
             </a:solidFill>
+            <a:prstDash val="solid"/>
           </a:ln>
         </p:spPr>
         <p:txBody>
@@ -5565,7 +5614,7 @@
             <a:pPr algn="ctr"/>
             <a:r>
               <a:rPr lang="en-GB" sz="1100" dirty="0" smtClean="0"/>
-              <a:t>Disease YLD and prevalence</a:t>
+              <a:t>Disease specific incidence scenario</a:t>
             </a:r>
             <a:endParaRPr lang="en-GB" sz="1100" dirty="0"/>
           </a:p>
@@ -5573,14 +5622,14 @@
       </p:sp>
       <p:sp>
         <p:nvSpPr>
-          <p:cNvPr id="473" name="TextBox 472"/>
+          <p:cNvPr id="477" name="TextBox 476"/>
           <p:cNvSpPr txBox="1"/>
           <p:nvPr/>
         </p:nvSpPr>
         <p:spPr>
           <a:xfrm>
-            <a:off x="5807306" y="6443958"/>
-            <a:ext cx="1149812" cy="600164"/>
+            <a:off x="741726" y="4618249"/>
+            <a:ext cx="1663200" cy="261610"/>
           </a:xfrm>
           <a:prstGeom prst="rect">
             <a:avLst/>
@@ -5594,7 +5643,6 @@
             <a:solidFill>
               <a:schemeClr val="tx1"/>
             </a:solidFill>
-            <a:prstDash val="sysDash"/>
           </a:ln>
         </p:spPr>
         <p:txBody>
@@ -5606,51 +5654,6 @@
             <a:pPr algn="ctr"/>
             <a:r>
               <a:rPr lang="en-GB" sz="1100" dirty="0" smtClean="0"/>
-              <a:t>Disease specific </a:t>
-            </a:r>
-            <a:r>
-              <a:rPr lang="en-GB" sz="1100" dirty="0" smtClean="0"/>
-              <a:t>incidence scenario</a:t>
-            </a:r>
-            <a:endParaRPr lang="en-GB" sz="1100" dirty="0"/>
-          </a:p>
-        </p:txBody>
-      </p:sp>
-      <p:sp>
-        <p:nvSpPr>
-          <p:cNvPr id="477" name="TextBox 476"/>
-          <p:cNvSpPr txBox="1"/>
-          <p:nvPr/>
-        </p:nvSpPr>
-        <p:spPr>
-          <a:xfrm>
-            <a:off x="587943" y="6470661"/>
-            <a:ext cx="1505322" cy="261610"/>
-          </a:xfrm>
-          <a:prstGeom prst="rect">
-            <a:avLst/>
-          </a:prstGeom>
-          <a:solidFill>
-            <a:schemeClr val="accent4">
-              <a:lumMod val="20000"/>
-              <a:lumOff val="80000"/>
-            </a:schemeClr>
-          </a:solidFill>
-          <a:ln w="19050">
-            <a:solidFill>
-              <a:schemeClr val="tx1"/>
-            </a:solidFill>
-          </a:ln>
-        </p:spPr>
-        <p:txBody>
-          <a:bodyPr wrap="square" rtlCol="0">
-            <a:spAutoFit/>
-          </a:bodyPr>
-          <a:lstStyle/>
-          <a:p>
-            <a:pPr algn="ctr"/>
-            <a:r>
-              <a:rPr lang="en-GB" sz="1100" dirty="0" smtClean="0"/>
               <a:t>ITHIM calculations</a:t>
             </a:r>
             <a:endParaRPr lang="en-GB" sz="1100" dirty="0"/>
@@ -5660,13 +5663,15 @@
       <p:cxnSp>
         <p:nvCxnSpPr>
           <p:cNvPr id="478" name="Straight Arrow Connector 477"/>
-          <p:cNvCxnSpPr/>
+          <p:cNvCxnSpPr>
+            <a:stCxn id="477" idx="3"/>
+          </p:cNvCxnSpPr>
           <p:nvPr/>
         </p:nvCxnSpPr>
         <p:spPr>
-          <a:xfrm>
-            <a:off x="2103693" y="6625526"/>
-            <a:ext cx="927658" cy="0"/>
+          <a:xfrm flipV="1">
+            <a:off x="2404926" y="4737988"/>
+            <a:ext cx="617550" cy="11066"/>
           </a:xfrm>
           <a:prstGeom prst="straightConnector1">
             <a:avLst/>
@@ -5698,14 +5703,15 @@
         <p:nvCxnSpPr>
           <p:cNvPr id="480" name="Straight Arrow Connector 479"/>
           <p:cNvCxnSpPr>
+            <a:stCxn id="477" idx="3"/>
             <a:endCxn id="90" idx="1"/>
           </p:cNvCxnSpPr>
           <p:nvPr/>
         </p:nvCxnSpPr>
         <p:spPr>
           <a:xfrm flipV="1">
-            <a:off x="2082222" y="6255337"/>
-            <a:ext cx="930929" cy="346132"/>
+            <a:off x="2404926" y="4367800"/>
+            <a:ext cx="599350" cy="381254"/>
           </a:xfrm>
           <a:prstGeom prst="straightConnector1">
             <a:avLst/>
@@ -5737,14 +5743,15 @@
         <p:nvCxnSpPr>
           <p:cNvPr id="482" name="Straight Arrow Connector 481"/>
           <p:cNvCxnSpPr>
+            <a:stCxn id="477" idx="3"/>
             <a:endCxn id="260" idx="1"/>
           </p:cNvCxnSpPr>
           <p:nvPr/>
         </p:nvCxnSpPr>
         <p:spPr>
           <a:xfrm>
-            <a:off x="2103693" y="6594236"/>
-            <a:ext cx="910921" cy="355281"/>
+            <a:off x="2404926" y="4749054"/>
+            <a:ext cx="600813" cy="312926"/>
           </a:xfrm>
           <a:prstGeom prst="straightConnector1">
             <a:avLst/>
@@ -5776,14 +5783,15 @@
         <p:nvCxnSpPr>
           <p:cNvPr id="484" name="Straight Arrow Connector 483"/>
           <p:cNvCxnSpPr>
+            <a:stCxn id="477" idx="3"/>
             <a:endCxn id="172" idx="1"/>
           </p:cNvCxnSpPr>
           <p:nvPr/>
         </p:nvCxnSpPr>
         <p:spPr>
           <a:xfrm>
-            <a:off x="2110492" y="6632756"/>
-            <a:ext cx="902659" cy="679245"/>
+            <a:off x="2404926" y="4749054"/>
+            <a:ext cx="599350" cy="675410"/>
           </a:xfrm>
           <a:prstGeom prst="straightConnector1">
             <a:avLst/>
@@ -5821,8 +5829,8 @@
         </p:nvCxnSpPr>
         <p:spPr>
           <a:xfrm>
-            <a:off x="6305050" y="5657789"/>
-            <a:ext cx="0" cy="786169"/>
+            <a:off x="6406220" y="4021002"/>
+            <a:ext cx="0" cy="525677"/>
           </a:xfrm>
           <a:prstGeom prst="straightConnector1">
             <a:avLst/>
@@ -5860,7 +5868,7 @@
         </p:nvCxnSpPr>
         <p:spPr>
           <a:xfrm>
-            <a:off x="5377392" y="6717565"/>
+            <a:off x="5401400" y="4820286"/>
             <a:ext cx="429914" cy="0"/>
           </a:xfrm>
           <a:prstGeom prst="straightConnector1">
@@ -5900,8 +5908,8 @@
         </p:nvCxnSpPr>
         <p:spPr>
           <a:xfrm>
-            <a:off x="5374120" y="6255338"/>
-            <a:ext cx="433186" cy="488702"/>
+            <a:off x="5365245" y="4367800"/>
+            <a:ext cx="466069" cy="478961"/>
           </a:xfrm>
           <a:prstGeom prst="straightConnector1">
             <a:avLst/>
@@ -5939,7 +5947,7 @@
         </p:nvCxnSpPr>
         <p:spPr>
           <a:xfrm flipV="1">
-            <a:off x="5351287" y="6744040"/>
+            <a:off x="5375295" y="4846761"/>
             <a:ext cx="456019" cy="583147"/>
           </a:xfrm>
           <a:prstGeom prst="straightConnector1">
@@ -5978,7 +5986,7 @@
         </p:nvCxnSpPr>
         <p:spPr>
           <a:xfrm flipV="1">
-            <a:off x="5355417" y="6744040"/>
+            <a:off x="5379425" y="4846761"/>
             <a:ext cx="451889" cy="228770"/>
           </a:xfrm>
           <a:prstGeom prst="straightConnector1">
@@ -6011,14 +6019,15 @@
         <p:nvCxnSpPr>
           <p:cNvPr id="512" name="Straight Arrow Connector 511"/>
           <p:cNvCxnSpPr>
+            <a:stCxn id="249" idx="3"/>
             <a:endCxn id="454" idx="1"/>
           </p:cNvCxnSpPr>
           <p:nvPr/>
         </p:nvCxnSpPr>
         <p:spPr>
           <a:xfrm flipV="1">
-            <a:off x="2086375" y="3152267"/>
-            <a:ext cx="926778" cy="1568658"/>
+            <a:off x="2419599" y="2214691"/>
+            <a:ext cx="588599" cy="702285"/>
           </a:xfrm>
           <a:prstGeom prst="straightConnector1">
             <a:avLst/>
@@ -6050,14 +6059,15 @@
         <p:nvCxnSpPr>
           <p:cNvPr id="516" name="Straight Arrow Connector 515"/>
           <p:cNvCxnSpPr>
+            <a:stCxn id="454" idx="3"/>
             <a:endCxn id="576" idx="1"/>
           </p:cNvCxnSpPr>
           <p:nvPr/>
         </p:nvCxnSpPr>
         <p:spPr>
           <a:xfrm flipV="1">
-            <a:off x="4051392" y="1338267"/>
-            <a:ext cx="4234669" cy="2686750"/>
+            <a:off x="4013054" y="1630061"/>
+            <a:ext cx="3371907" cy="584630"/>
           </a:xfrm>
           <a:prstGeom prst="straightConnector1">
             <a:avLst/>
@@ -6093,96 +6103,12 @@
         </p:nvGrpSpPr>
         <p:grpSpPr>
           <a:xfrm>
-            <a:off x="8228411" y="1207462"/>
-            <a:ext cx="4208734" cy="4444251"/>
-            <a:chOff x="9115379" y="1349086"/>
-            <a:chExt cx="4208734" cy="4444251"/>
+            <a:off x="7384961" y="964061"/>
+            <a:ext cx="5052183" cy="4144464"/>
+            <a:chOff x="8244282" y="1188134"/>
+            <a:chExt cx="5052183" cy="4078250"/>
           </a:xfrm>
         </p:grpSpPr>
-        <p:sp>
-          <p:nvSpPr>
-            <p:cNvPr id="574" name="TextBox 573"/>
-            <p:cNvSpPr txBox="1"/>
-            <p:nvPr/>
-          </p:nvSpPr>
-          <p:spPr>
-            <a:xfrm>
-              <a:off x="9115379" y="1790297"/>
-              <a:ext cx="1098186" cy="276999"/>
-            </a:xfrm>
-            <a:prstGeom prst="rect">
-              <a:avLst/>
-            </a:prstGeom>
-          </p:spPr>
-          <p:style>
-            <a:lnRef idx="2">
-              <a:schemeClr val="dk1"/>
-            </a:lnRef>
-            <a:fillRef idx="1">
-              <a:schemeClr val="lt1"/>
-            </a:fillRef>
-            <a:effectRef idx="0">
-              <a:schemeClr val="dk1"/>
-            </a:effectRef>
-            <a:fontRef idx="minor">
-              <a:schemeClr val="dk1"/>
-            </a:fontRef>
-          </p:style>
-          <p:txBody>
-            <a:bodyPr wrap="none" rtlCol="0">
-              <a:spAutoFit/>
-            </a:bodyPr>
-            <a:lstStyle/>
-            <a:p>
-              <a:r>
-                <a:rPr lang="en-GB" sz="1200" dirty="0" smtClean="0"/>
-                <a:t>Life years lived</a:t>
-              </a:r>
-            </a:p>
-          </p:txBody>
-        </p:sp>
-        <p:sp>
-          <p:nvSpPr>
-            <p:cNvPr id="575" name="TextBox 574"/>
-            <p:cNvSpPr txBox="1"/>
-            <p:nvPr/>
-          </p:nvSpPr>
-          <p:spPr>
-            <a:xfrm>
-              <a:off x="10000343" y="2157097"/>
-              <a:ext cx="1759905" cy="276999"/>
-            </a:xfrm>
-            <a:prstGeom prst="rect">
-              <a:avLst/>
-            </a:prstGeom>
-          </p:spPr>
-          <p:style>
-            <a:lnRef idx="2">
-              <a:schemeClr val="dk1"/>
-            </a:lnRef>
-            <a:fillRef idx="1">
-              <a:schemeClr val="lt1"/>
-            </a:fillRef>
-            <a:effectRef idx="0">
-              <a:schemeClr val="dk1"/>
-            </a:effectRef>
-            <a:fontRef idx="minor">
-              <a:schemeClr val="dk1"/>
-            </a:fontRef>
-          </p:style>
-          <p:txBody>
-            <a:bodyPr wrap="none" rtlCol="0">
-              <a:spAutoFit/>
-            </a:bodyPr>
-            <a:lstStyle/>
-            <a:p>
-              <a:r>
-                <a:rPr lang="en-GB" sz="1200" dirty="0" smtClean="0"/>
-                <a:t>Health adjusted life years</a:t>
-              </a:r>
-            </a:p>
-          </p:txBody>
-        </p:sp>
         <p:sp>
           <p:nvSpPr>
             <p:cNvPr id="576" name="TextBox 575"/>
@@ -6191,8 +6117,8 @@
           </p:nvSpPr>
           <p:spPr>
             <a:xfrm>
-              <a:off x="9173029" y="1349086"/>
-              <a:ext cx="4151084" cy="261610"/>
+              <a:off x="8244282" y="1188134"/>
+              <a:ext cx="5052183" cy="1310719"/>
             </a:xfrm>
             <a:prstGeom prst="rect">
               <a:avLst/>
@@ -6221,12 +6147,11 @@
             </a:fontRef>
           </p:style>
           <p:txBody>
-            <a:bodyPr wrap="square" rtlCol="0">
+            <a:bodyPr vert="horz" wrap="square" rtlCol="0">
               <a:spAutoFit/>
             </a:bodyPr>
             <a:lstStyle/>
             <a:p>
-              <a:pPr algn="ctr"/>
               <a:r>
                 <a:rPr lang="en-GB" sz="1100" b="1" dirty="0"/>
                 <a:t>L</a:t>
@@ -6241,14 +6166,107 @@
         </p:sp>
         <p:sp>
           <p:nvSpPr>
+            <p:cNvPr id="574" name="TextBox 573"/>
+            <p:cNvSpPr txBox="1"/>
+            <p:nvPr/>
+          </p:nvSpPr>
+          <p:spPr>
+            <a:xfrm>
+              <a:off x="11549544" y="1492221"/>
+              <a:ext cx="1652825" cy="276999"/>
+            </a:xfrm>
+            <a:prstGeom prst="rect">
+              <a:avLst/>
+            </a:prstGeom>
+          </p:spPr>
+          <p:style>
+            <a:lnRef idx="2">
+              <a:schemeClr val="dk1"/>
+            </a:lnRef>
+            <a:fillRef idx="1">
+              <a:schemeClr val="lt1"/>
+            </a:fillRef>
+            <a:effectRef idx="0">
+              <a:schemeClr val="dk1"/>
+            </a:effectRef>
+            <a:fontRef idx="minor">
+              <a:schemeClr val="dk1"/>
+            </a:fontRef>
+          </p:style>
+          <p:txBody>
+            <a:bodyPr wrap="none" rtlCol="0">
+              <a:spAutoFit/>
+            </a:bodyPr>
+            <a:lstStyle/>
+            <a:p>
+              <a:r>
+                <a:rPr lang="en-GB" sz="1200" dirty="0" smtClean="0"/>
+                <a:t>Life years </a:t>
+              </a:r>
+              <a:r>
+                <a:rPr lang="en-GB" sz="1200" dirty="0" smtClean="0"/>
+                <a:t>lived baseline</a:t>
+              </a:r>
+            </a:p>
+          </p:txBody>
+        </p:sp>
+        <p:sp>
+          <p:nvSpPr>
+            <p:cNvPr id="575" name="TextBox 574"/>
+            <p:cNvSpPr txBox="1"/>
+            <p:nvPr/>
+          </p:nvSpPr>
+          <p:spPr>
+            <a:xfrm>
+              <a:off x="8927825" y="1493786"/>
+              <a:ext cx="2314544" cy="272572"/>
+            </a:xfrm>
+            <a:prstGeom prst="rect">
+              <a:avLst/>
+            </a:prstGeom>
+          </p:spPr>
+          <p:style>
+            <a:lnRef idx="2">
+              <a:schemeClr val="dk1"/>
+            </a:lnRef>
+            <a:fillRef idx="1">
+              <a:schemeClr val="lt1"/>
+            </a:fillRef>
+            <a:effectRef idx="0">
+              <a:schemeClr val="dk1"/>
+            </a:effectRef>
+            <a:fontRef idx="minor">
+              <a:schemeClr val="dk1"/>
+            </a:fontRef>
+          </p:style>
+          <p:txBody>
+            <a:bodyPr wrap="none" rtlCol="0">
+              <a:spAutoFit/>
+            </a:bodyPr>
+            <a:lstStyle/>
+            <a:p>
+              <a:r>
+                <a:rPr lang="en-GB" sz="1200" dirty="0" smtClean="0"/>
+                <a:t>Health adjusted life </a:t>
+              </a:r>
+              <a:r>
+                <a:rPr lang="en-GB" sz="1200" dirty="0" smtClean="0"/>
+                <a:t>years baseline</a:t>
+              </a:r>
+              <a:endParaRPr lang="en-GB" sz="1200" dirty="0" smtClean="0"/>
+            </a:p>
+          </p:txBody>
+        </p:sp>
+        <p:sp>
+          <p:nvSpPr>
             <p:cNvPr id="577" name="TextBox 576"/>
             <p:cNvSpPr txBox="1"/>
             <p:nvPr/>
           </p:nvSpPr>
           <p:spPr>
             <a:xfrm>
-              <a:off x="9898743" y="4509071"/>
-              <a:ext cx="3323770" cy="261610"/>
+              <a:off x="8322003" y="3495142"/>
+              <a:ext cx="4974462" cy="1771242"/>
             </a:xfrm>
             <a:prstGeom prst="rect">
               <a:avLst/>
@@ -6277,12 +6295,11 @@
             </a:fontRef>
           </p:style>
           <p:txBody>
-            <a:bodyPr wrap="square" rtlCol="0">
+            <a:bodyPr vert="horz" wrap="square" rtlCol="0">
               <a:spAutoFit/>
             </a:bodyPr>
             <a:lstStyle/>
             <a:p>
-              <a:pPr algn="ctr"/>
               <a:r>
                 <a:rPr lang="en-GB" sz="1100" b="1" dirty="0" smtClean="0"/>
                 <a:t>Disease specific life table</a:t>
@@ -6299,8 +6316,8 @@
           </p:nvSpPr>
           <p:spPr>
             <a:xfrm>
-              <a:off x="9898743" y="5045545"/>
-              <a:ext cx="764697" cy="276999"/>
+              <a:off x="9259901" y="4124661"/>
+              <a:ext cx="1080000" cy="454286"/>
             </a:xfrm>
             <a:prstGeom prst="rect">
               <a:avLst/>
@@ -6321,15 +6338,16 @@
             </a:fontRef>
           </p:style>
           <p:txBody>
-            <a:bodyPr wrap="none" rtlCol="0">
+            <a:bodyPr wrap="square" rtlCol="0">
               <a:spAutoFit/>
             </a:bodyPr>
             <a:lstStyle/>
             <a:p>
               <a:r>
                 <a:rPr lang="en-GB" sz="1200" dirty="0" smtClean="0"/>
-                <a:t>Mortality</a:t>
+                <a:t>Incidence baseline</a:t>
               </a:r>
+              <a:endParaRPr lang="en-GB" sz="1200" dirty="0" smtClean="0"/>
             </a:p>
           </p:txBody>
         </p:sp>
@@ -6341,8 +6359,65 @@
           </p:nvSpPr>
           <p:spPr>
             <a:xfrm>
-              <a:off x="11823527" y="5516338"/>
-              <a:ext cx="784189" cy="276999"/>
+              <a:off x="11851424" y="3774402"/>
+              <a:ext cx="1080000" cy="272573"/>
+            </a:xfrm>
+            <a:prstGeom prst="rect">
+              <a:avLst/>
+            </a:prstGeom>
+            <a:solidFill>
+              <a:schemeClr val="accent6">
+                <a:lumMod val="40000"/>
+                <a:lumOff val="60000"/>
+              </a:schemeClr>
+            </a:solidFill>
+          </p:spPr>
+          <p:style>
+            <a:lnRef idx="2">
+              <a:schemeClr val="dk1"/>
+            </a:lnRef>
+            <a:fillRef idx="1">
+              <a:schemeClr val="lt1"/>
+            </a:fillRef>
+            <a:effectRef idx="0">
+              <a:schemeClr val="dk1"/>
+            </a:effectRef>
+            <a:fontRef idx="minor">
+              <a:schemeClr val="dk1"/>
+            </a:fontRef>
+          </p:style>
+          <p:txBody>
+            <a:bodyPr wrap="square" rtlCol="0">
+              <a:spAutoFit/>
+            </a:bodyPr>
+            <a:lstStyle/>
+            <a:p>
+              <a:r>
+                <a:rPr lang="el-GR" sz="1200" dirty="0"/>
+                <a:t>Δ </a:t>
+              </a:r>
+              <a:r>
+                <a:rPr lang="en-GB" sz="1200" dirty="0" smtClean="0"/>
+                <a:t> </a:t>
+              </a:r>
+              <a:r>
+                <a:rPr lang="en-GB" sz="1200" dirty="0" smtClean="0"/>
+                <a:t>Mortality</a:t>
+              </a:r>
+              <a:endParaRPr lang="en-GB" sz="1200" dirty="0" smtClean="0"/>
+            </a:p>
+          </p:txBody>
+        </p:sp>
+        <p:sp>
+          <p:nvSpPr>
+            <p:cNvPr id="580" name="TextBox 579"/>
+            <p:cNvSpPr txBox="1"/>
+            <p:nvPr/>
+          </p:nvSpPr>
+          <p:spPr>
+            <a:xfrm>
+              <a:off x="10469544" y="4127964"/>
+              <a:ext cx="1080000" cy="454286"/>
             </a:xfrm>
             <a:prstGeom prst="rect">
               <a:avLst/>
@@ -6366,76 +6441,161 @@
             </a:fontRef>
           </p:style>
           <p:txBody>
-            <a:bodyPr wrap="none" rtlCol="0">
+            <a:bodyPr wrap="square" rtlCol="0">
               <a:spAutoFit/>
             </a:bodyPr>
             <a:lstStyle/>
             <a:p>
               <a:r>
                 <a:rPr lang="en-GB" sz="1200" dirty="0" smtClean="0"/>
-                <a:t>Incidence</a:t>
+                <a:t>Prevalence baseline</a:t>
               </a:r>
-            </a:p>
-          </p:txBody>
-        </p:sp>
-        <p:sp>
-          <p:nvSpPr>
-            <p:cNvPr id="580" name="TextBox 579"/>
-            <p:cNvSpPr txBox="1"/>
-            <p:nvPr/>
-          </p:nvSpPr>
-          <p:spPr>
-            <a:xfrm>
-              <a:off x="10809839" y="5291111"/>
-              <a:ext cx="867289" cy="276999"/>
-            </a:xfrm>
-            <a:prstGeom prst="rect">
-              <a:avLst/>
-            </a:prstGeom>
-            <a:solidFill>
-              <a:schemeClr val="bg1"/>
-            </a:solidFill>
-          </p:spPr>
-          <p:style>
-            <a:lnRef idx="2">
-              <a:schemeClr val="dk1"/>
-            </a:lnRef>
-            <a:fillRef idx="1">
-              <a:schemeClr val="lt1"/>
-            </a:fillRef>
-            <a:effectRef idx="0">
-              <a:schemeClr val="dk1"/>
-            </a:effectRef>
-            <a:fontRef idx="minor">
-              <a:schemeClr val="dk1"/>
-            </a:fontRef>
-          </p:style>
-          <p:txBody>
-            <a:bodyPr wrap="none" rtlCol="0">
-              <a:spAutoFit/>
-            </a:bodyPr>
-            <a:lstStyle/>
-            <a:p>
-              <a:r>
-                <a:rPr lang="en-GB" sz="1200" dirty="0" smtClean="0"/>
-                <a:t>Prevalence</a:t>
-              </a:r>
+              <a:endParaRPr lang="en-GB" sz="1200" dirty="0" smtClean="0"/>
             </a:p>
           </p:txBody>
         </p:sp>
       </p:grpSp>
+      <p:sp>
+        <p:nvSpPr>
+          <p:cNvPr id="88" name="TextBox 87"/>
+          <p:cNvSpPr txBox="1"/>
+          <p:nvPr/>
+        </p:nvSpPr>
+        <p:spPr>
+          <a:xfrm>
+            <a:off x="754221" y="608289"/>
+            <a:ext cx="11685520" cy="307777"/>
+          </a:xfrm>
+          <a:prstGeom prst="rect">
+            <a:avLst/>
+          </a:prstGeom>
+          <a:noFill/>
+          <a:ln w="19050">
+            <a:solidFill>
+              <a:schemeClr val="bg1">
+                <a:lumMod val="75000"/>
+              </a:schemeClr>
+            </a:solidFill>
+          </a:ln>
+        </p:spPr>
+        <p:txBody>
+          <a:bodyPr wrap="square" rtlCol="0">
+            <a:spAutoFit/>
+          </a:bodyPr>
+          <a:lstStyle/>
+          <a:p>
+            <a:pPr algn="ctr"/>
+            <a:r>
+              <a:rPr lang="en-GB" sz="1400" dirty="0" smtClean="0"/>
+              <a:t>By age and sex</a:t>
+            </a:r>
+            <a:endParaRPr lang="en-GB" sz="1400" dirty="0"/>
+          </a:p>
+        </p:txBody>
+      </p:sp>
+      <p:sp>
+        <p:nvSpPr>
+          <p:cNvPr id="192" name="TextBox 191"/>
+          <p:cNvSpPr txBox="1"/>
+          <p:nvPr/>
+        </p:nvSpPr>
+        <p:spPr>
+          <a:xfrm>
+            <a:off x="10682209" y="1715254"/>
+            <a:ext cx="1660839" cy="276999"/>
+          </a:xfrm>
+          <a:prstGeom prst="rect">
+            <a:avLst/>
+          </a:prstGeom>
+        </p:spPr>
+        <p:style>
+          <a:lnRef idx="2">
+            <a:schemeClr val="dk1"/>
+          </a:lnRef>
+          <a:fillRef idx="1">
+            <a:schemeClr val="lt1"/>
+          </a:fillRef>
+          <a:effectRef idx="0">
+            <a:schemeClr val="dk1"/>
+          </a:effectRef>
+          <a:fontRef idx="minor">
+            <a:schemeClr val="dk1"/>
+          </a:fontRef>
+        </p:style>
+        <p:txBody>
+          <a:bodyPr wrap="none" rtlCol="0">
+            <a:spAutoFit/>
+          </a:bodyPr>
+          <a:lstStyle/>
+          <a:p>
+            <a:r>
+              <a:rPr lang="en-GB" sz="1200" dirty="0" smtClean="0"/>
+              <a:t>Life years </a:t>
+            </a:r>
+            <a:r>
+              <a:rPr lang="en-GB" sz="1200" dirty="0" smtClean="0"/>
+              <a:t>lived scenario</a:t>
+            </a:r>
+          </a:p>
+        </p:txBody>
+      </p:sp>
+      <p:sp>
+        <p:nvSpPr>
+          <p:cNvPr id="193" name="TextBox 192"/>
+          <p:cNvSpPr txBox="1"/>
+          <p:nvPr/>
+        </p:nvSpPr>
+        <p:spPr>
+          <a:xfrm>
+            <a:off x="8068504" y="1701528"/>
+            <a:ext cx="2322559" cy="281498"/>
+          </a:xfrm>
+          <a:prstGeom prst="rect">
+            <a:avLst/>
+          </a:prstGeom>
+        </p:spPr>
+        <p:style>
+          <a:lnRef idx="2">
+            <a:schemeClr val="dk1"/>
+          </a:lnRef>
+          <a:fillRef idx="1">
+            <a:schemeClr val="lt1"/>
+          </a:fillRef>
+          <a:effectRef idx="0">
+            <a:schemeClr val="dk1"/>
+          </a:effectRef>
+          <a:fontRef idx="minor">
+            <a:schemeClr val="dk1"/>
+          </a:fontRef>
+        </p:style>
+        <p:txBody>
+          <a:bodyPr wrap="none" rtlCol="0">
+            <a:spAutoFit/>
+          </a:bodyPr>
+          <a:lstStyle/>
+          <a:p>
+            <a:r>
+              <a:rPr lang="en-GB" sz="1200" dirty="0" smtClean="0"/>
+              <a:t>Health adjusted life </a:t>
+            </a:r>
+            <a:r>
+              <a:rPr lang="en-GB" sz="1200" dirty="0" smtClean="0"/>
+              <a:t>years scenario</a:t>
+            </a:r>
+            <a:endParaRPr lang="en-GB" sz="1200" dirty="0" smtClean="0"/>
+          </a:p>
+        </p:txBody>
+      </p:sp>
       <p:cxnSp>
         <p:nvCxnSpPr>
-          <p:cNvPr id="589" name="Straight Arrow Connector 588"/>
-          <p:cNvCxnSpPr>
-            <a:endCxn id="579" idx="1"/>
-          </p:cNvCxnSpPr>
+          <p:cNvPr id="393" name="Straight Arrow Connector 392"/>
+          <p:cNvCxnSpPr/>
           <p:nvPr/>
         </p:nvCxnSpPr>
         <p:spPr>
           <a:xfrm flipV="1">
-            <a:off x="6985097" y="5513214"/>
-            <a:ext cx="3951462" cy="1255922"/>
+            <a:off x="7002189" y="4745218"/>
+            <a:ext cx="1398390" cy="98958"/>
           </a:xfrm>
           <a:prstGeom prst="straightConnector1">
             <a:avLst/>
@@ -6463,584 +6623,38 @@
           </a:fontRef>
         </p:style>
       </p:cxnSp>
-    </p:spTree>
-    <p:extLst>
-      <p:ext uri="{BB962C8B-B14F-4D97-AF65-F5344CB8AC3E}">
-        <p14:creationId xmlns:p14="http://schemas.microsoft.com/office/powerpoint/2010/main" val="1704265975"/>
-      </p:ext>
-    </p:extLst>
-  </p:cSld>
-  <p:clrMapOvr>
-    <a:masterClrMapping/>
-  </p:clrMapOvr>
-</p:sld>
-</file>
-
-<file path=ppt/slides/slide2.xml><?xml version="1.0" encoding="utf-8"?>
-<p:sld xmlns:a="http://schemas.openxmlformats.org/drawingml/2006/main" xmlns:r="http://schemas.openxmlformats.org/officeDocument/2006/relationships" xmlns:p="http://schemas.openxmlformats.org/presentationml/2006/main">
-  <p:cSld>
-    <p:spTree>
-      <p:nvGrpSpPr>
-        <p:cNvPr id="1" name=""/>
-        <p:cNvGrpSpPr/>
-        <p:nvPr/>
-      </p:nvGrpSpPr>
-      <p:grpSpPr>
-        <a:xfrm>
-          <a:off x="0" y="0"/>
-          <a:ext cx="0" cy="0"/>
-          <a:chOff x="0" y="0"/>
-          <a:chExt cx="0" cy="0"/>
-        </a:xfrm>
-      </p:grpSpPr>
-      <p:grpSp>
-        <p:nvGrpSpPr>
-          <p:cNvPr id="4" name="Group 3"/>
-          <p:cNvGrpSpPr/>
-          <p:nvPr/>
-        </p:nvGrpSpPr>
-        <p:grpSpPr>
-          <a:xfrm>
-            <a:off x="8317093" y="426990"/>
-            <a:ext cx="4208734" cy="2590397"/>
-            <a:chOff x="9115379" y="1341391"/>
-            <a:chExt cx="4208734" cy="2590397"/>
-          </a:xfrm>
-        </p:grpSpPr>
-        <p:sp>
-          <p:nvSpPr>
-            <p:cNvPr id="5" name="TextBox 4"/>
-            <p:cNvSpPr txBox="1"/>
-            <p:nvPr/>
-          </p:nvSpPr>
-          <p:spPr>
-            <a:xfrm>
-              <a:off x="9115379" y="1790297"/>
-              <a:ext cx="1098186" cy="276999"/>
-            </a:xfrm>
-            <a:prstGeom prst="rect">
-              <a:avLst/>
-            </a:prstGeom>
-          </p:spPr>
-          <p:style>
-            <a:lnRef idx="2">
-              <a:schemeClr val="dk1"/>
-            </a:lnRef>
-            <a:fillRef idx="1">
-              <a:schemeClr val="lt1"/>
-            </a:fillRef>
-            <a:effectRef idx="0">
-              <a:schemeClr val="dk1"/>
-            </a:effectRef>
-            <a:fontRef idx="minor">
-              <a:schemeClr val="dk1"/>
-            </a:fontRef>
-          </p:style>
-          <p:txBody>
-            <a:bodyPr wrap="none" rtlCol="0">
-              <a:spAutoFit/>
-            </a:bodyPr>
-            <a:lstStyle/>
-            <a:p>
-              <a:r>
-                <a:rPr lang="en-GB" sz="1200" dirty="0" smtClean="0"/>
-                <a:t>Life years lived</a:t>
-              </a:r>
-            </a:p>
-          </p:txBody>
-        </p:sp>
-        <p:sp>
-          <p:nvSpPr>
-            <p:cNvPr id="6" name="TextBox 5"/>
-            <p:cNvSpPr txBox="1"/>
-            <p:nvPr/>
-          </p:nvSpPr>
-          <p:spPr>
-            <a:xfrm>
-              <a:off x="10000343" y="2157097"/>
-              <a:ext cx="1759905" cy="276999"/>
-            </a:xfrm>
-            <a:prstGeom prst="rect">
-              <a:avLst/>
-            </a:prstGeom>
-          </p:spPr>
-          <p:style>
-            <a:lnRef idx="2">
-              <a:schemeClr val="dk1"/>
-            </a:lnRef>
-            <a:fillRef idx="1">
-              <a:schemeClr val="lt1"/>
-            </a:fillRef>
-            <a:effectRef idx="0">
-              <a:schemeClr val="dk1"/>
-            </a:effectRef>
-            <a:fontRef idx="minor">
-              <a:schemeClr val="dk1"/>
-            </a:fontRef>
-          </p:style>
-          <p:txBody>
-            <a:bodyPr wrap="none" rtlCol="0">
-              <a:spAutoFit/>
-            </a:bodyPr>
-            <a:lstStyle/>
-            <a:p>
-              <a:r>
-                <a:rPr lang="en-GB" sz="1200" dirty="0" smtClean="0"/>
-                <a:t>Health adjusted life years</a:t>
-              </a:r>
-            </a:p>
-          </p:txBody>
-        </p:sp>
-        <p:sp>
-          <p:nvSpPr>
-            <p:cNvPr id="7" name="TextBox 6"/>
-            <p:cNvSpPr txBox="1"/>
-            <p:nvPr/>
-          </p:nvSpPr>
-          <p:spPr>
-            <a:xfrm>
-              <a:off x="9173029" y="1349086"/>
-              <a:ext cx="4151084" cy="261610"/>
-            </a:xfrm>
-            <a:prstGeom prst="rect">
-              <a:avLst/>
-            </a:prstGeom>
-            <a:solidFill>
-              <a:schemeClr val="bg2"/>
-            </a:solidFill>
-            <a:ln w="28575">
-              <a:solidFill>
-                <a:schemeClr val="tx1"/>
-              </a:solidFill>
-            </a:ln>
-          </p:spPr>
-          <p:style>
-            <a:lnRef idx="2">
-              <a:schemeClr val="accent1"/>
-            </a:lnRef>
-            <a:fillRef idx="1">
-              <a:schemeClr val="lt1"/>
-            </a:fillRef>
-            <a:effectRef idx="0">
-              <a:schemeClr val="accent1"/>
-            </a:effectRef>
-            <a:fontRef idx="minor">
-              <a:schemeClr val="dk1"/>
-            </a:fontRef>
-          </p:style>
-          <p:txBody>
-            <a:bodyPr wrap="square" rtlCol="0">
-              <a:spAutoFit/>
-            </a:bodyPr>
-            <a:lstStyle/>
-            <a:p>
-              <a:pPr algn="ctr"/>
-              <a:r>
-                <a:rPr lang="en-GB" sz="1100" b="1" dirty="0"/>
-                <a:t>L</a:t>
-              </a:r>
-              <a:r>
-                <a:rPr lang="en-GB" sz="1100" b="1" dirty="0" smtClean="0"/>
-                <a:t>ife table</a:t>
-              </a:r>
-              <a:endParaRPr lang="en-GB" sz="1100" b="1" dirty="0"/>
-            </a:p>
-          </p:txBody>
-        </p:sp>
-        <p:sp>
-          <p:nvSpPr>
-            <p:cNvPr id="8" name="TextBox 7"/>
-            <p:cNvSpPr txBox="1"/>
-            <p:nvPr/>
-          </p:nvSpPr>
-          <p:spPr>
-            <a:xfrm>
-              <a:off x="10000343" y="2647522"/>
-              <a:ext cx="3323770" cy="261610"/>
-            </a:xfrm>
-            <a:prstGeom prst="rect">
-              <a:avLst/>
-            </a:prstGeom>
-            <a:solidFill>
-              <a:schemeClr val="bg2"/>
-            </a:solidFill>
-            <a:ln w="28575">
-              <a:solidFill>
-                <a:schemeClr val="tx1"/>
-              </a:solidFill>
-            </a:ln>
-          </p:spPr>
-          <p:style>
-            <a:lnRef idx="2">
-              <a:schemeClr val="accent1"/>
-            </a:lnRef>
-            <a:fillRef idx="1">
-              <a:schemeClr val="lt1"/>
-            </a:fillRef>
-            <a:effectRef idx="0">
-              <a:schemeClr val="accent1"/>
-            </a:effectRef>
-            <a:fontRef idx="minor">
-              <a:schemeClr val="dk1"/>
-            </a:fontRef>
-          </p:style>
-          <p:txBody>
-            <a:bodyPr wrap="square" rtlCol="0">
-              <a:spAutoFit/>
-            </a:bodyPr>
-            <a:lstStyle/>
-            <a:p>
-              <a:pPr algn="ctr"/>
-              <a:r>
-                <a:rPr lang="en-GB" sz="1100" b="1" dirty="0" smtClean="0"/>
-                <a:t>Disease specific life table</a:t>
-              </a:r>
-              <a:endParaRPr lang="en-GB" sz="1100" b="1" dirty="0"/>
-            </a:p>
-          </p:txBody>
-        </p:sp>
-        <p:sp>
-          <p:nvSpPr>
-            <p:cNvPr id="9" name="TextBox 8"/>
-            <p:cNvSpPr txBox="1"/>
-            <p:nvPr/>
-          </p:nvSpPr>
-          <p:spPr>
-            <a:xfrm>
-              <a:off x="10000343" y="3183996"/>
-              <a:ext cx="764697" cy="276999"/>
-            </a:xfrm>
-            <a:prstGeom prst="rect">
-              <a:avLst/>
-            </a:prstGeom>
-          </p:spPr>
-          <p:style>
-            <a:lnRef idx="2">
-              <a:schemeClr val="dk1"/>
-            </a:lnRef>
-            <a:fillRef idx="1">
-              <a:schemeClr val="lt1"/>
-            </a:fillRef>
-            <a:effectRef idx="0">
-              <a:schemeClr val="dk1"/>
-            </a:effectRef>
-            <a:fontRef idx="minor">
-              <a:schemeClr val="dk1"/>
-            </a:fontRef>
-          </p:style>
-          <p:txBody>
-            <a:bodyPr wrap="none" rtlCol="0">
-              <a:spAutoFit/>
-            </a:bodyPr>
-            <a:lstStyle/>
-            <a:p>
-              <a:r>
-                <a:rPr lang="en-GB" sz="1200" dirty="0" smtClean="0"/>
-                <a:t>Mortality</a:t>
-              </a:r>
-            </a:p>
-          </p:txBody>
-        </p:sp>
-        <p:sp>
-          <p:nvSpPr>
-            <p:cNvPr id="18" name="TextBox 17"/>
-            <p:cNvSpPr txBox="1"/>
-            <p:nvPr/>
-          </p:nvSpPr>
-          <p:spPr>
-            <a:xfrm>
-              <a:off x="11925127" y="3654789"/>
-              <a:ext cx="784189" cy="276999"/>
-            </a:xfrm>
-            <a:prstGeom prst="rect">
-              <a:avLst/>
-            </a:prstGeom>
-            <a:solidFill>
-              <a:schemeClr val="bg1"/>
-            </a:solidFill>
-          </p:spPr>
-          <p:style>
-            <a:lnRef idx="2">
-              <a:schemeClr val="dk1"/>
-            </a:lnRef>
-            <a:fillRef idx="1">
-              <a:schemeClr val="lt1"/>
-            </a:fillRef>
-            <a:effectRef idx="0">
-              <a:schemeClr val="dk1"/>
-            </a:effectRef>
-            <a:fontRef idx="minor">
-              <a:schemeClr val="dk1"/>
-            </a:fontRef>
-          </p:style>
-          <p:txBody>
-            <a:bodyPr wrap="none" rtlCol="0">
-              <a:spAutoFit/>
-            </a:bodyPr>
-            <a:lstStyle/>
-            <a:p>
-              <a:r>
-                <a:rPr lang="en-GB" sz="1200" dirty="0" smtClean="0"/>
-                <a:t>Incidence</a:t>
-              </a:r>
-            </a:p>
-          </p:txBody>
-        </p:sp>
-        <p:sp>
-          <p:nvSpPr>
-            <p:cNvPr id="10" name="TextBox 9"/>
-            <p:cNvSpPr txBox="1"/>
-            <p:nvPr/>
-          </p:nvSpPr>
-          <p:spPr>
-            <a:xfrm>
-              <a:off x="10911439" y="3429562"/>
-              <a:ext cx="867289" cy="276999"/>
-            </a:xfrm>
-            <a:prstGeom prst="rect">
-              <a:avLst/>
-            </a:prstGeom>
-            <a:solidFill>
-              <a:schemeClr val="bg1"/>
-            </a:solidFill>
-          </p:spPr>
-          <p:style>
-            <a:lnRef idx="2">
-              <a:schemeClr val="dk1"/>
-            </a:lnRef>
-            <a:fillRef idx="1">
-              <a:schemeClr val="lt1"/>
-            </a:fillRef>
-            <a:effectRef idx="0">
-              <a:schemeClr val="dk1"/>
-            </a:effectRef>
-            <a:fontRef idx="minor">
-              <a:schemeClr val="dk1"/>
-            </a:fontRef>
-          </p:style>
-          <p:txBody>
-            <a:bodyPr wrap="none" rtlCol="0">
-              <a:spAutoFit/>
-            </a:bodyPr>
-            <a:lstStyle/>
-            <a:p>
-              <a:r>
-                <a:rPr lang="en-GB" sz="1200" dirty="0" smtClean="0"/>
-                <a:t>Prevalence</a:t>
-              </a:r>
-            </a:p>
-          </p:txBody>
-        </p:sp>
-        <p:sp>
-          <p:nvSpPr>
-            <p:cNvPr id="32" name="TextBox 31"/>
-            <p:cNvSpPr txBox="1"/>
-            <p:nvPr/>
-          </p:nvSpPr>
-          <p:spPr>
-            <a:xfrm>
-              <a:off x="10000343" y="2639827"/>
-              <a:ext cx="426445" cy="276999"/>
-            </a:xfrm>
-            <a:prstGeom prst="rect">
-              <a:avLst/>
-            </a:prstGeom>
-            <a:noFill/>
-            <a:ln>
-              <a:solidFill>
-                <a:schemeClr val="tx1"/>
-              </a:solidFill>
-            </a:ln>
-          </p:spPr>
-          <p:txBody>
-            <a:bodyPr wrap="square" rtlCol="0">
-              <a:spAutoFit/>
-            </a:bodyPr>
-            <a:lstStyle/>
-            <a:p>
-              <a:r>
-                <a:rPr lang="en-GB" sz="1200" b="1" dirty="0"/>
-                <a:t>2</a:t>
-              </a:r>
-            </a:p>
-          </p:txBody>
-        </p:sp>
-        <p:sp>
-          <p:nvSpPr>
-            <p:cNvPr id="33" name="TextBox 32"/>
-            <p:cNvSpPr txBox="1"/>
-            <p:nvPr/>
-          </p:nvSpPr>
-          <p:spPr>
-            <a:xfrm>
-              <a:off x="9173029" y="1341391"/>
-              <a:ext cx="426445" cy="276999"/>
-            </a:xfrm>
-            <a:prstGeom prst="rect">
-              <a:avLst/>
-            </a:prstGeom>
-            <a:noFill/>
-            <a:ln>
-              <a:solidFill>
-                <a:schemeClr val="tx1"/>
-              </a:solidFill>
-            </a:ln>
-          </p:spPr>
-          <p:txBody>
-            <a:bodyPr wrap="square" rtlCol="0">
-              <a:spAutoFit/>
-            </a:bodyPr>
-            <a:lstStyle/>
-            <a:p>
-              <a:r>
-                <a:rPr lang="en-GB" sz="1200" b="1" dirty="0" smtClean="0"/>
-                <a:t>3</a:t>
-              </a:r>
-              <a:endParaRPr lang="en-GB" sz="1200" b="1" dirty="0"/>
-            </a:p>
-          </p:txBody>
-        </p:sp>
-      </p:grpSp>
-    </p:spTree>
-    <p:extLst>
-      <p:ext uri="{BB962C8B-B14F-4D97-AF65-F5344CB8AC3E}">
-        <p14:creationId xmlns:p14="http://schemas.microsoft.com/office/powerpoint/2010/main" val="2294295108"/>
-      </p:ext>
-    </p:extLst>
-  </p:cSld>
-  <p:clrMapOvr>
-    <a:masterClrMapping/>
-  </p:clrMapOvr>
-</p:sld>
-</file>
-
-<file path=ppt/slides/slide3.xml><?xml version="1.0" encoding="utf-8"?>
-<p:sld xmlns:a="http://schemas.openxmlformats.org/drawingml/2006/main" xmlns:r="http://schemas.openxmlformats.org/officeDocument/2006/relationships" xmlns:p="http://schemas.openxmlformats.org/presentationml/2006/main">
-  <p:cSld>
-    <p:spTree>
-      <p:nvGrpSpPr>
-        <p:cNvPr id="1" name=""/>
-        <p:cNvGrpSpPr/>
-        <p:nvPr/>
-      </p:nvGrpSpPr>
-      <p:grpSpPr>
-        <a:xfrm>
-          <a:off x="0" y="0"/>
-          <a:ext cx="0" cy="0"/>
-          <a:chOff x="0" y="0"/>
-          <a:chExt cx="0" cy="0"/>
-        </a:xfrm>
-      </p:grpSpPr>
-      <p:sp>
-        <p:nvSpPr>
-          <p:cNvPr id="320" name="Rectangle 319"/>
-          <p:cNvSpPr/>
+      <p:sp>
+        <p:nvSpPr>
+          <p:cNvPr id="209" name="TextBox 208"/>
+          <p:cNvSpPr txBox="1"/>
           <p:nvPr/>
         </p:nvSpPr>
         <p:spPr>
           <a:xfrm>
-            <a:off x="4236197" y="6850743"/>
-            <a:ext cx="2902565" cy="2119086"/>
+            <a:off x="10990202" y="4507155"/>
+            <a:ext cx="1080000" cy="461665"/>
           </a:xfrm>
           <a:prstGeom prst="rect">
             <a:avLst/>
           </a:prstGeom>
           <a:solidFill>
-            <a:schemeClr val="accent4">
-              <a:lumMod val="60000"/>
-              <a:lumOff val="40000"/>
-            </a:schemeClr>
+            <a:schemeClr val="bg1"/>
           </a:solidFill>
-          <a:ln>
-            <a:solidFill>
-              <a:schemeClr val="accent4">
-                <a:lumMod val="60000"/>
-                <a:lumOff val="40000"/>
-              </a:schemeClr>
-            </a:solidFill>
-          </a:ln>
         </p:spPr>
         <p:style>
           <a:lnRef idx="2">
-            <a:schemeClr val="accent1">
-              <a:shade val="50000"/>
-            </a:schemeClr>
+            <a:schemeClr val="dk1"/>
           </a:lnRef>
           <a:fillRef idx="1">
-            <a:schemeClr val="accent1"/>
+            <a:schemeClr val="lt1"/>
           </a:fillRef>
           <a:effectRef idx="0">
-            <a:schemeClr val="accent1"/>
+            <a:schemeClr val="dk1"/>
           </a:effectRef>
           <a:fontRef idx="minor">
-            <a:schemeClr val="lt1"/>
+            <a:schemeClr val="dk1"/>
           </a:fontRef>
         </p:style>
-        <p:txBody>
-          <a:bodyPr rtlCol="0" anchor="ctr"/>
-          <a:lstStyle/>
-          <a:p>
-            <a:pPr algn="ctr"/>
-            <a:endParaRPr lang="en-GB"/>
-          </a:p>
-        </p:txBody>
-      </p:sp>
-      <p:cxnSp>
-        <p:nvCxnSpPr>
-          <p:cNvPr id="208" name="Straight Arrow Connector 207"/>
-          <p:cNvCxnSpPr>
-            <a:stCxn id="272" idx="3"/>
-            <a:endCxn id="207" idx="1"/>
-          </p:cNvCxnSpPr>
-          <p:nvPr/>
-        </p:nvCxnSpPr>
-        <p:spPr>
-          <a:xfrm flipV="1">
-            <a:off x="2271119" y="4701374"/>
-            <a:ext cx="871819" cy="300082"/>
-          </a:xfrm>
-          <a:prstGeom prst="straightConnector1">
-            <a:avLst/>
-          </a:prstGeom>
-          <a:ln w="28575">
-            <a:solidFill>
-              <a:schemeClr val="tx1"/>
-            </a:solidFill>
-            <a:prstDash val="sysDash"/>
-            <a:tailEnd type="triangle"/>
-          </a:ln>
-        </p:spPr>
-        <p:style>
-          <a:lnRef idx="1">
-            <a:schemeClr val="accent1"/>
-          </a:lnRef>
-          <a:fillRef idx="0">
-            <a:schemeClr val="accent1"/>
-          </a:fillRef>
-          <a:effectRef idx="0">
-            <a:schemeClr val="accent1"/>
-          </a:effectRef>
-          <a:fontRef idx="minor">
-            <a:schemeClr val="tx1"/>
-          </a:fontRef>
-        </p:style>
-      </p:cxnSp>
-      <p:sp>
-        <p:nvSpPr>
-          <p:cNvPr id="33" name="TextBox 32"/>
-          <p:cNvSpPr txBox="1"/>
-          <p:nvPr/>
-        </p:nvSpPr>
-        <p:spPr>
-          <a:xfrm>
-            <a:off x="107622" y="72430"/>
-            <a:ext cx="12628533" cy="523220"/>
-          </a:xfrm>
-          <a:prstGeom prst="rect">
-            <a:avLst/>
-          </a:prstGeom>
-          <a:noFill/>
-        </p:spPr>
         <p:txBody>
           <a:bodyPr wrap="square" rtlCol="0">
             <a:spAutoFit/>
@@ -7048,97 +6662,127 @@
           <a:lstStyle/>
           <a:p>
             <a:r>
-              <a:rPr lang="en-GB" sz="1400" b="1" dirty="0" smtClean="0"/>
-              <a:t>PA</a:t>
-            </a:r>
-            <a:r>
-              <a:rPr lang="en-GB" sz="1400" dirty="0" smtClean="0"/>
-              <a:t> = physical activity; </a:t>
-            </a:r>
-            <a:r>
-              <a:rPr lang="en-GB" sz="1400" b="1" dirty="0" smtClean="0"/>
-              <a:t>AP</a:t>
-            </a:r>
-            <a:r>
-              <a:rPr lang="en-GB" sz="1400" dirty="0" smtClean="0"/>
-              <a:t> = air pollution; </a:t>
-            </a:r>
-            <a:r>
-              <a:rPr lang="en-GB" sz="1400" dirty="0" err="1" smtClean="0"/>
-              <a:t>m</a:t>
-            </a:r>
-            <a:r>
-              <a:rPr lang="en-GB" sz="1400" b="1" dirty="0" err="1" smtClean="0"/>
-              <a:t>MET</a:t>
-            </a:r>
-            <a:r>
-              <a:rPr lang="en-GB" sz="1400" dirty="0" smtClean="0"/>
-              <a:t> </a:t>
-            </a:r>
-            <a:r>
-              <a:rPr lang="en-GB" sz="1400" dirty="0"/>
-              <a:t>= </a:t>
-            </a:r>
-            <a:r>
-              <a:rPr lang="en-GB" sz="1400" dirty="0" smtClean="0"/>
-              <a:t>marginal metabolic equivalent </a:t>
-            </a:r>
-            <a:r>
-              <a:rPr lang="en-GB" sz="1400" dirty="0"/>
-              <a:t>of </a:t>
-            </a:r>
-            <a:r>
-              <a:rPr lang="en-GB" sz="1400" dirty="0" smtClean="0"/>
-              <a:t>task; </a:t>
-            </a:r>
-            <a:r>
-              <a:rPr lang="en-GB" sz="1400" b="1" dirty="0" smtClean="0"/>
-              <a:t>RR</a:t>
-            </a:r>
-            <a:r>
-              <a:rPr lang="en-GB" sz="1400" dirty="0" smtClean="0"/>
-              <a:t> = relative risk; </a:t>
-            </a:r>
-            <a:r>
-              <a:rPr lang="en-GB" sz="1400" b="1" dirty="0" smtClean="0"/>
-              <a:t>PAF</a:t>
-            </a:r>
-            <a:r>
-              <a:rPr lang="en-GB" sz="1400" dirty="0" smtClean="0"/>
-              <a:t> = population attributable fraction;</a:t>
-            </a:r>
-          </a:p>
-          <a:p>
-            <a:r>
-              <a:rPr lang="en-GB" sz="1400" b="1" dirty="0" smtClean="0"/>
-              <a:t>PMSLT</a:t>
-            </a:r>
-            <a:r>
-              <a:rPr lang="en-GB" sz="1400" dirty="0" smtClean="0"/>
-              <a:t> = proportional multistate life table</a:t>
-            </a:r>
-            <a:endParaRPr lang="en-GB" sz="1400" dirty="0"/>
-          </a:p>
-        </p:txBody>
-      </p:sp>
-      <p:sp>
-        <p:nvSpPr>
-          <p:cNvPr id="67" name="TextBox 66"/>
+              <a:rPr lang="en-GB" sz="1200" dirty="0" smtClean="0"/>
+              <a:t>Mortality</a:t>
+            </a:r>
+            <a:r>
+              <a:rPr lang="en-GB" sz="1200" dirty="0" smtClean="0"/>
+              <a:t> scenarios</a:t>
+            </a:r>
+            <a:endParaRPr lang="en-GB" sz="1200" dirty="0" smtClean="0"/>
+          </a:p>
+        </p:txBody>
+      </p:sp>
+      <p:sp>
+        <p:nvSpPr>
+          <p:cNvPr id="210" name="TextBox 209"/>
           <p:cNvSpPr txBox="1"/>
           <p:nvPr/>
         </p:nvSpPr>
         <p:spPr>
           <a:xfrm>
-            <a:off x="769472" y="5972667"/>
-            <a:ext cx="1501647" cy="430887"/>
+            <a:off x="9619279" y="4494331"/>
+            <a:ext cx="1080000" cy="460800"/>
           </a:xfrm>
           <a:prstGeom prst="rect">
             <a:avLst/>
           </a:prstGeom>
           <a:solidFill>
-            <a:schemeClr val="accent4">
-              <a:lumMod val="20000"/>
-              <a:lumOff val="80000"/>
+            <a:schemeClr val="bg1"/>
+          </a:solidFill>
+        </p:spPr>
+        <p:style>
+          <a:lnRef idx="2">
+            <a:schemeClr val="dk1"/>
+          </a:lnRef>
+          <a:fillRef idx="1">
+            <a:schemeClr val="lt1"/>
+          </a:fillRef>
+          <a:effectRef idx="0">
+            <a:schemeClr val="dk1"/>
+          </a:effectRef>
+          <a:fontRef idx="minor">
+            <a:schemeClr val="dk1"/>
+          </a:fontRef>
+        </p:style>
+        <p:txBody>
+          <a:bodyPr wrap="square" rtlCol="0">
+            <a:spAutoFit/>
+          </a:bodyPr>
+          <a:lstStyle/>
+          <a:p>
+            <a:r>
+              <a:rPr lang="en-GB" sz="1200" dirty="0" smtClean="0"/>
+              <a:t>Prevalence scenario</a:t>
+            </a:r>
+            <a:endParaRPr lang="en-GB" sz="1200" dirty="0" smtClean="0"/>
+          </a:p>
+        </p:txBody>
+      </p:sp>
+      <p:sp>
+        <p:nvSpPr>
+          <p:cNvPr id="211" name="TextBox 210"/>
+          <p:cNvSpPr txBox="1"/>
+          <p:nvPr/>
+        </p:nvSpPr>
+        <p:spPr>
+          <a:xfrm>
+            <a:off x="8401288" y="4494331"/>
+            <a:ext cx="1080000" cy="461665"/>
+          </a:xfrm>
+          <a:prstGeom prst="rect">
+            <a:avLst/>
+          </a:prstGeom>
+          <a:solidFill>
+            <a:schemeClr val="bg1"/>
+          </a:solidFill>
+        </p:spPr>
+        <p:style>
+          <a:lnRef idx="2">
+            <a:schemeClr val="dk1"/>
+          </a:lnRef>
+          <a:fillRef idx="1">
+            <a:schemeClr val="lt1"/>
+          </a:fillRef>
+          <a:effectRef idx="0">
+            <a:schemeClr val="dk1"/>
+          </a:effectRef>
+          <a:fontRef idx="minor">
+            <a:schemeClr val="dk1"/>
+          </a:fontRef>
+        </p:style>
+        <p:txBody>
+          <a:bodyPr wrap="square" rtlCol="0">
+            <a:spAutoFit/>
+          </a:bodyPr>
+          <a:lstStyle/>
+          <a:p>
+            <a:r>
+              <a:rPr lang="en-GB" sz="1200" dirty="0" smtClean="0"/>
+              <a:t>Incidence scenario</a:t>
+            </a:r>
+            <a:endParaRPr lang="en-GB" sz="1200" dirty="0" smtClean="0"/>
+          </a:p>
+        </p:txBody>
+      </p:sp>
+      <p:sp>
+        <p:nvSpPr>
+          <p:cNvPr id="218" name="TextBox 217"/>
+          <p:cNvSpPr txBox="1"/>
+          <p:nvPr/>
+        </p:nvSpPr>
+        <p:spPr>
+          <a:xfrm>
+            <a:off x="11113039" y="2516007"/>
+            <a:ext cx="1080000" cy="430887"/>
+          </a:xfrm>
+          <a:prstGeom prst="rect">
+            <a:avLst/>
+          </a:prstGeom>
+          <a:solidFill>
+            <a:schemeClr val="accent6">
+              <a:lumMod val="40000"/>
+              <a:lumOff val="60000"/>
             </a:schemeClr>
           </a:solidFill>
           <a:ln w="19050">
@@ -7155,56 +6799,20 @@
           <a:p>
             <a:pPr algn="ctr"/>
             <a:r>
+              <a:rPr lang="el-GR" sz="1100" dirty="0" smtClean="0"/>
+              <a:t>Δ</a:t>
+            </a:r>
+            <a:r>
               <a:rPr lang="en-GB" sz="1100" dirty="0" smtClean="0"/>
-              <a:t>Synthetic </a:t>
+              <a:t> All-cause </a:t>
             </a:r>
             <a:r>
               <a:rPr lang="en-GB" sz="1100" dirty="0" smtClean="0"/>
-              <a:t>population with scenarios</a:t>
-            </a:r>
-            <a:endParaRPr lang="en-GB" sz="1100" dirty="0"/>
-          </a:p>
-        </p:txBody>
-      </p:sp>
-      <p:sp>
-        <p:nvSpPr>
-          <p:cNvPr id="90" name="TextBox 89"/>
-          <p:cNvSpPr txBox="1"/>
-          <p:nvPr/>
-        </p:nvSpPr>
-        <p:spPr>
-          <a:xfrm>
-            <a:off x="5913914" y="1556304"/>
-            <a:ext cx="1042105" cy="600164"/>
-          </a:xfrm>
-          <a:prstGeom prst="rect">
-            <a:avLst/>
-          </a:prstGeom>
-          <a:solidFill>
-            <a:schemeClr val="bg1">
-              <a:lumMod val="85000"/>
-            </a:schemeClr>
-          </a:solidFill>
-          <a:ln w="19050">
-            <a:solidFill>
-              <a:schemeClr val="tx1"/>
-            </a:solidFill>
-          </a:ln>
-        </p:spPr>
-        <p:txBody>
-          <a:bodyPr wrap="square" rtlCol="0">
-            <a:spAutoFit/>
-          </a:bodyPr>
-          <a:lstStyle/>
-          <a:p>
-            <a:pPr algn="ctr"/>
+              <a:t>mortality </a:t>
+            </a:r>
             <a:r>
               <a:rPr lang="en-GB" sz="1100" dirty="0" smtClean="0"/>
-              <a:t>PA PIF </a:t>
-            </a:r>
-            <a:r>
-              <a:rPr lang="en-GB" sz="1100" dirty="0" smtClean="0"/>
-              <a:t>per pop group, per disease</a:t>
+              <a:t>rates</a:t>
             </a:r>
             <a:endParaRPr lang="en-GB" sz="1100" dirty="0"/>
           </a:p>
@@ -7212,863 +6820,16 @@
       </p:sp>
       <p:cxnSp>
         <p:nvCxnSpPr>
-          <p:cNvPr id="112" name="Straight Arrow Connector 111"/>
+          <p:cNvPr id="589" name="Straight Arrow Connector 588"/>
           <p:cNvCxnSpPr>
-            <a:stCxn id="90" idx="3"/>
-          </p:cNvCxnSpPr>
-          <p:nvPr/>
-        </p:nvCxnSpPr>
-        <p:spPr>
-          <a:xfrm flipV="1">
-            <a:off x="6956019" y="1848654"/>
-            <a:ext cx="389551" cy="0"/>
-          </a:xfrm>
-          <a:prstGeom prst="straightConnector1">
-            <a:avLst/>
-          </a:prstGeom>
-          <a:ln w="28575">
-            <a:solidFill>
-              <a:schemeClr val="tx1"/>
-            </a:solidFill>
-            <a:tailEnd type="triangle"/>
-          </a:ln>
-        </p:spPr>
-        <p:style>
-          <a:lnRef idx="1">
-            <a:schemeClr val="accent1"/>
-          </a:lnRef>
-          <a:fillRef idx="0">
-            <a:schemeClr val="accent1"/>
-          </a:fillRef>
-          <a:effectRef idx="0">
-            <a:schemeClr val="accent1"/>
-          </a:effectRef>
-          <a:fontRef idx="minor">
-            <a:schemeClr val="tx1"/>
-          </a:fontRef>
-        </p:style>
-      </p:cxnSp>
-      <p:sp>
-        <p:nvSpPr>
-          <p:cNvPr id="119" name="TextBox 118"/>
-          <p:cNvSpPr txBox="1"/>
-          <p:nvPr/>
-        </p:nvSpPr>
-        <p:spPr>
-          <a:xfrm>
-            <a:off x="11720209" y="3765268"/>
-            <a:ext cx="1042105" cy="769441"/>
-          </a:xfrm>
-          <a:prstGeom prst="rect">
-            <a:avLst/>
-          </a:prstGeom>
-          <a:solidFill>
-            <a:srgbClr val="FFC000"/>
-          </a:solidFill>
-          <a:ln w="19050">
-            <a:solidFill>
-              <a:schemeClr val="tx1"/>
-            </a:solidFill>
-          </a:ln>
-        </p:spPr>
-        <p:txBody>
-          <a:bodyPr wrap="square" rtlCol="0">
-            <a:spAutoFit/>
-          </a:bodyPr>
-          <a:lstStyle/>
-          <a:p>
-            <a:pPr algn="ctr"/>
-            <a:r>
-              <a:rPr lang="en-GB" sz="1100" dirty="0" smtClean="0"/>
-              <a:t>DALY, YLD, YLL and deaths due to all pathways</a:t>
-            </a:r>
-            <a:endParaRPr lang="en-GB" sz="1100" dirty="0"/>
-          </a:p>
-        </p:txBody>
-      </p:sp>
-      <p:sp>
-        <p:nvSpPr>
-          <p:cNvPr id="139" name="TextBox 138"/>
-          <p:cNvSpPr txBox="1"/>
-          <p:nvPr/>
-        </p:nvSpPr>
-        <p:spPr>
-          <a:xfrm>
-            <a:off x="5913914" y="2232513"/>
-            <a:ext cx="1042105" cy="600164"/>
-          </a:xfrm>
-          <a:prstGeom prst="rect">
-            <a:avLst/>
-          </a:prstGeom>
-          <a:solidFill>
-            <a:schemeClr val="bg2">
-              <a:lumMod val="90000"/>
-            </a:schemeClr>
-          </a:solidFill>
-          <a:ln w="19050">
-            <a:solidFill>
-              <a:schemeClr val="tx1"/>
-            </a:solidFill>
-          </a:ln>
-        </p:spPr>
-        <p:txBody>
-          <a:bodyPr wrap="square" rtlCol="0">
-            <a:spAutoFit/>
-          </a:bodyPr>
-          <a:lstStyle/>
-          <a:p>
-            <a:pPr algn="ctr"/>
-            <a:r>
-              <a:rPr lang="en-GB" sz="1100" dirty="0"/>
-              <a:t>PM2.5 PIF </a:t>
-            </a:r>
-            <a:r>
-              <a:rPr lang="en-GB" sz="1100" dirty="0" smtClean="0"/>
-              <a:t>per pop group, per disease</a:t>
-            </a:r>
-            <a:endParaRPr lang="en-GB" sz="1100" dirty="0"/>
-          </a:p>
-        </p:txBody>
-      </p:sp>
-      <p:cxnSp>
-        <p:nvCxnSpPr>
-          <p:cNvPr id="142" name="Straight Arrow Connector 141"/>
-          <p:cNvCxnSpPr>
-            <a:stCxn id="139" idx="3"/>
-          </p:cNvCxnSpPr>
-          <p:nvPr/>
-        </p:nvCxnSpPr>
-        <p:spPr>
-          <a:xfrm flipV="1">
-            <a:off x="6956019" y="2524863"/>
-            <a:ext cx="389551" cy="0"/>
-          </a:xfrm>
-          <a:prstGeom prst="straightConnector1">
-            <a:avLst/>
-          </a:prstGeom>
-          <a:ln w="28575">
-            <a:solidFill>
-              <a:schemeClr val="tx1"/>
-            </a:solidFill>
-            <a:tailEnd type="triangle"/>
-          </a:ln>
-        </p:spPr>
-        <p:style>
-          <a:lnRef idx="1">
-            <a:schemeClr val="accent1"/>
-          </a:lnRef>
-          <a:fillRef idx="0">
-            <a:schemeClr val="accent1"/>
-          </a:fillRef>
-          <a:effectRef idx="0">
-            <a:schemeClr val="accent1"/>
-          </a:effectRef>
-          <a:fontRef idx="minor">
-            <a:schemeClr val="tx1"/>
-          </a:fontRef>
-        </p:style>
-      </p:cxnSp>
-      <p:sp>
-        <p:nvSpPr>
-          <p:cNvPr id="172" name="TextBox 171"/>
-          <p:cNvSpPr txBox="1"/>
-          <p:nvPr/>
-        </p:nvSpPr>
-        <p:spPr>
-          <a:xfrm>
-            <a:off x="5913914" y="3584708"/>
-            <a:ext cx="1042105" cy="600164"/>
-          </a:xfrm>
-          <a:prstGeom prst="rect">
-            <a:avLst/>
-          </a:prstGeom>
-          <a:solidFill>
-            <a:schemeClr val="bg2">
-              <a:lumMod val="90000"/>
-            </a:schemeClr>
-          </a:solidFill>
-          <a:ln w="19050">
-            <a:solidFill>
-              <a:schemeClr val="tx1"/>
-            </a:solidFill>
-            <a:prstDash val="sysDash"/>
-          </a:ln>
-        </p:spPr>
-        <p:txBody>
-          <a:bodyPr wrap="square" rtlCol="0">
-            <a:spAutoFit/>
-          </a:bodyPr>
-          <a:lstStyle/>
-          <a:p>
-            <a:pPr algn="ctr"/>
-            <a:r>
-              <a:rPr lang="en-GB" sz="1100" dirty="0" smtClean="0"/>
-              <a:t>Noise </a:t>
-            </a:r>
-            <a:r>
-              <a:rPr lang="en-GB" sz="1100" dirty="0"/>
-              <a:t>PIF </a:t>
-            </a:r>
-            <a:r>
-              <a:rPr lang="en-GB" sz="1100" dirty="0" smtClean="0"/>
-              <a:t>per pop group, per disease</a:t>
-            </a:r>
-            <a:endParaRPr lang="en-GB" sz="1100" dirty="0"/>
-          </a:p>
-        </p:txBody>
-      </p:sp>
-      <p:cxnSp>
-        <p:nvCxnSpPr>
-          <p:cNvPr id="175" name="Straight Arrow Connector 174"/>
-          <p:cNvCxnSpPr>
-            <a:stCxn id="172" idx="3"/>
-          </p:cNvCxnSpPr>
-          <p:nvPr/>
-        </p:nvCxnSpPr>
-        <p:spPr>
-          <a:xfrm flipV="1">
-            <a:off x="6956019" y="3877058"/>
-            <a:ext cx="365486" cy="0"/>
-          </a:xfrm>
-          <a:prstGeom prst="straightConnector1">
-            <a:avLst/>
-          </a:prstGeom>
-          <a:ln w="28575">
-            <a:solidFill>
-              <a:schemeClr val="tx1"/>
-            </a:solidFill>
-            <a:tailEnd type="triangle"/>
-          </a:ln>
-        </p:spPr>
-        <p:style>
-          <a:lnRef idx="1">
-            <a:schemeClr val="accent1"/>
-          </a:lnRef>
-          <a:fillRef idx="0">
-            <a:schemeClr val="accent1"/>
-          </a:fillRef>
-          <a:effectRef idx="0">
-            <a:schemeClr val="accent1"/>
-          </a:effectRef>
-          <a:fontRef idx="minor">
-            <a:schemeClr val="tx1"/>
-          </a:fontRef>
-        </p:style>
-      </p:cxnSp>
-      <p:sp>
-        <p:nvSpPr>
-          <p:cNvPr id="207" name="TextBox 206"/>
-          <p:cNvSpPr txBox="1"/>
-          <p:nvPr/>
-        </p:nvSpPr>
-        <p:spPr>
-          <a:xfrm>
-            <a:off x="3142938" y="4401292"/>
-            <a:ext cx="1004856" cy="600164"/>
-          </a:xfrm>
-          <a:prstGeom prst="rect">
-            <a:avLst/>
-          </a:prstGeom>
-          <a:noFill/>
-          <a:ln w="19050">
-            <a:solidFill>
-              <a:schemeClr val="tx1"/>
-            </a:solidFill>
-          </a:ln>
-        </p:spPr>
-        <p:txBody>
-          <a:bodyPr wrap="square" rtlCol="0">
-            <a:spAutoFit/>
-          </a:bodyPr>
-          <a:lstStyle/>
-          <a:p>
-            <a:pPr algn="ctr"/>
-            <a:r>
-              <a:rPr lang="en-GB" sz="1100" dirty="0" smtClean="0"/>
-              <a:t>Road death by mode, age an sex groups</a:t>
-            </a:r>
-            <a:endParaRPr lang="en-GB" sz="1100" dirty="0"/>
-          </a:p>
-        </p:txBody>
-      </p:sp>
-      <p:sp>
-        <p:nvSpPr>
-          <p:cNvPr id="220" name="TextBox 219"/>
-          <p:cNvSpPr txBox="1"/>
-          <p:nvPr/>
-        </p:nvSpPr>
-        <p:spPr>
-          <a:xfrm>
-            <a:off x="5796920" y="7273864"/>
-            <a:ext cx="1149812" cy="430887"/>
-          </a:xfrm>
-          <a:prstGeom prst="rect">
-            <a:avLst/>
-          </a:prstGeom>
-          <a:solidFill>
-            <a:schemeClr val="bg1">
-              <a:lumMod val="85000"/>
-            </a:schemeClr>
-          </a:solidFill>
-          <a:ln w="19050">
-            <a:solidFill>
-              <a:schemeClr val="tx1"/>
-            </a:solidFill>
-            <a:prstDash val="sysDash"/>
-          </a:ln>
-        </p:spPr>
-        <p:txBody>
-          <a:bodyPr wrap="square" rtlCol="0">
-            <a:spAutoFit/>
-          </a:bodyPr>
-          <a:lstStyle/>
-          <a:p>
-            <a:pPr algn="ctr"/>
-            <a:r>
-              <a:rPr lang="en-GB" sz="1100" dirty="0" smtClean="0"/>
-              <a:t>Disease specific case fatality</a:t>
-            </a:r>
-            <a:endParaRPr lang="en-GB" sz="1100" dirty="0"/>
-          </a:p>
-        </p:txBody>
-      </p:sp>
-      <p:sp>
-        <p:nvSpPr>
-          <p:cNvPr id="222" name="TextBox 221"/>
-          <p:cNvSpPr txBox="1"/>
-          <p:nvPr/>
-        </p:nvSpPr>
-        <p:spPr>
-          <a:xfrm>
-            <a:off x="7256479" y="1173725"/>
-            <a:ext cx="3129295" cy="307777"/>
-          </a:xfrm>
-          <a:prstGeom prst="rect">
-            <a:avLst/>
-          </a:prstGeom>
-          <a:noFill/>
-          <a:ln w="19050">
-            <a:solidFill>
-              <a:schemeClr val="tx1"/>
-            </a:solidFill>
-            <a:prstDash val="sysDash"/>
-          </a:ln>
-        </p:spPr>
-        <p:txBody>
-          <a:bodyPr wrap="square" rtlCol="0">
-            <a:spAutoFit/>
-          </a:bodyPr>
-          <a:lstStyle/>
-          <a:p>
-            <a:pPr algn="ctr"/>
-            <a:r>
-              <a:rPr lang="en-GB" sz="1400" b="1" dirty="0" smtClean="0"/>
-              <a:t>Disease life tables</a:t>
-            </a:r>
-            <a:endParaRPr lang="en-GB" sz="1400" b="1" dirty="0"/>
-          </a:p>
-        </p:txBody>
-      </p:sp>
-      <p:sp>
-        <p:nvSpPr>
-          <p:cNvPr id="260" name="TextBox 259"/>
-          <p:cNvSpPr txBox="1"/>
-          <p:nvPr/>
-        </p:nvSpPr>
-        <p:spPr>
-          <a:xfrm>
-            <a:off x="5913914" y="2908510"/>
-            <a:ext cx="1042105" cy="600164"/>
-          </a:xfrm>
-          <a:prstGeom prst="rect">
-            <a:avLst/>
-          </a:prstGeom>
-          <a:solidFill>
-            <a:schemeClr val="bg2">
-              <a:lumMod val="90000"/>
-            </a:schemeClr>
-          </a:solidFill>
-          <a:ln w="19050">
-            <a:solidFill>
-              <a:schemeClr val="tx1"/>
-            </a:solidFill>
-            <a:prstDash val="sysDash"/>
-          </a:ln>
-        </p:spPr>
-        <p:txBody>
-          <a:bodyPr wrap="square" rtlCol="0">
-            <a:spAutoFit/>
-          </a:bodyPr>
-          <a:lstStyle/>
-          <a:p>
-            <a:pPr algn="ctr"/>
-            <a:r>
-              <a:rPr lang="en-GB" sz="1100" dirty="0"/>
-              <a:t>NO2</a:t>
-            </a:r>
-            <a:r>
-              <a:rPr lang="en-GB" sz="1100" dirty="0" smtClean="0"/>
-              <a:t> </a:t>
-            </a:r>
-            <a:r>
-              <a:rPr lang="en-GB" sz="1100" dirty="0"/>
-              <a:t>PIF </a:t>
-            </a:r>
-            <a:r>
-              <a:rPr lang="en-GB" sz="1100" dirty="0" smtClean="0"/>
-              <a:t>per pop group, per disease</a:t>
-            </a:r>
-            <a:endParaRPr lang="en-GB" sz="1100" dirty="0"/>
-          </a:p>
-        </p:txBody>
-      </p:sp>
-      <p:cxnSp>
-        <p:nvCxnSpPr>
-          <p:cNvPr id="263" name="Straight Arrow Connector 262"/>
-          <p:cNvCxnSpPr>
-            <a:stCxn id="260" idx="3"/>
-          </p:cNvCxnSpPr>
-          <p:nvPr/>
-        </p:nvCxnSpPr>
-        <p:spPr>
-          <a:xfrm flipV="1">
-            <a:off x="6956019" y="3200860"/>
-            <a:ext cx="365486" cy="0"/>
-          </a:xfrm>
-          <a:prstGeom prst="straightConnector1">
-            <a:avLst/>
-          </a:prstGeom>
-          <a:ln w="28575">
-            <a:solidFill>
-              <a:schemeClr val="tx1"/>
-            </a:solidFill>
-            <a:tailEnd type="triangle"/>
-          </a:ln>
-        </p:spPr>
-        <p:style>
-          <a:lnRef idx="1">
-            <a:schemeClr val="accent1"/>
-          </a:lnRef>
-          <a:fillRef idx="0">
-            <a:schemeClr val="accent1"/>
-          </a:fillRef>
-          <a:effectRef idx="0">
-            <a:schemeClr val="accent1"/>
-          </a:effectRef>
-          <a:fontRef idx="minor">
-            <a:schemeClr val="tx1"/>
-          </a:fontRef>
-        </p:style>
-      </p:cxnSp>
-      <p:sp>
-        <p:nvSpPr>
-          <p:cNvPr id="228" name="TextBox 227"/>
-          <p:cNvSpPr txBox="1"/>
-          <p:nvPr/>
-        </p:nvSpPr>
-        <p:spPr>
-          <a:xfrm>
-            <a:off x="3129228" y="5965166"/>
-            <a:ext cx="1004856" cy="600164"/>
-          </a:xfrm>
-          <a:prstGeom prst="rect">
-            <a:avLst/>
-          </a:prstGeom>
-          <a:noFill/>
-          <a:ln w="19050">
-            <a:solidFill>
-              <a:schemeClr val="tx1"/>
-            </a:solidFill>
-          </a:ln>
-        </p:spPr>
-        <p:txBody>
-          <a:bodyPr wrap="square" rtlCol="0">
-            <a:spAutoFit/>
-          </a:bodyPr>
-          <a:lstStyle/>
-          <a:p>
-            <a:pPr algn="ctr"/>
-            <a:r>
-              <a:rPr lang="en-GB" sz="1100" dirty="0" smtClean="0"/>
-              <a:t>Population by age groups and sex</a:t>
-            </a:r>
-            <a:endParaRPr lang="en-GB" sz="1100" dirty="0"/>
-          </a:p>
-        </p:txBody>
-      </p:sp>
-      <p:sp>
-        <p:nvSpPr>
-          <p:cNvPr id="229" name="TextBox 228"/>
-          <p:cNvSpPr txBox="1"/>
-          <p:nvPr/>
-        </p:nvSpPr>
-        <p:spPr>
-          <a:xfrm>
-            <a:off x="3115518" y="6668718"/>
-            <a:ext cx="1032276" cy="769441"/>
-          </a:xfrm>
-          <a:prstGeom prst="rect">
-            <a:avLst/>
-          </a:prstGeom>
-          <a:noFill/>
-          <a:ln w="19050">
-            <a:solidFill>
-              <a:schemeClr val="tx1"/>
-            </a:solidFill>
-          </a:ln>
-        </p:spPr>
-        <p:txBody>
-          <a:bodyPr wrap="square" rtlCol="0">
-            <a:spAutoFit/>
-          </a:bodyPr>
-          <a:lstStyle/>
-          <a:p>
-            <a:pPr algn="ctr"/>
-            <a:r>
-              <a:rPr lang="en-GB" sz="1100" dirty="0" smtClean="0"/>
-              <a:t>All-cause mortality rates by age groups and sex</a:t>
-            </a:r>
-            <a:endParaRPr lang="en-GB" sz="1100" dirty="0"/>
-          </a:p>
-        </p:txBody>
-      </p:sp>
-      <p:sp>
-        <p:nvSpPr>
-          <p:cNvPr id="249" name="TextBox 248"/>
-          <p:cNvSpPr txBox="1"/>
-          <p:nvPr/>
-        </p:nvSpPr>
-        <p:spPr>
-          <a:xfrm>
-            <a:off x="721844" y="7587565"/>
-            <a:ext cx="1501647" cy="430887"/>
-          </a:xfrm>
-          <a:prstGeom prst="rect">
-            <a:avLst/>
-          </a:prstGeom>
-          <a:solidFill>
-            <a:schemeClr val="accent4">
-              <a:lumMod val="20000"/>
-              <a:lumOff val="80000"/>
-            </a:schemeClr>
-          </a:solidFill>
-          <a:ln w="19050">
-            <a:solidFill>
-              <a:schemeClr val="tx1"/>
-            </a:solidFill>
-          </a:ln>
-        </p:spPr>
-        <p:txBody>
-          <a:bodyPr wrap="square" rtlCol="0">
-            <a:spAutoFit/>
-          </a:bodyPr>
-          <a:lstStyle/>
-          <a:p>
-            <a:pPr algn="ctr"/>
-            <a:r>
-              <a:rPr lang="en-GB" sz="1100" dirty="0" smtClean="0"/>
-              <a:t>Global Burden of Disease data</a:t>
-            </a:r>
-            <a:endParaRPr lang="en-GB" sz="1100" dirty="0"/>
-          </a:p>
-        </p:txBody>
-      </p:sp>
-      <p:sp>
-        <p:nvSpPr>
-          <p:cNvPr id="251" name="TextBox 250"/>
-          <p:cNvSpPr txBox="1"/>
-          <p:nvPr/>
-        </p:nvSpPr>
-        <p:spPr>
-          <a:xfrm>
-            <a:off x="4379059" y="7261925"/>
-            <a:ext cx="1201586" cy="430887"/>
-          </a:xfrm>
-          <a:prstGeom prst="rect">
-            <a:avLst/>
-          </a:prstGeom>
-          <a:noFill/>
-          <a:ln w="19050">
-            <a:solidFill>
-              <a:schemeClr val="tx1"/>
-            </a:solidFill>
-          </a:ln>
-        </p:spPr>
-        <p:txBody>
-          <a:bodyPr wrap="square" rtlCol="0">
-            <a:spAutoFit/>
-          </a:bodyPr>
-          <a:lstStyle/>
-          <a:p>
-            <a:pPr algn="ctr"/>
-            <a:r>
-              <a:rPr lang="en-GB" sz="1100" b="1" dirty="0" err="1" smtClean="0"/>
-              <a:t>Dismod</a:t>
-            </a:r>
-            <a:r>
-              <a:rPr lang="en-GB" sz="1100" b="1" dirty="0" smtClean="0"/>
-              <a:t> </a:t>
-            </a:r>
-            <a:r>
-              <a:rPr lang="en-GB" sz="1100" b="1" dirty="0"/>
-              <a:t>II </a:t>
-            </a:r>
-            <a:r>
-              <a:rPr lang="en-GB" sz="1100" b="1" dirty="0" smtClean="0"/>
-              <a:t>C</a:t>
-            </a:r>
-            <a:r>
-              <a:rPr lang="en-GB" sz="1100" dirty="0" smtClean="0"/>
-              <a:t>ollection</a:t>
-            </a:r>
-          </a:p>
-        </p:txBody>
-      </p:sp>
-      <p:sp>
-        <p:nvSpPr>
-          <p:cNvPr id="265" name="TextBox 264"/>
-          <p:cNvSpPr txBox="1"/>
-          <p:nvPr/>
-        </p:nvSpPr>
-        <p:spPr>
-          <a:xfrm>
-            <a:off x="769472" y="1183767"/>
-            <a:ext cx="1501647" cy="261610"/>
-          </a:xfrm>
-          <a:prstGeom prst="rect">
-            <a:avLst/>
-          </a:prstGeom>
-          <a:solidFill>
-            <a:schemeClr val="accent4">
-              <a:lumMod val="20000"/>
-              <a:lumOff val="80000"/>
-            </a:schemeClr>
-          </a:solidFill>
-          <a:ln w="19050">
-            <a:solidFill>
-              <a:schemeClr val="tx1"/>
-            </a:solidFill>
-          </a:ln>
-        </p:spPr>
-        <p:txBody>
-          <a:bodyPr wrap="square" rtlCol="0">
-            <a:spAutoFit/>
-          </a:bodyPr>
-          <a:lstStyle/>
-          <a:p>
-            <a:pPr algn="ctr"/>
-            <a:r>
-              <a:rPr lang="en-GB" sz="1100" dirty="0" smtClean="0"/>
-              <a:t>Data inputs sources</a:t>
-            </a:r>
-            <a:endParaRPr lang="en-GB" sz="1100" dirty="0"/>
-          </a:p>
-        </p:txBody>
-      </p:sp>
-      <p:sp>
-        <p:nvSpPr>
-          <p:cNvPr id="266" name="TextBox 265"/>
-          <p:cNvSpPr txBox="1"/>
-          <p:nvPr/>
-        </p:nvSpPr>
-        <p:spPr>
-          <a:xfrm>
-            <a:off x="3082393" y="1183767"/>
-            <a:ext cx="3889890" cy="261610"/>
-          </a:xfrm>
-          <a:prstGeom prst="rect">
-            <a:avLst/>
-          </a:prstGeom>
-          <a:solidFill>
-            <a:schemeClr val="accent4">
-              <a:lumMod val="20000"/>
-              <a:lumOff val="80000"/>
-            </a:schemeClr>
-          </a:solidFill>
-          <a:ln w="19050">
-            <a:solidFill>
-              <a:schemeClr val="tx1"/>
-            </a:solidFill>
-          </a:ln>
-        </p:spPr>
-        <p:txBody>
-          <a:bodyPr wrap="square" rtlCol="0">
-            <a:spAutoFit/>
-          </a:bodyPr>
-          <a:lstStyle/>
-          <a:p>
-            <a:pPr algn="ctr"/>
-            <a:r>
-              <a:rPr lang="en-GB" sz="1100" dirty="0" smtClean="0"/>
-              <a:t>Data inputs sources</a:t>
-            </a:r>
-            <a:endParaRPr lang="en-GB" sz="1100" dirty="0"/>
-          </a:p>
-        </p:txBody>
-      </p:sp>
-      <p:sp>
-        <p:nvSpPr>
-          <p:cNvPr id="268" name="TextBox 267"/>
-          <p:cNvSpPr txBox="1"/>
-          <p:nvPr/>
-        </p:nvSpPr>
-        <p:spPr>
-          <a:xfrm>
-            <a:off x="3114468" y="8832327"/>
-            <a:ext cx="1004856" cy="600164"/>
-          </a:xfrm>
-          <a:prstGeom prst="rect">
-            <a:avLst/>
-          </a:prstGeom>
-          <a:noFill/>
-          <a:ln w="19050">
-            <a:solidFill>
-              <a:schemeClr val="tx1"/>
-            </a:solidFill>
-          </a:ln>
-        </p:spPr>
-        <p:txBody>
-          <a:bodyPr wrap="square" rtlCol="0">
-            <a:spAutoFit/>
-          </a:bodyPr>
-          <a:lstStyle/>
-          <a:p>
-            <a:pPr algn="ctr"/>
-            <a:r>
-              <a:rPr lang="en-GB" sz="1100" dirty="0" smtClean="0"/>
-              <a:t>Total  YLD rates by age and sex</a:t>
-            </a:r>
-            <a:endParaRPr lang="en-GB" sz="1100" dirty="0"/>
-          </a:p>
-        </p:txBody>
-      </p:sp>
-      <p:sp>
-        <p:nvSpPr>
-          <p:cNvPr id="272" name="TextBox 271"/>
-          <p:cNvSpPr txBox="1"/>
-          <p:nvPr/>
-        </p:nvSpPr>
-        <p:spPr>
-          <a:xfrm>
-            <a:off x="769472" y="4786012"/>
-            <a:ext cx="1501647" cy="430887"/>
-          </a:xfrm>
-          <a:prstGeom prst="rect">
-            <a:avLst/>
-          </a:prstGeom>
-          <a:solidFill>
-            <a:schemeClr val="accent4">
-              <a:lumMod val="20000"/>
-              <a:lumOff val="80000"/>
-            </a:schemeClr>
-          </a:solidFill>
-          <a:ln w="19050">
-            <a:solidFill>
-              <a:schemeClr val="tx1"/>
-            </a:solidFill>
-          </a:ln>
-        </p:spPr>
-        <p:txBody>
-          <a:bodyPr wrap="square" rtlCol="0">
-            <a:spAutoFit/>
-          </a:bodyPr>
-          <a:lstStyle/>
-          <a:p>
-            <a:pPr algn="ctr"/>
-            <a:r>
-              <a:rPr lang="en-GB" sz="1100" dirty="0" smtClean="0"/>
-              <a:t>Injuries mode (baseline and scenario)</a:t>
-            </a:r>
-            <a:endParaRPr lang="en-GB" sz="1100" dirty="0"/>
-          </a:p>
-        </p:txBody>
-      </p:sp>
-      <p:sp>
-        <p:nvSpPr>
-          <p:cNvPr id="274" name="TextBox 273"/>
-          <p:cNvSpPr txBox="1"/>
-          <p:nvPr/>
-        </p:nvSpPr>
-        <p:spPr>
-          <a:xfrm>
-            <a:off x="3142938" y="5203633"/>
-            <a:ext cx="1004856" cy="600164"/>
-          </a:xfrm>
-          <a:prstGeom prst="rect">
-            <a:avLst/>
-          </a:prstGeom>
-          <a:noFill/>
-          <a:ln w="19050">
-            <a:solidFill>
-              <a:schemeClr val="tx1"/>
-            </a:solidFill>
-          </a:ln>
-        </p:spPr>
-        <p:txBody>
-          <a:bodyPr wrap="square" rtlCol="0">
-            <a:spAutoFit/>
-          </a:bodyPr>
-          <a:lstStyle/>
-          <a:p>
-            <a:pPr algn="ctr"/>
-            <a:r>
-              <a:rPr lang="en-GB" sz="1100" dirty="0" smtClean="0"/>
-              <a:t>Road injuries by mode, age an sex groups</a:t>
-            </a:r>
-            <a:endParaRPr lang="en-GB" sz="1100" dirty="0"/>
-          </a:p>
-        </p:txBody>
-      </p:sp>
-      <p:cxnSp>
-        <p:nvCxnSpPr>
-          <p:cNvPr id="275" name="Straight Arrow Connector 274"/>
-          <p:cNvCxnSpPr>
-            <a:stCxn id="272" idx="3"/>
-            <a:endCxn id="274" idx="1"/>
+            <a:endCxn id="577" idx="1"/>
           </p:cNvCxnSpPr>
           <p:nvPr/>
         </p:nvCxnSpPr>
         <p:spPr>
           <a:xfrm>
-            <a:off x="2271119" y="5001456"/>
-            <a:ext cx="871819" cy="502259"/>
-          </a:xfrm>
-          <a:prstGeom prst="straightConnector1">
-            <a:avLst/>
-          </a:prstGeom>
-          <a:ln w="28575">
-            <a:solidFill>
-              <a:schemeClr val="tx1"/>
-            </a:solidFill>
-            <a:prstDash val="sysDash"/>
-            <a:tailEnd type="triangle"/>
-          </a:ln>
-        </p:spPr>
-        <p:style>
-          <a:lnRef idx="1">
-            <a:schemeClr val="accent1"/>
-          </a:lnRef>
-          <a:fillRef idx="0">
-            <a:schemeClr val="accent1"/>
-          </a:fillRef>
-          <a:effectRef idx="0">
-            <a:schemeClr val="accent1"/>
-          </a:effectRef>
-          <a:fontRef idx="minor">
-            <a:schemeClr val="tx1"/>
-          </a:fontRef>
-        </p:style>
-      </p:cxnSp>
-      <p:cxnSp>
-        <p:nvCxnSpPr>
-          <p:cNvPr id="281" name="Straight Arrow Connector 280"/>
-          <p:cNvCxnSpPr/>
-          <p:nvPr/>
-        </p:nvCxnSpPr>
-        <p:spPr>
-          <a:xfrm>
-            <a:off x="2271119" y="6239641"/>
-            <a:ext cx="843349" cy="3537"/>
+            <a:off x="6898190" y="2738744"/>
+            <a:ext cx="564492" cy="1469781"/>
           </a:xfrm>
           <a:prstGeom prst="straightConnector1">
             <a:avLst/>
@@ -8096,448 +6857,16 @@
           </a:fontRef>
         </p:style>
       </p:cxnSp>
-      <p:sp>
-        <p:nvSpPr>
-          <p:cNvPr id="283" name="TextBox 282"/>
-          <p:cNvSpPr txBox="1"/>
-          <p:nvPr/>
-        </p:nvSpPr>
-        <p:spPr>
-          <a:xfrm>
-            <a:off x="3129064" y="8280612"/>
-            <a:ext cx="1004856" cy="430887"/>
-          </a:xfrm>
-          <a:prstGeom prst="rect">
-            <a:avLst/>
-          </a:prstGeom>
-          <a:noFill/>
-          <a:ln w="19050">
-            <a:solidFill>
-              <a:schemeClr val="tx1"/>
-            </a:solidFill>
-          </a:ln>
-        </p:spPr>
-        <p:txBody>
-          <a:bodyPr wrap="square" rtlCol="0">
-            <a:spAutoFit/>
-          </a:bodyPr>
-          <a:lstStyle/>
-          <a:p>
-            <a:pPr algn="ctr"/>
-            <a:r>
-              <a:rPr lang="en-GB" sz="1100" dirty="0" smtClean="0"/>
-              <a:t>Disease parameters</a:t>
-            </a:r>
-            <a:endParaRPr lang="en-GB" sz="1100" dirty="0"/>
-          </a:p>
-        </p:txBody>
-      </p:sp>
-      <p:sp>
-        <p:nvSpPr>
-          <p:cNvPr id="284" name="TextBox 283"/>
-          <p:cNvSpPr txBox="1"/>
-          <p:nvPr/>
-        </p:nvSpPr>
-        <p:spPr>
-          <a:xfrm>
-            <a:off x="5756180" y="4405409"/>
-            <a:ext cx="1208639" cy="596047"/>
-          </a:xfrm>
-          <a:prstGeom prst="rect">
-            <a:avLst/>
-          </a:prstGeom>
-          <a:solidFill>
-            <a:schemeClr val="bg1">
-              <a:lumMod val="85000"/>
-            </a:schemeClr>
-          </a:solidFill>
-          <a:ln w="19050">
-            <a:solidFill>
-              <a:schemeClr val="tx1"/>
-            </a:solidFill>
-          </a:ln>
-        </p:spPr>
-        <p:txBody>
-          <a:bodyPr wrap="square" rtlCol="0">
-            <a:spAutoFit/>
-          </a:bodyPr>
-          <a:lstStyle/>
-          <a:p>
-            <a:pPr algn="ctr"/>
-            <a:r>
-              <a:rPr lang="en-GB" sz="1100" dirty="0" smtClean="0"/>
-              <a:t>Road death rate by mode, age an sex groups</a:t>
-            </a:r>
-            <a:endParaRPr lang="en-GB" sz="1100" dirty="0"/>
-          </a:p>
-        </p:txBody>
-      </p:sp>
-      <p:sp>
-        <p:nvSpPr>
-          <p:cNvPr id="289" name="TextBox 288"/>
-          <p:cNvSpPr txBox="1"/>
-          <p:nvPr/>
-        </p:nvSpPr>
-        <p:spPr>
-          <a:xfrm>
-            <a:off x="5753258" y="5229724"/>
-            <a:ext cx="1219025" cy="600164"/>
-          </a:xfrm>
-          <a:prstGeom prst="rect">
-            <a:avLst/>
-          </a:prstGeom>
-          <a:solidFill>
-            <a:schemeClr val="bg1">
-              <a:lumMod val="85000"/>
-            </a:schemeClr>
-          </a:solidFill>
-          <a:ln w="19050">
-            <a:solidFill>
-              <a:schemeClr val="tx1"/>
-            </a:solidFill>
-          </a:ln>
-        </p:spPr>
-        <p:txBody>
-          <a:bodyPr wrap="square" rtlCol="0">
-            <a:spAutoFit/>
-          </a:bodyPr>
-          <a:lstStyle/>
-          <a:p>
-            <a:pPr algn="ctr"/>
-            <a:r>
-              <a:rPr lang="en-GB" sz="1100" dirty="0" smtClean="0"/>
-              <a:t>Road injuries rate by mode, age an sex groups</a:t>
-            </a:r>
-            <a:endParaRPr lang="en-GB" sz="1100" dirty="0"/>
-          </a:p>
-        </p:txBody>
-      </p:sp>
       <p:cxnSp>
         <p:nvCxnSpPr>
-          <p:cNvPr id="291" name="Straight Arrow Connector 290"/>
-          <p:cNvCxnSpPr>
-            <a:endCxn id="284" idx="1"/>
-          </p:cNvCxnSpPr>
+          <p:cNvPr id="439" name="Straight Arrow Connector 438"/>
+          <p:cNvCxnSpPr/>
           <p:nvPr/>
         </p:nvCxnSpPr>
         <p:spPr>
           <a:xfrm>
-            <a:off x="4236197" y="4684750"/>
-            <a:ext cx="1519983" cy="0"/>
-          </a:xfrm>
-          <a:prstGeom prst="straightConnector1">
-            <a:avLst/>
-          </a:prstGeom>
-          <a:ln w="28575">
-            <a:solidFill>
-              <a:schemeClr val="tx1"/>
-            </a:solidFill>
-            <a:prstDash val="sysDash"/>
-            <a:tailEnd type="triangle"/>
-          </a:ln>
-        </p:spPr>
-        <p:style>
-          <a:lnRef idx="1">
-            <a:schemeClr val="accent1"/>
-          </a:lnRef>
-          <a:fillRef idx="0">
-            <a:schemeClr val="accent1"/>
-          </a:fillRef>
-          <a:effectRef idx="0">
-            <a:schemeClr val="accent1"/>
-          </a:effectRef>
-          <a:fontRef idx="minor">
-            <a:schemeClr val="tx1"/>
-          </a:fontRef>
-        </p:style>
-      </p:cxnSp>
-      <p:cxnSp>
-        <p:nvCxnSpPr>
-          <p:cNvPr id="292" name="Straight Arrow Connector 291"/>
-          <p:cNvCxnSpPr>
-            <a:endCxn id="289" idx="1"/>
-          </p:cNvCxnSpPr>
-          <p:nvPr/>
-        </p:nvCxnSpPr>
-        <p:spPr>
-          <a:xfrm>
-            <a:off x="4178128" y="5497640"/>
-            <a:ext cx="1575130" cy="0"/>
-          </a:xfrm>
-          <a:prstGeom prst="straightConnector1">
-            <a:avLst/>
-          </a:prstGeom>
-          <a:ln w="28575">
-            <a:solidFill>
-              <a:schemeClr val="tx1"/>
-            </a:solidFill>
-            <a:prstDash val="sysDash"/>
-            <a:tailEnd type="triangle"/>
-          </a:ln>
-        </p:spPr>
-        <p:style>
-          <a:lnRef idx="1">
-            <a:schemeClr val="accent1"/>
-          </a:lnRef>
-          <a:fillRef idx="0">
-            <a:schemeClr val="accent1"/>
-          </a:fillRef>
-          <a:effectRef idx="0">
-            <a:schemeClr val="accent1"/>
-          </a:effectRef>
-          <a:fontRef idx="minor">
-            <a:schemeClr val="tx1"/>
-          </a:fontRef>
-        </p:style>
-      </p:cxnSp>
-      <p:cxnSp>
-        <p:nvCxnSpPr>
-          <p:cNvPr id="294" name="Straight Arrow Connector 293"/>
-          <p:cNvCxnSpPr>
-            <a:stCxn id="228" idx="3"/>
-            <a:endCxn id="284" idx="1"/>
-          </p:cNvCxnSpPr>
-          <p:nvPr/>
-        </p:nvCxnSpPr>
-        <p:spPr>
-          <a:xfrm flipV="1">
-            <a:off x="4134084" y="4703433"/>
-            <a:ext cx="1622096" cy="1561815"/>
-          </a:xfrm>
-          <a:prstGeom prst="straightConnector1">
-            <a:avLst/>
-          </a:prstGeom>
-          <a:ln w="28575">
-            <a:solidFill>
-              <a:schemeClr val="tx1"/>
-            </a:solidFill>
-            <a:prstDash val="sysDash"/>
-            <a:tailEnd type="triangle"/>
-          </a:ln>
-        </p:spPr>
-        <p:style>
-          <a:lnRef idx="1">
-            <a:schemeClr val="accent1"/>
-          </a:lnRef>
-          <a:fillRef idx="0">
-            <a:schemeClr val="accent1"/>
-          </a:fillRef>
-          <a:effectRef idx="0">
-            <a:schemeClr val="accent1"/>
-          </a:effectRef>
-          <a:fontRef idx="minor">
-            <a:schemeClr val="tx1"/>
-          </a:fontRef>
-        </p:style>
-      </p:cxnSp>
-      <p:cxnSp>
-        <p:nvCxnSpPr>
-          <p:cNvPr id="298" name="Straight Arrow Connector 297"/>
-          <p:cNvCxnSpPr>
-            <a:stCxn id="228" idx="3"/>
-            <a:endCxn id="289" idx="1"/>
-          </p:cNvCxnSpPr>
-          <p:nvPr/>
-        </p:nvCxnSpPr>
-        <p:spPr>
-          <a:xfrm flipV="1">
-            <a:off x="4134084" y="5529806"/>
-            <a:ext cx="1619174" cy="735442"/>
-          </a:xfrm>
-          <a:prstGeom prst="straightConnector1">
-            <a:avLst/>
-          </a:prstGeom>
-          <a:ln w="28575">
-            <a:solidFill>
-              <a:schemeClr val="tx1"/>
-            </a:solidFill>
-            <a:prstDash val="sysDash"/>
-            <a:tailEnd type="triangle"/>
-          </a:ln>
-        </p:spPr>
-        <p:style>
-          <a:lnRef idx="1">
-            <a:schemeClr val="accent1"/>
-          </a:lnRef>
-          <a:fillRef idx="0">
-            <a:schemeClr val="accent1"/>
-          </a:fillRef>
-          <a:effectRef idx="0">
-            <a:schemeClr val="accent1"/>
-          </a:effectRef>
-          <a:fontRef idx="minor">
-            <a:schemeClr val="tx1"/>
-          </a:fontRef>
-        </p:style>
-      </p:cxnSp>
-      <p:cxnSp>
-        <p:nvCxnSpPr>
-          <p:cNvPr id="304" name="Straight Arrow Connector 303"/>
-          <p:cNvCxnSpPr>
-            <a:stCxn id="249" idx="3"/>
-            <a:endCxn id="229" idx="1"/>
-          </p:cNvCxnSpPr>
-          <p:nvPr/>
-        </p:nvCxnSpPr>
-        <p:spPr>
-          <a:xfrm flipV="1">
-            <a:off x="2223491" y="7053439"/>
-            <a:ext cx="892027" cy="749570"/>
-          </a:xfrm>
-          <a:prstGeom prst="straightConnector1">
-            <a:avLst/>
-          </a:prstGeom>
-          <a:ln w="28575">
-            <a:solidFill>
-              <a:schemeClr val="tx1"/>
-            </a:solidFill>
-            <a:prstDash val="sysDash"/>
-            <a:tailEnd type="triangle"/>
-          </a:ln>
-        </p:spPr>
-        <p:style>
-          <a:lnRef idx="1">
-            <a:schemeClr val="accent1"/>
-          </a:lnRef>
-          <a:fillRef idx="0">
-            <a:schemeClr val="accent1"/>
-          </a:fillRef>
-          <a:effectRef idx="0">
-            <a:schemeClr val="accent1"/>
-          </a:effectRef>
-          <a:fontRef idx="minor">
-            <a:schemeClr val="tx1"/>
-          </a:fontRef>
-        </p:style>
-      </p:cxnSp>
-      <p:cxnSp>
-        <p:nvCxnSpPr>
-          <p:cNvPr id="305" name="Straight Arrow Connector 304"/>
-          <p:cNvCxnSpPr>
-            <a:endCxn id="309" idx="1"/>
-          </p:cNvCxnSpPr>
-          <p:nvPr/>
-        </p:nvCxnSpPr>
-        <p:spPr>
-          <a:xfrm>
-            <a:off x="2223491" y="7803009"/>
-            <a:ext cx="905573" cy="0"/>
-          </a:xfrm>
-          <a:prstGeom prst="straightConnector1">
-            <a:avLst/>
-          </a:prstGeom>
-          <a:ln w="28575">
-            <a:solidFill>
-              <a:schemeClr val="tx1"/>
-            </a:solidFill>
-            <a:prstDash val="sysDash"/>
-            <a:tailEnd type="triangle"/>
-          </a:ln>
-        </p:spPr>
-        <p:style>
-          <a:lnRef idx="1">
-            <a:schemeClr val="accent1"/>
-          </a:lnRef>
-          <a:fillRef idx="0">
-            <a:schemeClr val="accent1"/>
-          </a:fillRef>
-          <a:effectRef idx="0">
-            <a:schemeClr val="accent1"/>
-          </a:effectRef>
-          <a:fontRef idx="minor">
-            <a:schemeClr val="tx1"/>
-          </a:fontRef>
-        </p:style>
-      </p:cxnSp>
-      <p:cxnSp>
-        <p:nvCxnSpPr>
-          <p:cNvPr id="308" name="Straight Arrow Connector 307"/>
-          <p:cNvCxnSpPr>
-            <a:stCxn id="249" idx="3"/>
-            <a:endCxn id="283" idx="1"/>
-          </p:cNvCxnSpPr>
-          <p:nvPr/>
-        </p:nvCxnSpPr>
-        <p:spPr>
-          <a:xfrm>
-            <a:off x="2223491" y="7803009"/>
-            <a:ext cx="905573" cy="693047"/>
-          </a:xfrm>
-          <a:prstGeom prst="straightConnector1">
-            <a:avLst/>
-          </a:prstGeom>
-          <a:ln w="28575">
-            <a:solidFill>
-              <a:schemeClr val="tx1"/>
-            </a:solidFill>
-            <a:prstDash val="sysDash"/>
-            <a:tailEnd type="triangle"/>
-          </a:ln>
-        </p:spPr>
-        <p:style>
-          <a:lnRef idx="1">
-            <a:schemeClr val="accent1"/>
-          </a:lnRef>
-          <a:fillRef idx="0">
-            <a:schemeClr val="accent1"/>
-          </a:fillRef>
-          <a:effectRef idx="0">
-            <a:schemeClr val="accent1"/>
-          </a:effectRef>
-          <a:fontRef idx="minor">
-            <a:schemeClr val="tx1"/>
-          </a:fontRef>
-        </p:style>
-      </p:cxnSp>
-      <p:sp>
-        <p:nvSpPr>
-          <p:cNvPr id="309" name="TextBox 308"/>
-          <p:cNvSpPr txBox="1"/>
-          <p:nvPr/>
-        </p:nvSpPr>
-        <p:spPr>
-          <a:xfrm>
-            <a:off x="3129064" y="7541547"/>
-            <a:ext cx="1004856" cy="600164"/>
-          </a:xfrm>
-          <a:prstGeom prst="rect">
-            <a:avLst/>
-          </a:prstGeom>
-          <a:noFill/>
-          <a:ln w="19050">
-            <a:solidFill>
-              <a:schemeClr val="tx1"/>
-            </a:solidFill>
-          </a:ln>
-        </p:spPr>
-        <p:txBody>
-          <a:bodyPr wrap="square" rtlCol="0">
-            <a:spAutoFit/>
-          </a:bodyPr>
-          <a:lstStyle/>
-          <a:p>
-            <a:pPr algn="ctr"/>
-            <a:r>
-              <a:rPr lang="en-GB" sz="1100" dirty="0" smtClean="0"/>
-              <a:t>Population by age and sex groups</a:t>
-            </a:r>
-            <a:endParaRPr lang="en-GB" sz="1100" dirty="0"/>
-          </a:p>
-        </p:txBody>
-      </p:sp>
-      <p:cxnSp>
-        <p:nvCxnSpPr>
-          <p:cNvPr id="313" name="Straight Arrow Connector 312"/>
-          <p:cNvCxnSpPr>
-            <a:stCxn id="249" idx="3"/>
-            <a:endCxn id="268" idx="1"/>
-          </p:cNvCxnSpPr>
-          <p:nvPr/>
-        </p:nvCxnSpPr>
-        <p:spPr>
-          <a:xfrm>
-            <a:off x="2223491" y="7803009"/>
-            <a:ext cx="890977" cy="1329400"/>
+            <a:off x="6845218" y="3869323"/>
+            <a:ext cx="1555361" cy="309779"/>
           </a:xfrm>
           <a:prstGeom prst="straightConnector1">
             <a:avLst/>
@@ -8565,16 +6894,170 @@
           </a:fontRef>
         </p:style>
       </p:cxnSp>
+      <p:sp>
+        <p:nvSpPr>
+          <p:cNvPr id="243" name="TextBox 242"/>
+          <p:cNvSpPr txBox="1"/>
+          <p:nvPr/>
+        </p:nvSpPr>
+        <p:spPr>
+          <a:xfrm>
+            <a:off x="9666660" y="2516007"/>
+            <a:ext cx="1080000" cy="430887"/>
+          </a:xfrm>
+          <a:prstGeom prst="rect">
+            <a:avLst/>
+          </a:prstGeom>
+          <a:solidFill>
+            <a:schemeClr val="accent6">
+              <a:lumMod val="40000"/>
+              <a:lumOff val="60000"/>
+            </a:schemeClr>
+          </a:solidFill>
+          <a:ln w="19050">
+            <a:solidFill>
+              <a:schemeClr val="tx1"/>
+            </a:solidFill>
+          </a:ln>
+        </p:spPr>
+        <p:txBody>
+          <a:bodyPr wrap="square" rtlCol="0">
+            <a:spAutoFit/>
+          </a:bodyPr>
+          <a:lstStyle/>
+          <a:p>
+            <a:pPr algn="ctr"/>
+            <a:r>
+              <a:rPr lang="el-GR" sz="1100" dirty="0"/>
+              <a:t>Δ </a:t>
+            </a:r>
+            <a:r>
+              <a:rPr lang="en-GB" sz="1100" dirty="0" smtClean="0"/>
+              <a:t> </a:t>
+            </a:r>
+            <a:r>
+              <a:rPr lang="en-GB" sz="1100" dirty="0" smtClean="0"/>
+              <a:t>Total YLD rates</a:t>
+            </a:r>
+            <a:endParaRPr lang="en-GB" sz="1100" dirty="0"/>
+          </a:p>
+        </p:txBody>
+      </p:sp>
+      <p:sp>
+        <p:nvSpPr>
+          <p:cNvPr id="277" name="TextBox 276"/>
+          <p:cNvSpPr txBox="1"/>
+          <p:nvPr/>
+        </p:nvSpPr>
+        <p:spPr>
+          <a:xfrm>
+            <a:off x="9610223" y="3592323"/>
+            <a:ext cx="1080000" cy="276999"/>
+          </a:xfrm>
+          <a:prstGeom prst="rect">
+            <a:avLst/>
+          </a:prstGeom>
+          <a:solidFill>
+            <a:schemeClr val="accent6">
+              <a:lumMod val="40000"/>
+              <a:lumOff val="60000"/>
+            </a:schemeClr>
+          </a:solidFill>
+        </p:spPr>
+        <p:style>
+          <a:lnRef idx="2">
+            <a:schemeClr val="dk1"/>
+          </a:lnRef>
+          <a:fillRef idx="1">
+            <a:schemeClr val="lt1"/>
+          </a:fillRef>
+          <a:effectRef idx="0">
+            <a:schemeClr val="dk1"/>
+          </a:effectRef>
+          <a:fontRef idx="minor">
+            <a:schemeClr val="dk1"/>
+          </a:fontRef>
+        </p:style>
+        <p:txBody>
+          <a:bodyPr wrap="square" rtlCol="0">
+            <a:spAutoFit/>
+          </a:bodyPr>
+          <a:lstStyle/>
+          <a:p>
+            <a:r>
+              <a:rPr lang="el-GR" sz="1200" dirty="0"/>
+              <a:t>Δ </a:t>
+            </a:r>
+            <a:r>
+              <a:rPr lang="en-GB" sz="1200" dirty="0" smtClean="0"/>
+              <a:t> </a:t>
+            </a:r>
+            <a:r>
+              <a:rPr lang="en-GB" sz="1200" dirty="0" smtClean="0"/>
+              <a:t>Prevalence</a:t>
+            </a:r>
+            <a:endParaRPr lang="en-GB" sz="1200" dirty="0" smtClean="0"/>
+          </a:p>
+        </p:txBody>
+      </p:sp>
+      <p:sp>
+        <p:nvSpPr>
+          <p:cNvPr id="278" name="TextBox 277"/>
+          <p:cNvSpPr txBox="1"/>
+          <p:nvPr/>
+        </p:nvSpPr>
+        <p:spPr>
+          <a:xfrm>
+            <a:off x="10990202" y="3966069"/>
+            <a:ext cx="1080000" cy="461663"/>
+          </a:xfrm>
+          <a:prstGeom prst="rect">
+            <a:avLst/>
+          </a:prstGeom>
+          <a:solidFill>
+            <a:schemeClr val="bg1"/>
+          </a:solidFill>
+        </p:spPr>
+        <p:style>
+          <a:lnRef idx="2">
+            <a:schemeClr val="dk1"/>
+          </a:lnRef>
+          <a:fillRef idx="1">
+            <a:schemeClr val="lt1"/>
+          </a:fillRef>
+          <a:effectRef idx="0">
+            <a:schemeClr val="dk1"/>
+          </a:effectRef>
+          <a:fontRef idx="minor">
+            <a:schemeClr val="dk1"/>
+          </a:fontRef>
+        </p:style>
+        <p:txBody>
+          <a:bodyPr wrap="square" rtlCol="0">
+            <a:spAutoFit/>
+          </a:bodyPr>
+          <a:lstStyle/>
+          <a:p>
+            <a:r>
+              <a:rPr lang="en-GB" sz="1200" dirty="0" smtClean="0"/>
+              <a:t>Prevalence baseline</a:t>
+            </a:r>
+            <a:endParaRPr lang="en-GB" sz="1200" dirty="0" smtClean="0"/>
+          </a:p>
+        </p:txBody>
+      </p:sp>
       <p:cxnSp>
         <p:nvCxnSpPr>
-          <p:cNvPr id="322" name="Straight Arrow Connector 321"/>
-          <p:cNvCxnSpPr/>
+          <p:cNvPr id="279" name="Straight Arrow Connector 278"/>
+          <p:cNvCxnSpPr>
+            <a:endCxn id="243" idx="2"/>
+          </p:cNvCxnSpPr>
           <p:nvPr/>
         </p:nvCxnSpPr>
         <p:spPr>
-          <a:xfrm>
-            <a:off x="4148844" y="6297012"/>
-            <a:ext cx="3172661" cy="2969"/>
+          <a:xfrm flipV="1">
+            <a:off x="10206660" y="2946894"/>
+            <a:ext cx="0" cy="645427"/>
           </a:xfrm>
           <a:prstGeom prst="straightConnector1">
             <a:avLst/>
@@ -8602,69 +7085,16 @@
           </a:fontRef>
         </p:style>
       </p:cxnSp>
-      <p:sp>
-        <p:nvSpPr>
-          <p:cNvPr id="327" name="TextBox 326"/>
-          <p:cNvSpPr txBox="1"/>
-          <p:nvPr/>
-        </p:nvSpPr>
-        <p:spPr>
-          <a:xfrm>
-            <a:off x="4344808" y="8279974"/>
-            <a:ext cx="1113184" cy="430887"/>
-          </a:xfrm>
-          <a:prstGeom prst="rect">
-            <a:avLst/>
-          </a:prstGeom>
-          <a:noFill/>
-          <a:ln w="19050">
-            <a:solidFill>
-              <a:schemeClr val="tx1"/>
-            </a:solidFill>
-          </a:ln>
-        </p:spPr>
-        <p:txBody>
-          <a:bodyPr wrap="square" rtlCol="0">
-            <a:spAutoFit/>
-          </a:bodyPr>
-          <a:lstStyle/>
-          <a:p>
-            <a:pPr algn="ctr"/>
-            <a:r>
-              <a:rPr lang="en-GB" sz="1100" b="1" dirty="0" err="1" smtClean="0"/>
-              <a:t>Dismod</a:t>
-            </a:r>
-            <a:r>
-              <a:rPr lang="en-GB" sz="1100" b="1" dirty="0" smtClean="0"/>
-              <a:t> II </a:t>
-            </a:r>
-          </a:p>
-          <a:p>
-            <a:pPr algn="ctr"/>
-            <a:r>
-              <a:rPr lang="en-GB" sz="1100" dirty="0"/>
-              <a:t>D</a:t>
-            </a:r>
-            <a:r>
-              <a:rPr lang="en-GB" sz="1100" dirty="0" smtClean="0"/>
-              <a:t>ata set </a:t>
-            </a:r>
-          </a:p>
-        </p:txBody>
-      </p:sp>
       <p:cxnSp>
         <p:nvCxnSpPr>
-          <p:cNvPr id="328" name="Straight Arrow Connector 327"/>
-          <p:cNvCxnSpPr>
-            <a:stCxn id="229" idx="3"/>
-            <a:endCxn id="251" idx="1"/>
-          </p:cNvCxnSpPr>
+          <p:cNvPr id="288" name="Straight Arrow Connector 287"/>
+          <p:cNvCxnSpPr/>
           <p:nvPr/>
         </p:nvCxnSpPr>
         <p:spPr>
-          <a:xfrm>
-            <a:off x="4147794" y="7053439"/>
-            <a:ext cx="231265" cy="423930"/>
+          <a:xfrm flipH="1" flipV="1">
+            <a:off x="11634934" y="2946894"/>
+            <a:ext cx="0" cy="645427"/>
           </a:xfrm>
           <a:prstGeom prst="straightConnector1">
             <a:avLst/>
@@ -8673,7 +7103,7 @@
             <a:solidFill>
               <a:schemeClr val="tx1"/>
             </a:solidFill>
-            <a:prstDash val="sysDash"/>
+            <a:prstDash val="solid"/>
             <a:tailEnd type="triangle"/>
           </a:ln>
         </p:spPr>
@@ -8694,17 +7124,14 @@
       </p:cxnSp>
       <p:cxnSp>
         <p:nvCxnSpPr>
-          <p:cNvPr id="334" name="Straight Arrow Connector 333"/>
-          <p:cNvCxnSpPr>
-            <a:stCxn id="309" idx="3"/>
-            <a:endCxn id="251" idx="1"/>
-          </p:cNvCxnSpPr>
+          <p:cNvPr id="326" name="Straight Arrow Connector 325"/>
+          <p:cNvCxnSpPr/>
           <p:nvPr/>
         </p:nvCxnSpPr>
         <p:spPr>
-          <a:xfrm flipV="1">
-            <a:off x="4133920" y="7477369"/>
-            <a:ext cx="245139" cy="364260"/>
+          <a:xfrm flipH="1" flipV="1">
+            <a:off x="11653039" y="1992254"/>
+            <a:ext cx="0" cy="523753"/>
           </a:xfrm>
           <a:prstGeom prst="straightConnector1">
             <a:avLst/>
@@ -8713,7 +7140,7 @@
             <a:solidFill>
               <a:schemeClr val="tx1"/>
             </a:solidFill>
-            <a:prstDash val="sysDash"/>
+            <a:prstDash val="solid"/>
             <a:tailEnd type="triangle"/>
           </a:ln>
         </p:spPr>
@@ -8734,17 +7161,14 @@
       </p:cxnSp>
       <p:cxnSp>
         <p:nvCxnSpPr>
-          <p:cNvPr id="337" name="Straight Arrow Connector 336"/>
-          <p:cNvCxnSpPr>
-            <a:stCxn id="283" idx="3"/>
-            <a:endCxn id="327" idx="1"/>
-          </p:cNvCxnSpPr>
+          <p:cNvPr id="330" name="Straight Arrow Connector 329"/>
+          <p:cNvCxnSpPr/>
           <p:nvPr/>
         </p:nvCxnSpPr>
         <p:spPr>
-          <a:xfrm flipV="1">
-            <a:off x="4133920" y="8495418"/>
-            <a:ext cx="210888" cy="638"/>
+          <a:xfrm flipH="1" flipV="1">
+            <a:off x="10211396" y="1989711"/>
+            <a:ext cx="0" cy="523753"/>
           </a:xfrm>
           <a:prstGeom prst="straightConnector1">
             <a:avLst/>
@@ -8753,248 +7177,7 @@
             <a:solidFill>
               <a:schemeClr val="tx1"/>
             </a:solidFill>
-            <a:prstDash val="sysDash"/>
-            <a:tailEnd type="triangle"/>
-          </a:ln>
-        </p:spPr>
-        <p:style>
-          <a:lnRef idx="1">
-            <a:schemeClr val="accent1"/>
-          </a:lnRef>
-          <a:fillRef idx="0">
-            <a:schemeClr val="accent1"/>
-          </a:fillRef>
-          <a:effectRef idx="0">
-            <a:schemeClr val="accent1"/>
-          </a:effectRef>
-          <a:fontRef idx="minor">
-            <a:schemeClr val="tx1"/>
-          </a:fontRef>
-        </p:style>
-      </p:cxnSp>
-      <p:sp>
-        <p:nvSpPr>
-          <p:cNvPr id="344" name="TextBox 343"/>
-          <p:cNvSpPr txBox="1"/>
-          <p:nvPr/>
-        </p:nvSpPr>
-        <p:spPr>
-          <a:xfrm>
-            <a:off x="5806207" y="8275718"/>
-            <a:ext cx="1149812" cy="430887"/>
-          </a:xfrm>
-          <a:prstGeom prst="rect">
-            <a:avLst/>
-          </a:prstGeom>
-          <a:solidFill>
-            <a:schemeClr val="bg1">
-              <a:lumMod val="85000"/>
-            </a:schemeClr>
-          </a:solidFill>
-          <a:ln w="19050">
-            <a:solidFill>
-              <a:schemeClr val="tx1"/>
-            </a:solidFill>
-            <a:prstDash val="sysDash"/>
-          </a:ln>
-        </p:spPr>
-        <p:txBody>
-          <a:bodyPr wrap="square" rtlCol="0">
-            <a:spAutoFit/>
-          </a:bodyPr>
-          <a:lstStyle/>
-          <a:p>
-            <a:pPr algn="ctr"/>
-            <a:r>
-              <a:rPr lang="en-GB" sz="1100" dirty="0" smtClean="0"/>
-              <a:t>Disease specific incidence</a:t>
-            </a:r>
-            <a:endParaRPr lang="en-GB" sz="1100" dirty="0"/>
-          </a:p>
-        </p:txBody>
-      </p:sp>
-      <p:cxnSp>
-        <p:nvCxnSpPr>
-          <p:cNvPr id="349" name="Straight Arrow Connector 348"/>
-          <p:cNvCxnSpPr>
-            <a:endCxn id="220" idx="2"/>
-          </p:cNvCxnSpPr>
-          <p:nvPr/>
-        </p:nvCxnSpPr>
-        <p:spPr>
-          <a:xfrm flipV="1">
-            <a:off x="5910409" y="7704751"/>
-            <a:ext cx="461417" cy="235372"/>
-          </a:xfrm>
-          <a:prstGeom prst="straightConnector1">
-            <a:avLst/>
-          </a:prstGeom>
-          <a:ln w="28575">
-            <a:solidFill>
-              <a:schemeClr val="tx1"/>
-            </a:solidFill>
-            <a:prstDash val="sysDash"/>
-            <a:tailEnd type="triangle"/>
-          </a:ln>
-        </p:spPr>
-        <p:style>
-          <a:lnRef idx="1">
-            <a:schemeClr val="accent1"/>
-          </a:lnRef>
-          <a:fillRef idx="0">
-            <a:schemeClr val="accent1"/>
-          </a:fillRef>
-          <a:effectRef idx="0">
-            <a:schemeClr val="accent1"/>
-          </a:effectRef>
-          <a:fontRef idx="minor">
-            <a:schemeClr val="tx1"/>
-          </a:fontRef>
-        </p:style>
-      </p:cxnSp>
-      <p:sp>
-        <p:nvSpPr>
-          <p:cNvPr id="350" name="TextBox 349"/>
-          <p:cNvSpPr txBox="1"/>
-          <p:nvPr/>
-        </p:nvSpPr>
-        <p:spPr>
-          <a:xfrm>
-            <a:off x="4713039" y="7776919"/>
-            <a:ext cx="1201586" cy="430887"/>
-          </a:xfrm>
-          <a:prstGeom prst="rect">
-            <a:avLst/>
-          </a:prstGeom>
-          <a:noFill/>
-          <a:ln w="19050">
-            <a:solidFill>
-              <a:schemeClr val="tx1"/>
-            </a:solidFill>
-          </a:ln>
-        </p:spPr>
-        <p:txBody>
-          <a:bodyPr wrap="square" rtlCol="0">
-            <a:spAutoFit/>
-          </a:bodyPr>
-          <a:lstStyle/>
-          <a:p>
-            <a:pPr algn="ctr"/>
-            <a:r>
-              <a:rPr lang="en-GB" sz="1100" b="1" dirty="0" err="1" smtClean="0"/>
-              <a:t>Dismod</a:t>
-            </a:r>
-            <a:r>
-              <a:rPr lang="en-GB" sz="1100" b="1" dirty="0" smtClean="0"/>
-              <a:t> </a:t>
-            </a:r>
-            <a:r>
-              <a:rPr lang="en-GB" sz="1100" b="1" dirty="0"/>
-              <a:t>II </a:t>
-            </a:r>
-            <a:r>
-              <a:rPr lang="en-GB" sz="1100" dirty="0" smtClean="0"/>
-              <a:t>Processing</a:t>
-            </a:r>
-            <a:endParaRPr lang="en-GB" sz="1100" dirty="0" smtClean="0"/>
-          </a:p>
-        </p:txBody>
-      </p:sp>
-      <p:cxnSp>
-        <p:nvCxnSpPr>
-          <p:cNvPr id="352" name="Straight Arrow Connector 351"/>
-          <p:cNvCxnSpPr>
-            <a:endCxn id="344" idx="0"/>
-          </p:cNvCxnSpPr>
-          <p:nvPr/>
-        </p:nvCxnSpPr>
-        <p:spPr>
-          <a:xfrm>
-            <a:off x="5917226" y="7981152"/>
-            <a:ext cx="463887" cy="294566"/>
-          </a:xfrm>
-          <a:prstGeom prst="straightConnector1">
-            <a:avLst/>
-          </a:prstGeom>
-          <a:ln w="28575">
-            <a:solidFill>
-              <a:schemeClr val="tx1"/>
-            </a:solidFill>
-            <a:prstDash val="sysDash"/>
-            <a:tailEnd type="triangle"/>
-          </a:ln>
-        </p:spPr>
-        <p:style>
-          <a:lnRef idx="1">
-            <a:schemeClr val="accent1"/>
-          </a:lnRef>
-          <a:fillRef idx="0">
-            <a:schemeClr val="accent1"/>
-          </a:fillRef>
-          <a:effectRef idx="0">
-            <a:schemeClr val="accent1"/>
-          </a:effectRef>
-          <a:fontRef idx="minor">
-            <a:schemeClr val="tx1"/>
-          </a:fontRef>
-        </p:style>
-      </p:cxnSp>
-      <p:cxnSp>
-        <p:nvCxnSpPr>
-          <p:cNvPr id="359" name="Straight Arrow Connector 358"/>
-          <p:cNvCxnSpPr/>
-          <p:nvPr/>
-        </p:nvCxnSpPr>
-        <p:spPr>
-          <a:xfrm>
-            <a:off x="4444648" y="7704751"/>
-            <a:ext cx="245139" cy="287611"/>
-          </a:xfrm>
-          <a:prstGeom prst="straightConnector1">
-            <a:avLst/>
-          </a:prstGeom>
-          <a:ln w="28575">
-            <a:solidFill>
-              <a:schemeClr val="tx1"/>
-            </a:solidFill>
-            <a:prstDash val="sysDash"/>
-            <a:tailEnd type="triangle"/>
-          </a:ln>
-        </p:spPr>
-        <p:style>
-          <a:lnRef idx="1">
-            <a:schemeClr val="accent1"/>
-          </a:lnRef>
-          <a:fillRef idx="0">
-            <a:schemeClr val="accent1"/>
-          </a:fillRef>
-          <a:effectRef idx="0">
-            <a:schemeClr val="accent1"/>
-          </a:effectRef>
-          <a:fontRef idx="minor">
-            <a:schemeClr val="tx1"/>
-          </a:fontRef>
-        </p:style>
-      </p:cxnSp>
-      <p:cxnSp>
-        <p:nvCxnSpPr>
-          <p:cNvPr id="362" name="Straight Arrow Connector 361"/>
-          <p:cNvCxnSpPr/>
-          <p:nvPr/>
-        </p:nvCxnSpPr>
-        <p:spPr>
-          <a:xfrm flipV="1">
-            <a:off x="4416906" y="8056368"/>
-            <a:ext cx="267572" cy="219350"/>
-          </a:xfrm>
-          <a:prstGeom prst="straightConnector1">
-            <a:avLst/>
-          </a:prstGeom>
-          <a:ln w="28575">
-            <a:solidFill>
-              <a:schemeClr val="tx1"/>
-            </a:solidFill>
-            <a:prstDash val="sysDash"/>
+            <a:prstDash val="solid"/>
             <a:tailEnd type="triangle"/>
           </a:ln>
         </p:spPr>
@@ -9016,243 +7199,7 @@
     </p:spTree>
     <p:extLst>
       <p:ext uri="{BB962C8B-B14F-4D97-AF65-F5344CB8AC3E}">
-        <p14:creationId xmlns:p14="http://schemas.microsoft.com/office/powerpoint/2010/main" val="386629394"/>
-      </p:ext>
-    </p:extLst>
-  </p:cSld>
-  <p:clrMapOvr>
-    <a:masterClrMapping/>
-  </p:clrMapOvr>
-</p:sld>
-</file>
-
-<file path=ppt/slides/slide4.xml><?xml version="1.0" encoding="utf-8"?>
-<p:sld xmlns:a="http://schemas.openxmlformats.org/drawingml/2006/main" xmlns:r="http://schemas.openxmlformats.org/officeDocument/2006/relationships" xmlns:p="http://schemas.openxmlformats.org/presentationml/2006/main">
-  <p:cSld>
-    <p:spTree>
-      <p:nvGrpSpPr>
-        <p:cNvPr id="1" name=""/>
-        <p:cNvGrpSpPr/>
-        <p:nvPr/>
-      </p:nvGrpSpPr>
-      <p:grpSpPr>
-        <a:xfrm>
-          <a:off x="0" y="0"/>
-          <a:ext cx="0" cy="0"/>
-          <a:chOff x="0" y="0"/>
-          <a:chExt cx="0" cy="0"/>
-        </a:xfrm>
-      </p:grpSpPr>
-      <p:sp>
-        <p:nvSpPr>
-          <p:cNvPr id="3" name="TextBox 2"/>
-          <p:cNvSpPr txBox="1"/>
-          <p:nvPr/>
-        </p:nvSpPr>
-        <p:spPr>
-          <a:xfrm>
-            <a:off x="312463" y="695193"/>
-            <a:ext cx="12320695" cy="3970318"/>
-          </a:xfrm>
-          <a:prstGeom prst="rect">
-            <a:avLst/>
-          </a:prstGeom>
-          <a:noFill/>
-        </p:spPr>
-        <p:txBody>
-          <a:bodyPr wrap="square" rtlCol="0">
-            <a:spAutoFit/>
-          </a:bodyPr>
-          <a:lstStyle/>
-          <a:p>
-            <a:pPr marL="342900" indent="-342900">
-              <a:buAutoNum type="arabicPeriod"/>
-            </a:pPr>
-            <a:r>
-              <a:rPr lang="en-GB" dirty="0" smtClean="0"/>
-              <a:t>Calculated by summarizing non-transport related </a:t>
-            </a:r>
-            <a:r>
-              <a:rPr lang="en-GB" dirty="0" err="1" smtClean="0"/>
-              <a:t>mMEThs</a:t>
-            </a:r>
-            <a:r>
-              <a:rPr lang="en-GB" dirty="0" smtClean="0"/>
-              <a:t>/week with transport related </a:t>
-            </a:r>
-            <a:r>
-              <a:rPr lang="en-GB" dirty="0" err="1" smtClean="0"/>
-              <a:t>mMEThs</a:t>
-            </a:r>
-            <a:r>
-              <a:rPr lang="en-GB" dirty="0" smtClean="0"/>
-              <a:t>/week.</a:t>
-            </a:r>
-          </a:p>
-          <a:p>
-            <a:pPr marL="342900" indent="-342900">
-              <a:buAutoNum type="arabicPeriod"/>
-            </a:pPr>
-            <a:r>
-              <a:rPr lang="en-GB" dirty="0" smtClean="0"/>
-              <a:t>Calculated in individual levels using the disease specific and all-cause mortality RRs from the new meta-analysis study. </a:t>
-            </a:r>
-            <a:r>
-              <a:rPr lang="en-GB" u="sng" dirty="0" smtClean="0"/>
-              <a:t>Open questions: Dementia and depression</a:t>
-            </a:r>
-            <a:r>
-              <a:rPr lang="en-GB" dirty="0" smtClean="0"/>
-              <a:t>? </a:t>
-            </a:r>
-          </a:p>
-          <a:p>
-            <a:pPr marL="342900" indent="-342900">
-              <a:buAutoNum type="arabicPeriod"/>
-            </a:pPr>
-            <a:r>
-              <a:rPr lang="en-GB" dirty="0" smtClean="0"/>
-              <a:t>Population attributable fraction (PAF)/population incidence fraction (PIF) calculated for defined population groups by taking average of RRs of individuals in each group. </a:t>
-            </a:r>
-            <a:r>
-              <a:rPr lang="en-GB" u="sng" dirty="0" smtClean="0"/>
-              <a:t>Open question: Population groups</a:t>
-            </a:r>
-            <a:r>
-              <a:rPr lang="en-GB" dirty="0" smtClean="0"/>
-              <a:t>.</a:t>
-            </a:r>
-          </a:p>
-          <a:p>
-            <a:pPr marL="342900" indent="-342900">
-              <a:buAutoNum type="arabicPeriod"/>
-            </a:pPr>
-            <a:r>
-              <a:rPr lang="en-GB" dirty="0" smtClean="0"/>
-              <a:t>Individual levels exposure to PM2.5 by taking into account background (home address) PM2.5 concentration, and the increase in exposure concentration  while in traffic (all modes) and ventilation rates (walking, cycling). </a:t>
-            </a:r>
-            <a:r>
-              <a:rPr lang="en-GB" u="sng" dirty="0" smtClean="0"/>
-              <a:t>Also, could take into account time doing non-transport related physical activity (ventilation rates)</a:t>
-            </a:r>
-            <a:r>
-              <a:rPr lang="en-GB" dirty="0" smtClean="0"/>
-              <a:t>. Need to link </a:t>
-            </a:r>
-            <a:r>
-              <a:rPr lang="en-GB" dirty="0" err="1" smtClean="0"/>
-              <a:t>mMETs</a:t>
-            </a:r>
-            <a:r>
-              <a:rPr lang="en-GB" dirty="0" smtClean="0"/>
-              <a:t> with the inhalation rate.</a:t>
-            </a:r>
-          </a:p>
-          <a:p>
-            <a:pPr marL="342900" indent="-342900">
-              <a:buAutoNum type="arabicPeriod"/>
-            </a:pPr>
-            <a:r>
-              <a:rPr lang="en-GB" dirty="0" smtClean="0"/>
-              <a:t>RRs for each individual based on Global Burden of Disease Integrated Exposure Function (IEF). Parameters available in Cohen et al. 2017 paper.  </a:t>
-            </a:r>
-            <a:r>
-              <a:rPr lang="en-GB" u="sng" dirty="0" smtClean="0"/>
-              <a:t>Source of all-cause mortality RR uncertain</a:t>
-            </a:r>
-            <a:r>
-              <a:rPr lang="en-GB" dirty="0" smtClean="0"/>
-              <a:t>.</a:t>
-            </a:r>
-          </a:p>
-          <a:p>
-            <a:pPr marL="342900" indent="-342900">
-              <a:buAutoNum type="arabicPeriod"/>
-            </a:pPr>
-            <a:endParaRPr lang="en-GB" dirty="0"/>
-          </a:p>
-          <a:p>
-            <a:pPr marL="342900" indent="-342900">
-              <a:buAutoNum type="arabicPeriod"/>
-            </a:pPr>
-            <a:endParaRPr lang="en-GB" dirty="0" smtClean="0"/>
-          </a:p>
-          <a:p>
-            <a:pPr marL="342900" indent="-342900">
-              <a:buAutoNum type="arabicPeriod"/>
-            </a:pPr>
-            <a:endParaRPr lang="en-GB" dirty="0"/>
-          </a:p>
-          <a:p>
-            <a:pPr marL="342900" indent="-342900">
-              <a:buAutoNum type="arabicPeriod"/>
-            </a:pPr>
-            <a:r>
-              <a:rPr lang="en-GB" dirty="0" smtClean="0"/>
-              <a:t>N.A.</a:t>
-            </a:r>
-            <a:endParaRPr lang="en-GB" dirty="0"/>
-          </a:p>
-        </p:txBody>
-      </p:sp>
-      <p:pic>
-        <p:nvPicPr>
-          <p:cNvPr id="8" name="Picture 7"/>
-          <p:cNvPicPr>
-            <a:picLocks noChangeAspect="1"/>
-          </p:cNvPicPr>
-          <p:nvPr/>
-        </p:nvPicPr>
-        <p:blipFill>
-          <a:blip r:embed="rId2"/>
-          <a:stretch>
-            <a:fillRect/>
-          </a:stretch>
-        </p:blipFill>
-        <p:spPr>
-          <a:xfrm>
-            <a:off x="768431" y="3557515"/>
-            <a:ext cx="3387049" cy="653538"/>
-          </a:xfrm>
-          <a:prstGeom prst="rect">
-            <a:avLst/>
-          </a:prstGeom>
-        </p:spPr>
-      </p:pic>
-      <p:sp>
-        <p:nvSpPr>
-          <p:cNvPr id="9" name="TextBox 8"/>
-          <p:cNvSpPr txBox="1"/>
-          <p:nvPr/>
-        </p:nvSpPr>
-        <p:spPr>
-          <a:xfrm>
-            <a:off x="3862137" y="3699618"/>
-            <a:ext cx="1828129" cy="369332"/>
-          </a:xfrm>
-          <a:prstGeom prst="rect">
-            <a:avLst/>
-          </a:prstGeom>
-          <a:noFill/>
-        </p:spPr>
-        <p:txBody>
-          <a:bodyPr wrap="none" rtlCol="0">
-            <a:spAutoFit/>
-          </a:bodyPr>
-          <a:lstStyle/>
-          <a:p>
-            <a:r>
-              <a:rPr lang="en-GB" dirty="0" smtClean="0"/>
-              <a:t>Cohen et al. 2017</a:t>
-            </a:r>
-            <a:endParaRPr lang="en-GB" dirty="0"/>
-          </a:p>
-        </p:txBody>
-      </p:sp>
-    </p:spTree>
-    <p:extLst>
-      <p:ext uri="{BB962C8B-B14F-4D97-AF65-F5344CB8AC3E}">
-        <p14:creationId xmlns:p14="http://schemas.microsoft.com/office/powerpoint/2010/main" val="419626444"/>
+        <p14:creationId xmlns:p14="http://schemas.microsoft.com/office/powerpoint/2010/main" val="1704265975"/>
       </p:ext>
     </p:extLst>
   </p:cSld>

--- a/MSLT/structure/Figure 3.pptx
+++ b/MSLT/structure/Figure 3.pptx
@@ -3780,11 +3780,7 @@
               <a:pPr algn="ctr"/>
               <a:r>
                 <a:rPr lang="en-GB" sz="1100" dirty="0" smtClean="0"/>
-                <a:t>Road </a:t>
-              </a:r>
-              <a:r>
-                <a:rPr lang="en-GB" sz="1100" dirty="0" smtClean="0"/>
-                <a:t>death-per victim mode</a:t>
+                <a:t>Road death-per victim mode</a:t>
               </a:r>
               <a:endParaRPr lang="en-GB" sz="1100" dirty="0"/>
             </a:p>
@@ -3866,11 +3862,7 @@
               <a:pPr algn="ctr"/>
               <a:r>
                 <a:rPr lang="en-GB" sz="1100" dirty="0" smtClean="0"/>
-                <a:t>Road </a:t>
-              </a:r>
-              <a:r>
-                <a:rPr lang="en-GB" sz="1100" dirty="0" smtClean="0"/>
-                <a:t>injuries-per victim mode</a:t>
+                <a:t>Road injuries-per victim mode</a:t>
               </a:r>
               <a:endParaRPr lang="en-GB" sz="1100" dirty="0"/>
             </a:p>
@@ -3955,19 +3947,7 @@
               </a:r>
               <a:r>
                 <a:rPr lang="en-GB" sz="1100" dirty="0" smtClean="0"/>
-                <a:t> </a:t>
-              </a:r>
-              <a:r>
-                <a:rPr lang="en-GB" sz="1100" dirty="0" smtClean="0"/>
-                <a:t>Road </a:t>
-              </a:r>
-              <a:r>
-                <a:rPr lang="en-GB" sz="1100" dirty="0" smtClean="0"/>
-                <a:t>death </a:t>
-              </a:r>
-              <a:r>
-                <a:rPr lang="en-GB" sz="1100" dirty="0" smtClean="0"/>
-                <a:t>rate-per victim mode</a:t>
+                <a:t> Road death rate-per victim mode</a:t>
               </a:r>
               <a:endParaRPr lang="en-GB" sz="1100" dirty="0"/>
             </a:p>
@@ -4012,19 +3992,7 @@
               </a:r>
               <a:r>
                 <a:rPr lang="en-GB" sz="1100" dirty="0" smtClean="0"/>
-                <a:t> </a:t>
-              </a:r>
-              <a:r>
-                <a:rPr lang="en-GB" sz="1100" dirty="0" smtClean="0"/>
-                <a:t>Road </a:t>
-              </a:r>
-              <a:r>
-                <a:rPr lang="en-GB" sz="1100" dirty="0" smtClean="0"/>
-                <a:t>injuries </a:t>
-              </a:r>
-              <a:r>
-                <a:rPr lang="en-GB" sz="1100" dirty="0" smtClean="0"/>
-                <a:t>rate-per victim mode</a:t>
+                <a:t> Road injuries rate-per victim mode</a:t>
               </a:r>
               <a:endParaRPr lang="en-GB" sz="1100" dirty="0"/>
             </a:p>
@@ -4362,11 +4330,7 @@
               <a:pPr algn="ctr"/>
               <a:r>
                 <a:rPr lang="en-GB" sz="1100" dirty="0" smtClean="0"/>
-                <a:t>All-cause mortality </a:t>
-              </a:r>
-              <a:r>
-                <a:rPr lang="en-GB" sz="1100" dirty="0" smtClean="0"/>
-                <a:t>rates</a:t>
+                <a:t>All-cause mortality rates</a:t>
               </a:r>
               <a:endParaRPr lang="en-GB" sz="1100" dirty="0"/>
             </a:p>
@@ -4443,11 +4407,7 @@
               <a:pPr algn="ctr"/>
               <a:r>
                 <a:rPr lang="en-GB" sz="1100" b="1" dirty="0" smtClean="0"/>
-                <a:t>Dismod</a:t>
-              </a:r>
-              <a:r>
-                <a:rPr lang="en-GB" sz="1100" b="1" dirty="0" smtClean="0"/>
-                <a:t> </a:t>
+                <a:t>Dismod </a:t>
               </a:r>
               <a:r>
                 <a:rPr lang="en-GB" sz="1100" b="1" dirty="0"/>
@@ -4499,11 +4459,7 @@
               <a:pPr algn="ctr"/>
               <a:r>
                 <a:rPr lang="en-GB" sz="1100" dirty="0" smtClean="0"/>
-                <a:t>Total  </a:t>
-              </a:r>
-              <a:r>
-                <a:rPr lang="en-GB" sz="1100" dirty="0" smtClean="0"/>
-                <a:t>YLD rates</a:t>
+                <a:t>Total  YLD rates</a:t>
               </a:r>
               <a:endParaRPr lang="en-GB" sz="1100" dirty="0"/>
             </a:p>
@@ -4781,11 +4737,7 @@
               <a:pPr algn="ctr"/>
               <a:r>
                 <a:rPr lang="en-GB" sz="1100" b="1" dirty="0" smtClean="0"/>
-                <a:t>Dismod</a:t>
-              </a:r>
-              <a:r>
-                <a:rPr lang="en-GB" sz="1100" b="1" dirty="0" smtClean="0"/>
-                <a:t> II </a:t>
+                <a:t>Dismod II </a:t>
               </a:r>
             </a:p>
             <a:p>
@@ -5027,11 +4979,7 @@
               <a:pPr algn="ctr"/>
               <a:r>
                 <a:rPr lang="en-GB" sz="1100" b="1" dirty="0" smtClean="0"/>
-                <a:t>Dismod</a:t>
-              </a:r>
-              <a:r>
-                <a:rPr lang="en-GB" sz="1100" b="1" dirty="0" smtClean="0"/>
-                <a:t> </a:t>
+                <a:t>Dismod </a:t>
               </a:r>
               <a:r>
                 <a:rPr lang="en-GB" sz="1100" b="1" dirty="0"/>
@@ -5230,11 +5178,7 @@
             <a:pPr algn="ctr"/>
             <a:r>
               <a:rPr lang="en-GB" sz="1400" b="1" dirty="0" smtClean="0"/>
-              <a:t>PMSLT </a:t>
-            </a:r>
-            <a:r>
-              <a:rPr lang="en-GB" sz="1400" b="1" dirty="0" smtClean="0"/>
-              <a:t>mechanisms</a:t>
+              <a:t>PMSLT mechanisms</a:t>
             </a:r>
             <a:endParaRPr lang="en-GB" sz="1400" b="1" dirty="0"/>
           </a:p>
@@ -5251,7 +5195,7 @@
         </p:nvCxnSpPr>
         <p:spPr>
           <a:xfrm>
-            <a:off x="3004276" y="5424464"/>
+            <a:off x="3028635" y="5448785"/>
             <a:ext cx="0" cy="0"/>
           </a:xfrm>
           <a:prstGeom prst="line">
@@ -5282,9 +5226,9 @@
         <p:grpSpPr>
           <a:xfrm>
             <a:off x="3004276" y="4235730"/>
-            <a:ext cx="2360969" cy="1319121"/>
+            <a:ext cx="2360969" cy="1343442"/>
             <a:chOff x="7588166" y="6595765"/>
-            <a:chExt cx="968263" cy="1969802"/>
+            <a:chExt cx="968263" cy="2006120"/>
           </a:xfrm>
         </p:grpSpPr>
         <p:sp>
@@ -5325,15 +5269,7 @@
               </a:pPr>
               <a:r>
                 <a:rPr lang="en-GB" sz="1100" dirty="0" smtClean="0"/>
-                <a:t>PA </a:t>
-              </a:r>
-              <a:r>
-                <a:rPr lang="en-GB" sz="1100" dirty="0" smtClean="0"/>
-                <a:t>PIF-per </a:t>
-              </a:r>
-              <a:r>
-                <a:rPr lang="en-GB" sz="1100" dirty="0" smtClean="0"/>
-                <a:t>disease</a:t>
+                <a:t>PA PIF-per disease</a:t>
               </a:r>
               <a:endParaRPr lang="en-GB" sz="1100" dirty="0"/>
             </a:p>
@@ -5381,11 +5317,7 @@
               </a:r>
               <a:r>
                 <a:rPr lang="en-GB" sz="1100" dirty="0" smtClean="0"/>
-                <a:t>PIF-per </a:t>
-              </a:r>
-              <a:r>
-                <a:rPr lang="en-GB" sz="1100" dirty="0" smtClean="0"/>
-                <a:t>disease</a:t>
+                <a:t>PIF-per disease</a:t>
               </a:r>
               <a:endParaRPr lang="en-GB" sz="1100" dirty="0"/>
             </a:p>
@@ -5399,7 +5331,7 @@
           </p:nvSpPr>
           <p:spPr>
             <a:xfrm>
-              <a:off x="7588166" y="8176160"/>
+              <a:off x="7598156" y="8212478"/>
               <a:ext cx="949252" cy="389407"/>
             </a:xfrm>
             <a:prstGeom prst="rect">
@@ -5414,7 +5346,7 @@
               <a:solidFill>
                 <a:schemeClr val="tx1"/>
               </a:solidFill>
-              <a:prstDash val="sysDash"/>
+              <a:prstDash val="solid"/>
             </a:ln>
           </p:spPr>
           <p:txBody>
@@ -5430,15 +5362,7 @@
               </a:pPr>
               <a:r>
                 <a:rPr lang="en-GB" sz="1100" dirty="0" smtClean="0"/>
-                <a:t>Noise </a:t>
-              </a:r>
-              <a:r>
-                <a:rPr lang="en-GB" sz="1100" dirty="0" smtClean="0"/>
-                <a:t>PIF-per </a:t>
-              </a:r>
-              <a:r>
-                <a:rPr lang="en-GB" sz="1100" dirty="0" smtClean="0"/>
-                <a:t>disease</a:t>
+                <a:t>Noise PIF-per disease</a:t>
               </a:r>
               <a:endParaRPr lang="en-GB" sz="1100" dirty="0"/>
             </a:p>
@@ -5467,7 +5391,7 @@
               <a:solidFill>
                 <a:schemeClr val="tx1"/>
               </a:solidFill>
-              <a:prstDash val="sysDash"/>
+              <a:prstDash val="solid"/>
             </a:ln>
           </p:spPr>
           <p:txBody>
@@ -5487,15 +5411,7 @@
               </a:r>
               <a:r>
                 <a:rPr lang="en-GB" sz="1100" dirty="0" smtClean="0"/>
-                <a:t> </a:t>
-              </a:r>
-              <a:r>
-                <a:rPr lang="en-GB" sz="1100" dirty="0" smtClean="0"/>
-                <a:t>PIF-per </a:t>
-              </a:r>
-              <a:r>
-                <a:rPr lang="en-GB" sz="1100" dirty="0" smtClean="0"/>
-                <a:t>disease</a:t>
+                <a:t> PIF-per disease</a:t>
               </a:r>
               <a:endParaRPr lang="en-GB" sz="1100" dirty="0"/>
             </a:p>
@@ -5573,11 +5489,7 @@
             <a:pPr algn="ctr"/>
             <a:r>
               <a:rPr lang="en-GB" sz="1100" dirty="0" smtClean="0"/>
-              <a:t>Disease YLD and </a:t>
-            </a:r>
-            <a:r>
-              <a:rPr lang="en-GB" sz="1100" dirty="0" smtClean="0"/>
-              <a:t>prevalence (DW)</a:t>
+              <a:t>Disease YLD and prevalence (DW)</a:t>
             </a:r>
             <a:endParaRPr lang="en-GB" sz="1100" dirty="0"/>
           </a:p>
@@ -5791,7 +5703,7 @@
         <p:spPr>
           <a:xfrm>
             <a:off x="2404926" y="4749054"/>
-            <a:ext cx="599350" cy="675410"/>
+            <a:ext cx="623709" cy="699731"/>
           </a:xfrm>
           <a:prstGeom prst="straightConnector1">
             <a:avLst/>
@@ -6201,11 +6113,7 @@
             <a:p>
               <a:r>
                 <a:rPr lang="en-GB" sz="1200" dirty="0" smtClean="0"/>
-                <a:t>Life years </a:t>
-              </a:r>
-              <a:r>
-                <a:rPr lang="en-GB" sz="1200" dirty="0" smtClean="0"/>
-                <a:t>lived baseline</a:t>
+                <a:t>Life years lived baseline</a:t>
               </a:r>
             </a:p>
           </p:txBody>
@@ -6247,13 +6155,8 @@
             <a:p>
               <a:r>
                 <a:rPr lang="en-GB" sz="1200" dirty="0" smtClean="0"/>
-                <a:t>Health adjusted life </a:t>
+                <a:t>Health adjusted life years baseline</a:t>
               </a:r>
-              <a:r>
-                <a:rPr lang="en-GB" sz="1200" dirty="0" smtClean="0"/>
-                <a:t>years baseline</a:t>
-              </a:r>
-              <a:endParaRPr lang="en-GB" sz="1200" dirty="0" smtClean="0"/>
             </a:p>
           </p:txBody>
         </p:sp>
@@ -6347,7 +6250,6 @@
                 <a:rPr lang="en-GB" sz="1200" dirty="0" smtClean="0"/>
                 <a:t>Incidence baseline</a:t>
               </a:r>
-              <a:endParaRPr lang="en-GB" sz="1200" dirty="0" smtClean="0"/>
             </a:p>
           </p:txBody>
         </p:sp>
@@ -6398,13 +6300,8 @@
               </a:r>
               <a:r>
                 <a:rPr lang="en-GB" sz="1200" dirty="0" smtClean="0"/>
-                <a:t> </a:t>
+                <a:t> Mortality</a:t>
               </a:r>
-              <a:r>
-                <a:rPr lang="en-GB" sz="1200" dirty="0" smtClean="0"/>
-                <a:t>Mortality</a:t>
-              </a:r>
-              <a:endParaRPr lang="en-GB" sz="1200" dirty="0" smtClean="0"/>
             </a:p>
           </p:txBody>
         </p:sp>
@@ -6450,7 +6347,6 @@
                 <a:rPr lang="en-GB" sz="1200" dirty="0" smtClean="0"/>
                 <a:t>Prevalence baseline</a:t>
               </a:r>
-              <a:endParaRPr lang="en-GB" sz="1200" dirty="0" smtClean="0"/>
             </a:p>
           </p:txBody>
         </p:sp>
@@ -6530,11 +6426,7 @@
           <a:p>
             <a:r>
               <a:rPr lang="en-GB" sz="1200" dirty="0" smtClean="0"/>
-              <a:t>Life years </a:t>
-            </a:r>
-            <a:r>
-              <a:rPr lang="en-GB" sz="1200" dirty="0" smtClean="0"/>
-              <a:t>lived scenario</a:t>
+              <a:t>Life years lived scenario</a:t>
             </a:r>
           </a:p>
         </p:txBody>
@@ -6576,13 +6468,8 @@
           <a:p>
             <a:r>
               <a:rPr lang="en-GB" sz="1200" dirty="0" smtClean="0"/>
-              <a:t>Health adjusted life </a:t>
-            </a:r>
-            <a:r>
-              <a:rPr lang="en-GB" sz="1200" dirty="0" smtClean="0"/>
-              <a:t>years scenario</a:t>
-            </a:r>
-            <a:endParaRPr lang="en-GB" sz="1200" dirty="0" smtClean="0"/>
+              <a:t>Health adjusted life years scenario</a:t>
+            </a:r>
           </a:p>
         </p:txBody>
       </p:sp>
@@ -6663,13 +6550,8 @@
           <a:p>
             <a:r>
               <a:rPr lang="en-GB" sz="1200" dirty="0" smtClean="0"/>
-              <a:t>Mortality</a:t>
-            </a:r>
-            <a:r>
-              <a:rPr lang="en-GB" sz="1200" dirty="0" smtClean="0"/>
-              <a:t> scenarios</a:t>
-            </a:r>
-            <a:endParaRPr lang="en-GB" sz="1200" dirty="0" smtClean="0"/>
+              <a:t>Mortality scenarios</a:t>
+            </a:r>
           </a:p>
         </p:txBody>
       </p:sp>
@@ -6715,7 +6597,6 @@
               <a:rPr lang="en-GB" sz="1200" dirty="0" smtClean="0"/>
               <a:t>Prevalence scenario</a:t>
             </a:r>
-            <a:endParaRPr lang="en-GB" sz="1200" dirty="0" smtClean="0"/>
           </a:p>
         </p:txBody>
       </p:sp>
@@ -6761,7 +6642,6 @@
               <a:rPr lang="en-GB" sz="1200" dirty="0" smtClean="0"/>
               <a:t>Incidence scenario</a:t>
             </a:r>
-            <a:endParaRPr lang="en-GB" sz="1200" dirty="0" smtClean="0"/>
           </a:p>
         </p:txBody>
       </p:sp>
@@ -6804,15 +6684,7 @@
             </a:r>
             <a:r>
               <a:rPr lang="en-GB" sz="1100" dirty="0" smtClean="0"/>
-              <a:t> All-cause </a:t>
-            </a:r>
-            <a:r>
-              <a:rPr lang="en-GB" sz="1100" dirty="0" smtClean="0"/>
-              <a:t>mortality </a:t>
-            </a:r>
-            <a:r>
-              <a:rPr lang="en-GB" sz="1100" dirty="0" smtClean="0"/>
-              <a:t>rates</a:t>
+              <a:t> All-cause mortality rates</a:t>
             </a:r>
             <a:endParaRPr lang="en-GB" sz="1100" dirty="0"/>
           </a:p>
@@ -6933,11 +6805,7 @@
             </a:r>
             <a:r>
               <a:rPr lang="en-GB" sz="1100" dirty="0" smtClean="0"/>
-              <a:t> </a:t>
-            </a:r>
-            <a:r>
-              <a:rPr lang="en-GB" sz="1100" dirty="0" smtClean="0"/>
-              <a:t>Total YLD rates</a:t>
+              <a:t> Total YLD rates</a:t>
             </a:r>
             <a:endParaRPr lang="en-GB" sz="1100" dirty="0"/>
           </a:p>
@@ -6990,13 +6858,8 @@
             </a:r>
             <a:r>
               <a:rPr lang="en-GB" sz="1200" dirty="0" smtClean="0"/>
-              <a:t> </a:t>
-            </a:r>
-            <a:r>
-              <a:rPr lang="en-GB" sz="1200" dirty="0" smtClean="0"/>
-              <a:t>Prevalence</a:t>
-            </a:r>
-            <a:endParaRPr lang="en-GB" sz="1200" dirty="0" smtClean="0"/>
+              <a:t> Prevalence</a:t>
+            </a:r>
           </a:p>
         </p:txBody>
       </p:sp>
@@ -7042,7 +6905,6 @@
               <a:rPr lang="en-GB" sz="1200" dirty="0" smtClean="0"/>
               <a:t>Prevalence baseline</a:t>
             </a:r>
-            <a:endParaRPr lang="en-GB" sz="1200" dirty="0" smtClean="0"/>
           </a:p>
         </p:txBody>
       </p:sp>
